--- a/1. Power BI Adoption/1.1 Power BI Adoption - What is the Series about.pptx
+++ b/1. Power BI Adoption/1.1 Power BI Adoption - What is the Series about.pptx
@@ -5,30 +5,31 @@
     <p:sldMasterId id="2147483738" r:id="rId4"/>
   </p:sldMasterIdLst>
   <p:notesMasterIdLst>
-    <p:notesMasterId r:id="rId18"/>
+    <p:notesMasterId r:id="rId19"/>
   </p:notesMasterIdLst>
   <p:handoutMasterIdLst>
-    <p:handoutMasterId r:id="rId19"/>
+    <p:handoutMasterId r:id="rId20"/>
   </p:handoutMasterIdLst>
   <p:sldIdLst>
-    <p:sldId id="8860" r:id="rId5"/>
+    <p:sldId id="8825" r:id="rId5"/>
     <p:sldId id="8833" r:id="rId6"/>
     <p:sldId id="8855" r:id="rId7"/>
     <p:sldId id="8789" r:id="rId8"/>
-    <p:sldId id="259" r:id="rId9"/>
-    <p:sldId id="8856" r:id="rId10"/>
-    <p:sldId id="8835" r:id="rId11"/>
-    <p:sldId id="8846" r:id="rId12"/>
-    <p:sldId id="8854" r:id="rId13"/>
-    <p:sldId id="8837" r:id="rId14"/>
-    <p:sldId id="495" r:id="rId15"/>
-    <p:sldId id="8831" r:id="rId16"/>
-    <p:sldId id="8861" r:id="rId17"/>
+    <p:sldId id="264" r:id="rId9"/>
+    <p:sldId id="259" r:id="rId10"/>
+    <p:sldId id="8856" r:id="rId11"/>
+    <p:sldId id="8835" r:id="rId12"/>
+    <p:sldId id="8846" r:id="rId13"/>
+    <p:sldId id="8854" r:id="rId14"/>
+    <p:sldId id="8837" r:id="rId15"/>
+    <p:sldId id="495" r:id="rId16"/>
+    <p:sldId id="8831" r:id="rId17"/>
+    <p:sldId id="8861" r:id="rId18"/>
   </p:sldIdLst>
   <p:sldSz cx="12192000" cy="6858000"/>
   <p:notesSz cx="7104063" cy="10234613"/>
   <p:custDataLst>
-    <p:tags r:id="rId20"/>
+    <p:tags r:id="rId21"/>
   </p:custDataLst>
   <p:defaultTextStyle>
     <a:defPPr>
@@ -145,7 +146,7 @@
 <file path=ppt/revisionInfo.xml><?xml version="1.0" encoding="utf-8"?>
 <p1510:revInfo xmlns:a="http://schemas.openxmlformats.org/drawingml/2006/main" xmlns:r="http://schemas.openxmlformats.org/officeDocument/2006/relationships" xmlns:p1510="http://schemas.microsoft.com/office/powerpoint/2015/10/main">
   <p1510:revLst>
-    <p1510:client id="{801C0728-53B4-4656-9288-4AC6FFDCC989}" v="53" dt="2019-11-07T14:51:31.198"/>
+    <p1510:client id="{801C0728-53B4-4656-9288-4AC6FFDCC989}" v="136" dt="2019-11-08T17:09:46.237"/>
   </p1510:revLst>
 </p1510:revInfo>
 </file>
@@ -8935,7 +8936,7 @@
                 <a:schemeClr val="bg1"/>
               </a:solidFill>
             </a:rPr>
-            <a:t>IT/Partner teach business</a:t>
+            <a:t>IT/Partner teaches business</a:t>
           </a:r>
         </a:p>
       </dgm:t>
@@ -9019,7 +9020,7 @@
       <dgm:spPr/>
     </dgm:pt>
     <dgm:pt modelId="{BD5BA69B-3BFF-4752-B657-90B44E71EC67}" type="pres">
-      <dgm:prSet presAssocID="{24B00135-BDCD-4403-AFB1-7365945E6E3E}" presName="backgroundArrow" presStyleLbl="node1" presStyleIdx="0" presStyleCnt="1" custLinFactNeighborX="-2053" custLinFactNeighborY="-1064"/>
+      <dgm:prSet presAssocID="{24B00135-BDCD-4403-AFB1-7365945E6E3E}" presName="backgroundArrow" presStyleLbl="node1" presStyleIdx="0" presStyleCnt="1" custLinFactNeighborX="-231" custLinFactNeighborY="-60"/>
       <dgm:spPr>
         <a:solidFill>
           <a:schemeClr val="tx1"/>
@@ -12183,8 +12184,8 @@
       </dsp:nvSpPr>
       <dsp:spPr>
         <a:xfrm>
-          <a:off x="0" y="0"/>
-          <a:ext cx="3438673" cy="1440000"/>
+          <a:off x="0" y="72088"/>
+          <a:ext cx="3438673" cy="1296000"/>
         </a:xfrm>
         <a:prstGeom prst="rightArrow">
           <a:avLst/>
@@ -12227,8 +12228,8 @@
       </dsp:nvSpPr>
       <dsp:spPr>
         <a:xfrm>
-          <a:off x="277377" y="360866"/>
-          <a:ext cx="2817428" cy="720000"/>
+          <a:off x="277377" y="396866"/>
+          <a:ext cx="2817428" cy="648000"/>
         </a:xfrm>
         <a:prstGeom prst="rect">
           <a:avLst/>
@@ -12252,12 +12253,12 @@
         <a:fontRef idx="minor"/>
       </dsp:style>
       <dsp:txBody>
-        <a:bodyPr spcFirstLastPara="0" vert="horz" wrap="square" lIns="0" tIns="203200" rIns="0" bIns="203200" numCol="1" spcCol="1270" anchor="ctr" anchorCtr="0">
+        <a:bodyPr spcFirstLastPara="0" vert="horz" wrap="square" lIns="0" tIns="182880" rIns="0" bIns="182880" numCol="1" spcCol="1270" anchor="ctr" anchorCtr="0">
           <a:noAutofit/>
         </a:bodyPr>
         <a:lstStyle/>
         <a:p>
-          <a:pPr marL="0" lvl="0" indent="0" algn="ctr" defTabSz="889000">
+          <a:pPr marL="0" lvl="0" indent="0" algn="ctr" defTabSz="800100">
             <a:lnSpc>
               <a:spcPct val="90000"/>
             </a:lnSpc>
@@ -12270,18 +12271,18 @@
             <a:buNone/>
           </a:pPr>
           <a:r>
-            <a:rPr lang="en-GB" sz="2000" kern="1200" dirty="0">
+            <a:rPr lang="en-GB" sz="1800" kern="1200" dirty="0">
               <a:solidFill>
                 <a:schemeClr val="bg1"/>
               </a:solidFill>
             </a:rPr>
-            <a:t>IT/Partner teach business</a:t>
+            <a:t>IT/Partner teaches business</a:t>
           </a:r>
         </a:p>
       </dsp:txBody>
       <dsp:txXfrm>
-        <a:off x="277377" y="360866"/>
-        <a:ext cx="2817428" cy="720000"/>
+        <a:off x="277377" y="396866"/>
+        <a:ext cx="2817428" cy="648000"/>
       </dsp:txXfrm>
     </dsp:sp>
   </dsp:spTree>
@@ -25218,7 +25219,7 @@
           <a:p>
             <a:fld id="{A20ACBEE-26EB-47D1-A9F0-3869EF1078CC}" type="datetimeFigureOut">
               <a:rPr lang="en-US" smtClean="0"/>
-              <a:t>11/7/2019</a:t>
+              <a:t>11/8/2019</a:t>
             </a:fld>
             <a:endParaRPr lang="en-US" dirty="0"/>
           </a:p>
@@ -25383,7 +25384,7 @@
           <a:p>
             <a:fld id="{51F472B0-9DBF-4374-8A70-DE9093E7996C}" type="datetimeFigureOut">
               <a:rPr lang="en-US" smtClean="0"/>
-              <a:t>11/7/2019</a:t>
+              <a:t>11/8/2019</a:t>
             </a:fld>
             <a:endParaRPr lang="en-US" dirty="0"/>
           </a:p>
@@ -25724,7 +25725,7 @@
     </p:spTree>
     <p:extLst>
       <p:ext uri="{BB962C8B-B14F-4D97-AF65-F5344CB8AC3E}">
-        <p14:creationId xmlns:p14="http://schemas.microsoft.com/office/powerpoint/2010/main" val="2187378675"/>
+        <p14:creationId xmlns:p14="http://schemas.microsoft.com/office/powerpoint/2010/main" val="2806945709"/>
       </p:ext>
     </p:extLst>
   </p:cSld>
@@ -25789,7 +25790,7 @@
             <a:spLocks noGrp="1"/>
           </p:cNvSpPr>
           <p:nvPr>
-            <p:ph type="sldNum" sz="quarter" idx="10"/>
+            <p:ph type="sldNum" sz="quarter" idx="5"/>
           </p:nvPr>
         </p:nvSpPr>
         <p:spPr/>
@@ -25808,6 +25809,90 @@
     </p:spTree>
     <p:extLst>
       <p:ext uri="{BB962C8B-B14F-4D97-AF65-F5344CB8AC3E}">
+        <p14:creationId xmlns:p14="http://schemas.microsoft.com/office/powerpoint/2010/main" val="4248886198"/>
+      </p:ext>
+    </p:extLst>
+  </p:cSld>
+  <p:clrMapOvr>
+    <a:masterClrMapping/>
+  </p:clrMapOvr>
+</p:notes>
+</file>
+
+<file path=ppt/notesSlides/notesSlide11.xml><?xml version="1.0" encoding="utf-8"?>
+<p:notes xmlns:a="http://schemas.openxmlformats.org/drawingml/2006/main" xmlns:r="http://schemas.openxmlformats.org/officeDocument/2006/relationships" xmlns:p="http://schemas.openxmlformats.org/presentationml/2006/main">
+  <p:cSld>
+    <p:spTree>
+      <p:nvGrpSpPr>
+        <p:cNvPr id="1" name=""/>
+        <p:cNvGrpSpPr/>
+        <p:nvPr/>
+      </p:nvGrpSpPr>
+      <p:grpSpPr>
+        <a:xfrm>
+          <a:off x="0" y="0"/>
+          <a:ext cx="0" cy="0"/>
+          <a:chOff x="0" y="0"/>
+          <a:chExt cx="0" cy="0"/>
+        </a:xfrm>
+      </p:grpSpPr>
+      <p:sp>
+        <p:nvSpPr>
+          <p:cNvPr id="2" name="Slide Image Placeholder 1"/>
+          <p:cNvSpPr>
+            <a:spLocks noGrp="1" noRot="1" noChangeAspect="1"/>
+          </p:cNvSpPr>
+          <p:nvPr>
+            <p:ph type="sldImg"/>
+          </p:nvPr>
+        </p:nvSpPr>
+        <p:spPr/>
+      </p:sp>
+      <p:sp>
+        <p:nvSpPr>
+          <p:cNvPr id="3" name="Notes Placeholder 2"/>
+          <p:cNvSpPr>
+            <a:spLocks noGrp="1"/>
+          </p:cNvSpPr>
+          <p:nvPr>
+            <p:ph type="body" idx="1"/>
+          </p:nvPr>
+        </p:nvSpPr>
+        <p:spPr/>
+        <p:txBody>
+          <a:bodyPr/>
+          <a:lstStyle/>
+          <a:p>
+            <a:endParaRPr lang="en-GB" dirty="0"/>
+          </a:p>
+        </p:txBody>
+      </p:sp>
+      <p:sp>
+        <p:nvSpPr>
+          <p:cNvPr id="4" name="Slide Number Placeholder 3"/>
+          <p:cNvSpPr>
+            <a:spLocks noGrp="1"/>
+          </p:cNvSpPr>
+          <p:nvPr>
+            <p:ph type="sldNum" sz="quarter" idx="10"/>
+          </p:nvPr>
+        </p:nvSpPr>
+        <p:spPr/>
+        <p:txBody>
+          <a:bodyPr/>
+          <a:lstStyle/>
+          <a:p>
+            <a:fld id="{DD81A89D-8738-4ED5-BF6E-F438F4965D3F}" type="slidenum">
+              <a:rPr lang="en-US" smtClean="0"/>
+              <a:t>11</a:t>
+            </a:fld>
+            <a:endParaRPr lang="en-US" dirty="0"/>
+          </a:p>
+        </p:txBody>
+      </p:sp>
+    </p:spTree>
+    <p:extLst>
+      <p:ext uri="{BB962C8B-B14F-4D97-AF65-F5344CB8AC3E}">
         <p14:creationId xmlns:p14="http://schemas.microsoft.com/office/powerpoint/2010/main" val="1385016382"/>
       </p:ext>
     </p:extLst>
@@ -25818,7 +25903,7 @@
 </p:notes>
 </file>
 
-<file path=ppt/notesSlides/notesSlide11.xml><?xml version="1.0" encoding="utf-8"?>
+<file path=ppt/notesSlides/notesSlide12.xml><?xml version="1.0" encoding="utf-8"?>
 <p:notes xmlns:a="http://schemas.openxmlformats.org/drawingml/2006/main" xmlns:r="http://schemas.openxmlformats.org/officeDocument/2006/relationships" xmlns:p="http://schemas.openxmlformats.org/presentationml/2006/main">
   <p:cSld>
     <p:spTree>
@@ -25943,7 +26028,7 @@
                 <a:tabLst/>
                 <a:defRPr/>
               </a:pPr>
-              <a:t>11</a:t>
+              <a:t>12</a:t>
             </a:fld>
             <a:endParaRPr kumimoji="0" lang="en-US" sz="1800" b="0" i="0" u="none" strike="noStrike" kern="0" cap="none" spc="0" normalizeH="0" baseline="0" noProof="0" dirty="0">
               <a:ln>
@@ -25975,7 +26060,7 @@
 </p:notes>
 </file>
 
-<file path=ppt/notesSlides/notesSlide12.xml><?xml version="1.0" encoding="utf-8"?>
+<file path=ppt/notesSlides/notesSlide13.xml><?xml version="1.0" encoding="utf-8"?>
 <p:notes xmlns:a="http://schemas.openxmlformats.org/drawingml/2006/main" xmlns:r="http://schemas.openxmlformats.org/officeDocument/2006/relationships" xmlns:p="http://schemas.openxmlformats.org/presentationml/2006/main">
   <p:cSld>
     <p:spTree>
@@ -26096,7 +26181,7 @@
                 <a:tabLst/>
                 <a:defRPr/>
               </a:pPr>
-              <a:t>12</a:t>
+              <a:t>13</a:t>
             </a:fld>
             <a:endParaRPr kumimoji="0" lang="en-US" sz="1800" b="0" i="0" u="none" strike="noStrike" kern="0" cap="none" spc="0" normalizeH="0" baseline="0" noProof="0" dirty="0">
               <a:ln>
@@ -26473,7 +26558,7 @@
                 <a:tabLst/>
                 <a:defRPr/>
               </a:pPr>
-              <a:t>11/7/2019</a:t>
+              <a:t>11/8/2019</a:t>
             </a:fld>
             <a:endParaRPr kumimoji="0" lang="en-US" sz="1800" b="0" i="0" u="none" strike="noStrike" kern="0" cap="none" spc="0" normalizeH="0" baseline="0" noProof="0" dirty="0">
               <a:ln>
@@ -26632,6 +26717,188 @@
           <a:bodyPr/>
           <a:lstStyle/>
           <a:p>
+            <a:pPr lvl="0"/>
+            <a:endParaRPr lang="en-GB" dirty="0"/>
+          </a:p>
+        </p:txBody>
+      </p:sp>
+      <p:sp>
+        <p:nvSpPr>
+          <p:cNvPr id="4" name="Header Placeholder 3"/>
+          <p:cNvSpPr>
+            <a:spLocks noGrp="1"/>
+          </p:cNvSpPr>
+          <p:nvPr>
+            <p:ph type="hdr" sz="quarter" idx="10"/>
+          </p:nvPr>
+        </p:nvSpPr>
+        <p:spPr/>
+        <p:txBody>
+          <a:bodyPr/>
+          <a:lstStyle/>
+          <a:p>
+            <a:endParaRPr lang="en-US" dirty="0"/>
+          </a:p>
+        </p:txBody>
+      </p:sp>
+      <p:sp>
+        <p:nvSpPr>
+          <p:cNvPr id="5" name="Footer Placeholder 4"/>
+          <p:cNvSpPr>
+            <a:spLocks noGrp="1"/>
+          </p:cNvSpPr>
+          <p:nvPr>
+            <p:ph type="ftr" sz="quarter" idx="11"/>
+          </p:nvPr>
+        </p:nvSpPr>
+        <p:spPr/>
+        <p:txBody>
+          <a:bodyPr/>
+          <a:lstStyle/>
+          <a:p>
+            <a:pPr defTabSz="914099" eaLnBrk="0" hangingPunct="0"/>
+            <a:r>
+              <a:rPr lang="en-US" sz="400">
+                <a:gradFill>
+                  <a:gsLst>
+                    <a:gs pos="0">
+                      <a:prstClr val="black"/>
+                    </a:gs>
+                    <a:gs pos="100000">
+                      <a:prstClr val="black"/>
+                    </a:gs>
+                  </a:gsLst>
+                  <a:lin ang="5400000" scaled="0"/>
+                </a:gradFill>
+                <a:latin typeface="Segoe UI" pitchFamily="34" charset="0"/>
+                <a:ea typeface="Segoe UI" pitchFamily="34" charset="0"/>
+                <a:cs typeface="Segoe UI" pitchFamily="34" charset="0"/>
+              </a:rPr>
+              <a:t>© Microsoft Corporation. All rights reserved. MICROSOFT MAKES NO WARRANTIES, EXPRESS, IMPLIED OR STATUTORY, AS TO THE INFORMATION IN THIS PRESENTATION.</a:t>
+            </a:r>
+            <a:endParaRPr lang="en-US" sz="400" dirty="0">
+              <a:gradFill>
+                <a:gsLst>
+                  <a:gs pos="0">
+                    <a:prstClr val="black"/>
+                  </a:gs>
+                  <a:gs pos="100000">
+                    <a:prstClr val="black"/>
+                  </a:gs>
+                </a:gsLst>
+                <a:lin ang="5400000" scaled="0"/>
+              </a:gradFill>
+              <a:latin typeface="Segoe UI" pitchFamily="34" charset="0"/>
+              <a:ea typeface="Segoe UI" pitchFamily="34" charset="0"/>
+              <a:cs typeface="Segoe UI" pitchFamily="34" charset="0"/>
+            </a:endParaRPr>
+          </a:p>
+        </p:txBody>
+      </p:sp>
+      <p:sp>
+        <p:nvSpPr>
+          <p:cNvPr id="6" name="Date Placeholder 5"/>
+          <p:cNvSpPr>
+            <a:spLocks noGrp="1"/>
+          </p:cNvSpPr>
+          <p:nvPr>
+            <p:ph type="dt" idx="12"/>
+          </p:nvPr>
+        </p:nvSpPr>
+        <p:spPr/>
+        <p:txBody>
+          <a:bodyPr/>
+          <a:lstStyle/>
+          <a:p>
+            <a:fld id="{D18B56EA-E28F-4F92-9F16-7A6F2501B303}" type="datetime8">
+              <a:rPr lang="en-US" smtClean="0"/>
+              <a:t>11/8/2019 5:08 PM</a:t>
+            </a:fld>
+            <a:endParaRPr lang="en-US" dirty="0"/>
+          </a:p>
+        </p:txBody>
+      </p:sp>
+      <p:sp>
+        <p:nvSpPr>
+          <p:cNvPr id="7" name="Slide Number Placeholder 6"/>
+          <p:cNvSpPr>
+            <a:spLocks noGrp="1"/>
+          </p:cNvSpPr>
+          <p:nvPr>
+            <p:ph type="sldNum" sz="quarter" idx="13"/>
+          </p:nvPr>
+        </p:nvSpPr>
+        <p:spPr/>
+        <p:txBody>
+          <a:bodyPr/>
+          <a:lstStyle/>
+          <a:p>
+            <a:fld id="{B4008EB6-D09E-4580-8CD6-DDB14511944F}" type="slidenum">
+              <a:rPr lang="en-US" smtClean="0"/>
+              <a:pPr/>
+              <a:t>5</a:t>
+            </a:fld>
+            <a:endParaRPr lang="en-US" dirty="0"/>
+          </a:p>
+        </p:txBody>
+      </p:sp>
+    </p:spTree>
+    <p:extLst>
+      <p:ext uri="{BB962C8B-B14F-4D97-AF65-F5344CB8AC3E}">
+        <p14:creationId xmlns:p14="http://schemas.microsoft.com/office/powerpoint/2010/main" val="1996861213"/>
+      </p:ext>
+    </p:extLst>
+  </p:cSld>
+  <p:clrMapOvr>
+    <a:masterClrMapping/>
+  </p:clrMapOvr>
+</p:notes>
+</file>
+
+<file path=ppt/notesSlides/notesSlide6.xml><?xml version="1.0" encoding="utf-8"?>
+<p:notes xmlns:a="http://schemas.openxmlformats.org/drawingml/2006/main" xmlns:r="http://schemas.openxmlformats.org/officeDocument/2006/relationships" xmlns:p="http://schemas.openxmlformats.org/presentationml/2006/main">
+  <p:cSld>
+    <p:spTree>
+      <p:nvGrpSpPr>
+        <p:cNvPr id="1" name=""/>
+        <p:cNvGrpSpPr/>
+        <p:nvPr/>
+      </p:nvGrpSpPr>
+      <p:grpSpPr>
+        <a:xfrm>
+          <a:off x="0" y="0"/>
+          <a:ext cx="0" cy="0"/>
+          <a:chOff x="0" y="0"/>
+          <a:chExt cx="0" cy="0"/>
+        </a:xfrm>
+      </p:grpSpPr>
+      <p:sp>
+        <p:nvSpPr>
+          <p:cNvPr id="2" name="Slide Image Placeholder 1"/>
+          <p:cNvSpPr>
+            <a:spLocks noGrp="1" noRot="1" noChangeAspect="1"/>
+          </p:cNvSpPr>
+          <p:nvPr>
+            <p:ph type="sldImg"/>
+          </p:nvPr>
+        </p:nvSpPr>
+        <p:spPr/>
+      </p:sp>
+      <p:sp>
+        <p:nvSpPr>
+          <p:cNvPr id="3" name="Notes Placeholder 2"/>
+          <p:cNvSpPr>
+            <a:spLocks noGrp="1"/>
+          </p:cNvSpPr>
+          <p:nvPr>
+            <p:ph type="body" idx="1"/>
+          </p:nvPr>
+        </p:nvSpPr>
+        <p:spPr/>
+        <p:txBody>
+          <a:bodyPr/>
+          <a:lstStyle/>
+          <a:p>
             <a:endParaRPr lang="en-GB" dirty="0"/>
           </a:p>
         </p:txBody>
@@ -26653,7 +26920,7 @@
           <a:p>
             <a:fld id="{DD81A89D-8738-4ED5-BF6E-F438F4965D3F}" type="slidenum">
               <a:rPr lang="en-US" smtClean="0"/>
-              <a:t>5</a:t>
+              <a:t>6</a:t>
             </a:fld>
             <a:endParaRPr lang="en-US" dirty="0"/>
           </a:p>
@@ -26672,7 +26939,7 @@
 </p:notes>
 </file>
 
-<file path=ppt/notesSlides/notesSlide6.xml><?xml version="1.0" encoding="utf-8"?>
+<file path=ppt/notesSlides/notesSlide7.xml><?xml version="1.0" encoding="utf-8"?>
 <p:notes xmlns:a="http://schemas.openxmlformats.org/drawingml/2006/main" xmlns:r="http://schemas.openxmlformats.org/officeDocument/2006/relationships" xmlns:p="http://schemas.openxmlformats.org/presentationml/2006/main">
   <p:cSld>
     <p:spTree>
@@ -26904,7 +27171,7 @@
                 <a:tabLst/>
                 <a:defRPr/>
               </a:pPr>
-              <a:t>11/7/2019 2:45 PM</a:t>
+              <a:t>11/8/2019 5:08 PM</a:t>
             </a:fld>
             <a:endParaRPr kumimoji="0" lang="en-US" sz="1200" b="0" i="0" u="none" strike="noStrike" kern="1200" cap="none" spc="0" normalizeH="0" baseline="0" noProof="0">
               <a:ln>
@@ -26987,7 +27254,7 @@
                 <a:tabLst/>
                 <a:defRPr/>
               </a:pPr>
-              <a:t>6</a:t>
+              <a:t>7</a:t>
             </a:fld>
             <a:endParaRPr kumimoji="0" lang="en-US" sz="1200" b="0" i="0" u="none" strike="noStrike" kern="1200" cap="none" spc="0" normalizeH="0" baseline="0" noProof="0">
               <a:ln>
@@ -27019,7 +27286,7 @@
 </p:notes>
 </file>
 
-<file path=ppt/notesSlides/notesSlide7.xml><?xml version="1.0" encoding="utf-8"?>
+<file path=ppt/notesSlides/notesSlide8.xml><?xml version="1.0" encoding="utf-8"?>
 <p:notes xmlns:a="http://schemas.openxmlformats.org/drawingml/2006/main" xmlns:r="http://schemas.openxmlformats.org/officeDocument/2006/relationships" xmlns:p="http://schemas.openxmlformats.org/presentationml/2006/main">
   <p:cSld>
     <p:spTree>
@@ -27157,7 +27424,7 @@
           <a:p>
             <a:fld id="{D18B56EA-E28F-4F92-9F16-7A6F2501B303}" type="datetime8">
               <a:rPr lang="en-US" smtClean="0"/>
-              <a:t>11/7/2019 2:45 PM</a:t>
+              <a:t>11/8/2019 5:08 PM</a:t>
             </a:fld>
             <a:endParaRPr lang="en-US" dirty="0"/>
           </a:p>
@@ -27181,7 +27448,7 @@
             <a:fld id="{B4008EB6-D09E-4580-8CD6-DDB14511944F}" type="slidenum">
               <a:rPr lang="en-US" smtClean="0"/>
               <a:pPr/>
-              <a:t>7</a:t>
+              <a:t>8</a:t>
             </a:fld>
             <a:endParaRPr lang="en-US" dirty="0"/>
           </a:p>
@@ -27191,90 +27458,6 @@
     <p:extLst>
       <p:ext uri="{BB962C8B-B14F-4D97-AF65-F5344CB8AC3E}">
         <p14:creationId xmlns:p14="http://schemas.microsoft.com/office/powerpoint/2010/main" val="2383199767"/>
-      </p:ext>
-    </p:extLst>
-  </p:cSld>
-  <p:clrMapOvr>
-    <a:masterClrMapping/>
-  </p:clrMapOvr>
-</p:notes>
-</file>
-
-<file path=ppt/notesSlides/notesSlide8.xml><?xml version="1.0" encoding="utf-8"?>
-<p:notes xmlns:a="http://schemas.openxmlformats.org/drawingml/2006/main" xmlns:r="http://schemas.openxmlformats.org/officeDocument/2006/relationships" xmlns:p="http://schemas.openxmlformats.org/presentationml/2006/main">
-  <p:cSld>
-    <p:spTree>
-      <p:nvGrpSpPr>
-        <p:cNvPr id="1" name=""/>
-        <p:cNvGrpSpPr/>
-        <p:nvPr/>
-      </p:nvGrpSpPr>
-      <p:grpSpPr>
-        <a:xfrm>
-          <a:off x="0" y="0"/>
-          <a:ext cx="0" cy="0"/>
-          <a:chOff x="0" y="0"/>
-          <a:chExt cx="0" cy="0"/>
-        </a:xfrm>
-      </p:grpSpPr>
-      <p:sp>
-        <p:nvSpPr>
-          <p:cNvPr id="2" name="Slide Image Placeholder 1"/>
-          <p:cNvSpPr>
-            <a:spLocks noGrp="1" noRot="1" noChangeAspect="1"/>
-          </p:cNvSpPr>
-          <p:nvPr>
-            <p:ph type="sldImg"/>
-          </p:nvPr>
-        </p:nvSpPr>
-        <p:spPr/>
-      </p:sp>
-      <p:sp>
-        <p:nvSpPr>
-          <p:cNvPr id="3" name="Notes Placeholder 2"/>
-          <p:cNvSpPr>
-            <a:spLocks noGrp="1"/>
-          </p:cNvSpPr>
-          <p:nvPr>
-            <p:ph type="body" idx="1"/>
-          </p:nvPr>
-        </p:nvSpPr>
-        <p:spPr/>
-        <p:txBody>
-          <a:bodyPr/>
-          <a:lstStyle/>
-          <a:p>
-            <a:endParaRPr lang="en-GB" dirty="0"/>
-          </a:p>
-        </p:txBody>
-      </p:sp>
-      <p:sp>
-        <p:nvSpPr>
-          <p:cNvPr id="4" name="Slide Number Placeholder 3"/>
-          <p:cNvSpPr>
-            <a:spLocks noGrp="1"/>
-          </p:cNvSpPr>
-          <p:nvPr>
-            <p:ph type="sldNum" sz="quarter" idx="5"/>
-          </p:nvPr>
-        </p:nvSpPr>
-        <p:spPr/>
-        <p:txBody>
-          <a:bodyPr/>
-          <a:lstStyle/>
-          <a:p>
-            <a:fld id="{DD81A89D-8738-4ED5-BF6E-F438F4965D3F}" type="slidenum">
-              <a:rPr lang="en-US" smtClean="0"/>
-              <a:t>8</a:t>
-            </a:fld>
-            <a:endParaRPr lang="en-US" dirty="0"/>
-          </a:p>
-        </p:txBody>
-      </p:sp>
-    </p:spTree>
-    <p:extLst>
-      <p:ext uri="{BB962C8B-B14F-4D97-AF65-F5344CB8AC3E}">
-        <p14:creationId xmlns:p14="http://schemas.microsoft.com/office/powerpoint/2010/main" val="949591082"/>
       </p:ext>
     </p:extLst>
   </p:cSld>
@@ -27358,7 +27541,7 @@
     </p:spTree>
     <p:extLst>
       <p:ext uri="{BB962C8B-B14F-4D97-AF65-F5344CB8AC3E}">
-        <p14:creationId xmlns:p14="http://schemas.microsoft.com/office/powerpoint/2010/main" val="4248886198"/>
+        <p14:creationId xmlns:p14="http://schemas.microsoft.com/office/powerpoint/2010/main" val="949591082"/>
       </p:ext>
     </p:extLst>
   </p:cSld>
@@ -27556,7 +27739,13 @@
       </p:sp>
       <p:pic>
         <p:nvPicPr>
-          <p:cNvPr id="7" name="Picture 6"/>
+          <p:cNvPr id="6" name="Picture 5" descr="A picture containing plate&#10;&#10;Description automatically generated">
+            <a:extLst>
+              <a:ext uri="{FF2B5EF4-FFF2-40B4-BE49-F238E27FC236}">
+                <a16:creationId xmlns:a16="http://schemas.microsoft.com/office/drawing/2014/main" id="{D6A85A30-250C-419D-AF40-7BE0DC23EC7D}"/>
+              </a:ext>
+            </a:extLst>
+          </p:cNvPr>
           <p:cNvPicPr>
             <a:picLocks noChangeAspect="1"/>
           </p:cNvPicPr>
@@ -27565,6 +27754,15 @@
         <p:blipFill>
           <a:blip r:embed="rId2">
             <a:extLst>
+              <a:ext uri="{BEBA8EAE-BF5A-486C-A8C5-ECC9F3942E4B}">
+                <a14:imgProps xmlns:a14="http://schemas.microsoft.com/office/drawing/2010/main">
+                  <a14:imgLayer r:embed="rId3">
+                    <a14:imgEffect>
+                      <a14:backgroundRemoval t="10000" b="90000" l="10000" r="90000"/>
+                    </a14:imgEffect>
+                  </a14:imgLayer>
+                </a14:imgProps>
+              </a:ext>
               <a:ext uri="{28A0092B-C50C-407E-A947-70E740481C1C}">
                 <a14:useLocalDpi xmlns:a14="http://schemas.microsoft.com/office/drawing/2010/main" val="0"/>
               </a:ext>
@@ -27576,8 +27774,8 @@
         </p:blipFill>
         <p:spPr>
           <a:xfrm>
-            <a:off x="213939" y="199344"/>
-            <a:ext cx="1527557" cy="556031"/>
+            <a:off x="10842339" y="5659526"/>
+            <a:ext cx="1157963" cy="1157963"/>
           </a:xfrm>
           <a:prstGeom prst="rect">
             <a:avLst/>
@@ -27610,6 +27808,186 @@
 </file>
 
 <file path=ppt/slideLayouts/slideLayout10.xml><?xml version="1.0" encoding="utf-8"?>
+<p:sldLayout xmlns:a="http://schemas.openxmlformats.org/drawingml/2006/main" xmlns:r="http://schemas.openxmlformats.org/officeDocument/2006/relationships" xmlns:p="http://schemas.openxmlformats.org/presentationml/2006/main" preserve="1" userDrawn="1">
+  <p:cSld name="2_Blank">
+    <p:spTree>
+      <p:nvGrpSpPr>
+        <p:cNvPr id="1" name=""/>
+        <p:cNvGrpSpPr/>
+        <p:nvPr/>
+      </p:nvGrpSpPr>
+      <p:grpSpPr>
+        <a:xfrm>
+          <a:off x="0" y="0"/>
+          <a:ext cx="0" cy="0"/>
+          <a:chOff x="0" y="0"/>
+          <a:chExt cx="0" cy="0"/>
+        </a:xfrm>
+      </p:grpSpPr>
+      <p:sp>
+        <p:nvSpPr>
+          <p:cNvPr id="4" name="Rectangle 3"/>
+          <p:cNvSpPr/>
+          <p:nvPr userDrawn="1"/>
+        </p:nvSpPr>
+        <p:spPr>
+          <a:xfrm>
+            <a:off x="0" y="0"/>
+            <a:ext cx="12192000" cy="1189494"/>
+          </a:xfrm>
+          <a:prstGeom prst="rect">
+            <a:avLst/>
+          </a:prstGeom>
+          <a:solidFill>
+            <a:srgbClr val="1E1E1E"/>
+          </a:solidFill>
+          <a:ln>
+            <a:noFill/>
+          </a:ln>
+        </p:spPr>
+        <p:style>
+          <a:lnRef idx="2">
+            <a:schemeClr val="accent1">
+              <a:shade val="50000"/>
+            </a:schemeClr>
+          </a:lnRef>
+          <a:fillRef idx="1">
+            <a:schemeClr val="accent1"/>
+          </a:fillRef>
+          <a:effectRef idx="0">
+            <a:schemeClr val="accent1"/>
+          </a:effectRef>
+          <a:fontRef idx="minor">
+            <a:schemeClr val="lt1"/>
+          </a:fontRef>
+        </p:style>
+        <p:txBody>
+          <a:bodyPr lIns="548640" tIns="457200" rIns="457200" rtlCol="0" anchor="ctr"/>
+          <a:lstStyle/>
+          <a:p>
+            <a:endParaRPr lang="en-US" sz="5400" dirty="0">
+              <a:solidFill>
+                <a:srgbClr val="EDC30D"/>
+              </a:solidFill>
+              <a:latin typeface="Segoe UI Light" panose="020B0502040204020203" pitchFamily="34" charset="0"/>
+              <a:cs typeface="Segoe UI Light" panose="020B0502040204020203" pitchFamily="34" charset="0"/>
+            </a:endParaRPr>
+          </a:p>
+        </p:txBody>
+      </p:sp>
+      <p:sp>
+        <p:nvSpPr>
+          <p:cNvPr id="5" name="Title 1"/>
+          <p:cNvSpPr>
+            <a:spLocks noGrp="1"/>
+          </p:cNvSpPr>
+          <p:nvPr>
+            <p:ph type="title" hasCustomPrompt="1"/>
+          </p:nvPr>
+        </p:nvSpPr>
+        <p:spPr>
+          <a:xfrm>
+            <a:off x="269240" y="123092"/>
+            <a:ext cx="11655840" cy="956908"/>
+          </a:xfrm>
+        </p:spPr>
+        <p:txBody>
+          <a:bodyPr lIns="180000"/>
+          <a:lstStyle>
+            <a:lvl1pPr>
+              <a:defRPr sz="4800">
+                <a:solidFill>
+                  <a:srgbClr val="F2C811"/>
+                </a:solidFill>
+                <a:latin typeface="Segoe UI Light" panose="020B0502040204020203" pitchFamily="34" charset="0"/>
+                <a:cs typeface="Segoe UI Light" panose="020B0502040204020203" pitchFamily="34" charset="0"/>
+              </a:defRPr>
+            </a:lvl1pPr>
+          </a:lstStyle>
+          <a:p>
+            <a:r>
+              <a:rPr lang="en-US"/>
+              <a:t>Slide title</a:t>
+            </a:r>
+          </a:p>
+        </p:txBody>
+      </p:sp>
+      <p:sp>
+        <p:nvSpPr>
+          <p:cNvPr id="6" name="Text Placeholder 3"/>
+          <p:cNvSpPr>
+            <a:spLocks noGrp="1"/>
+          </p:cNvSpPr>
+          <p:nvPr>
+            <p:ph type="body" sz="quarter" idx="10"/>
+          </p:nvPr>
+        </p:nvSpPr>
+        <p:spPr>
+          <a:xfrm>
+            <a:off x="274638" y="1212850"/>
+            <a:ext cx="11887200" cy="2025170"/>
+          </a:xfrm>
+        </p:spPr>
+        <p:txBody>
+          <a:bodyPr>
+            <a:spAutoFit/>
+          </a:bodyPr>
+          <a:lstStyle>
+            <a:lvl1pPr>
+              <a:defRPr sz="3600"/>
+            </a:lvl1pPr>
+          </a:lstStyle>
+          <a:p>
+            <a:pPr lvl="0"/>
+            <a:r>
+              <a:rPr lang="en-US"/>
+              <a:t>Edit Master text styles</a:t>
+            </a:r>
+          </a:p>
+          <a:p>
+            <a:pPr lvl="1"/>
+            <a:r>
+              <a:rPr lang="en-US"/>
+              <a:t>Second level</a:t>
+            </a:r>
+          </a:p>
+          <a:p>
+            <a:pPr lvl="2"/>
+            <a:r>
+              <a:rPr lang="en-US"/>
+              <a:t>Third level</a:t>
+            </a:r>
+          </a:p>
+          <a:p>
+            <a:pPr lvl="3"/>
+            <a:r>
+              <a:rPr lang="en-US"/>
+              <a:t>Fourth level</a:t>
+            </a:r>
+          </a:p>
+          <a:p>
+            <a:pPr lvl="4"/>
+            <a:r>
+              <a:rPr lang="en-US"/>
+              <a:t>Fifth level</a:t>
+            </a:r>
+          </a:p>
+        </p:txBody>
+      </p:sp>
+    </p:spTree>
+    <p:extLst>
+      <p:ext uri="{BB962C8B-B14F-4D97-AF65-F5344CB8AC3E}">
+        <p14:creationId xmlns:p14="http://schemas.microsoft.com/office/powerpoint/2010/main" val="3664053516"/>
+      </p:ext>
+    </p:extLst>
+  </p:cSld>
+  <p:clrMapOvr>
+    <a:masterClrMapping/>
+  </p:clrMapOvr>
+</p:sldLayout>
+</file>
+
+<file path=ppt/slideLayouts/slideLayout11.xml><?xml version="1.0" encoding="utf-8"?>
 <p:sldLayout xmlns:a="http://schemas.openxmlformats.org/drawingml/2006/main" xmlns:r="http://schemas.openxmlformats.org/officeDocument/2006/relationships" xmlns:p="http://schemas.openxmlformats.org/presentationml/2006/main" preserve="1" userDrawn="1">
   <p:cSld name="Presentation Closing">
     <p:bg>
@@ -27691,7 +28069,13 @@
       </p:graphicFrame>
       <p:pic>
         <p:nvPicPr>
-          <p:cNvPr id="6" name="Picture 5"/>
+          <p:cNvPr id="5" name="Picture 4" descr="A picture containing plate&#10;&#10;Description automatically generated">
+            <a:extLst>
+              <a:ext uri="{FF2B5EF4-FFF2-40B4-BE49-F238E27FC236}">
+                <a16:creationId xmlns:a16="http://schemas.microsoft.com/office/drawing/2014/main" id="{66FC881D-83BE-4DF4-91B1-42EB97D23392}"/>
+              </a:ext>
+            </a:extLst>
+          </p:cNvPr>
           <p:cNvPicPr>
             <a:picLocks noChangeAspect="1"/>
           </p:cNvPicPr>
@@ -27700,6 +28084,15 @@
         <p:blipFill>
           <a:blip r:embed="rId6">
             <a:extLst>
+              <a:ext uri="{BEBA8EAE-BF5A-486C-A8C5-ECC9F3942E4B}">
+                <a14:imgProps xmlns:a14="http://schemas.microsoft.com/office/drawing/2010/main">
+                  <a14:imgLayer r:embed="rId7">
+                    <a14:imgEffect>
+                      <a14:backgroundRemoval t="10000" b="90000" l="10000" r="90000"/>
+                    </a14:imgEffect>
+                  </a14:imgLayer>
+                </a14:imgProps>
+              </a:ext>
               <a:ext uri="{28A0092B-C50C-407E-A947-70E740481C1C}">
                 <a14:useLocalDpi xmlns:a14="http://schemas.microsoft.com/office/drawing/2010/main" val="0"/>
               </a:ext>
@@ -27711,14 +28104,57 @@
         </p:blipFill>
         <p:spPr>
           <a:xfrm>
-            <a:off x="505486" y="2863031"/>
-            <a:ext cx="3056653" cy="1112622"/>
+            <a:off x="10842339" y="5659526"/>
+            <a:ext cx="1157963" cy="1157963"/>
           </a:xfrm>
           <a:prstGeom prst="rect">
             <a:avLst/>
           </a:prstGeom>
         </p:spPr>
       </p:pic>
+      <p:sp>
+        <p:nvSpPr>
+          <p:cNvPr id="6" name="Title 1">
+            <a:extLst>
+              <a:ext uri="{FF2B5EF4-FFF2-40B4-BE49-F238E27FC236}">
+                <a16:creationId xmlns:a16="http://schemas.microsoft.com/office/drawing/2014/main" id="{51E36CE3-C893-42CC-8706-D086D6C92178}"/>
+              </a:ext>
+            </a:extLst>
+          </p:cNvPr>
+          <p:cNvSpPr>
+            <a:spLocks noGrp="1"/>
+          </p:cNvSpPr>
+          <p:nvPr>
+            <p:ph type="ctrTitle" hasCustomPrompt="1"/>
+          </p:nvPr>
+        </p:nvSpPr>
+        <p:spPr>
+          <a:xfrm>
+            <a:off x="1488558" y="1776549"/>
+            <a:ext cx="9788342" cy="2721023"/>
+          </a:xfrm>
+        </p:spPr>
+        <p:txBody>
+          <a:bodyPr/>
+          <a:lstStyle>
+            <a:lvl1pPr>
+              <a:defRPr sz="6000">
+                <a:solidFill>
+                  <a:schemeClr val="tx1"/>
+                </a:solidFill>
+                <a:latin typeface="Segoe UI Semibold" panose="020B0702040204020203" pitchFamily="34" charset="0"/>
+                <a:cs typeface="Segoe UI Semibold" panose="020B0702040204020203" pitchFamily="34" charset="0"/>
+              </a:defRPr>
+            </a:lvl1pPr>
+          </a:lstStyle>
+          <a:p>
+            <a:r>
+              <a:rPr lang="en-US" dirty="0"/>
+              <a:t>Thank you</a:t>
+            </a:r>
+          </a:p>
+        </p:txBody>
+      </p:sp>
     </p:spTree>
     <p:extLst>
       <p:ext uri="{BB962C8B-B14F-4D97-AF65-F5344CB8AC3E}">
@@ -27744,7 +28180,185 @@
 </p:sldLayout>
 </file>
 
-<file path=ppt/slideLayouts/slideLayout11.xml><?xml version="1.0" encoding="utf-8"?>
+<file path=ppt/slideLayouts/slideLayout12.xml><?xml version="1.0" encoding="utf-8"?>
+<p:sldLayout xmlns:a="http://schemas.openxmlformats.org/drawingml/2006/main" xmlns:r="http://schemas.openxmlformats.org/officeDocument/2006/relationships" xmlns:p="http://schemas.openxmlformats.org/presentationml/2006/main" preserve="1" userDrawn="1">
+  <p:cSld name="1_Presentation Closing">
+    <p:bg>
+      <p:bgPr>
+        <a:solidFill>
+          <a:srgbClr val="505050"/>
+        </a:solidFill>
+        <a:effectLst/>
+      </p:bgPr>
+    </p:bg>
+    <p:spTree>
+      <p:nvGrpSpPr>
+        <p:cNvPr id="1" name=""/>
+        <p:cNvGrpSpPr/>
+        <p:nvPr/>
+      </p:nvGrpSpPr>
+      <p:grpSpPr>
+        <a:xfrm>
+          <a:off x="0" y="0"/>
+          <a:ext cx="0" cy="0"/>
+          <a:chOff x="0" y="0"/>
+          <a:chExt cx="0" cy="0"/>
+        </a:xfrm>
+      </p:grpSpPr>
+      <p:pic>
+        <p:nvPicPr>
+          <p:cNvPr id="5" name="Picture 4" descr="A picture containing drawing&#10;&#10;Description automatically generated">
+            <a:extLst>
+              <a:ext uri="{FF2B5EF4-FFF2-40B4-BE49-F238E27FC236}">
+                <a16:creationId xmlns:a16="http://schemas.microsoft.com/office/drawing/2014/main" id="{A4317677-3B5B-4CD9-96E0-4FC2E698F760}"/>
+              </a:ext>
+            </a:extLst>
+          </p:cNvPr>
+          <p:cNvPicPr>
+            <a:picLocks noChangeAspect="1"/>
+          </p:cNvPicPr>
+          <p:nvPr userDrawn="1"/>
+        </p:nvPicPr>
+        <p:blipFill>
+          <a:blip r:embed="rId4">
+            <a:extLst>
+              <a:ext uri="{28A0092B-C50C-407E-A947-70E740481C1C}">
+                <a14:useLocalDpi xmlns:a14="http://schemas.microsoft.com/office/drawing/2010/main" val="0"/>
+              </a:ext>
+            </a:extLst>
+          </a:blip>
+          <a:stretch>
+            <a:fillRect/>
+          </a:stretch>
+        </p:blipFill>
+        <p:spPr>
+          <a:xfrm>
+            <a:off x="368803" y="2701911"/>
+            <a:ext cx="3244428" cy="1454176"/>
+          </a:xfrm>
+          <a:prstGeom prst="rect">
+            <a:avLst/>
+          </a:prstGeom>
+          <a:noFill/>
+        </p:spPr>
+      </p:pic>
+      <p:pic>
+        <p:nvPicPr>
+          <p:cNvPr id="4" name="Picture 3" descr="A picture containing drawing&#10;&#10;Description automatically generated">
+            <a:extLst>
+              <a:ext uri="{FF2B5EF4-FFF2-40B4-BE49-F238E27FC236}">
+                <a16:creationId xmlns:a16="http://schemas.microsoft.com/office/drawing/2014/main" id="{5776017A-BD0F-450B-88C6-7A7F987D3867}"/>
+              </a:ext>
+            </a:extLst>
+          </p:cNvPr>
+          <p:cNvPicPr>
+            <a:picLocks noChangeAspect="1"/>
+          </p:cNvPicPr>
+          <p:nvPr userDrawn="1"/>
+        </p:nvPicPr>
+        <p:blipFill>
+          <a:blip r:embed="rId5">
+            <a:extLst>
+              <a:ext uri="{28A0092B-C50C-407E-A947-70E740481C1C}">
+                <a14:useLocalDpi xmlns:a14="http://schemas.microsoft.com/office/drawing/2010/main" val="0"/>
+              </a:ext>
+            </a:extLst>
+          </a:blip>
+          <a:stretch>
+            <a:fillRect/>
+          </a:stretch>
+        </p:blipFill>
+        <p:spPr>
+          <a:xfrm>
+            <a:off x="368803" y="2689374"/>
+            <a:ext cx="3300372" cy="1479251"/>
+          </a:xfrm>
+          <a:prstGeom prst="rect">
+            <a:avLst/>
+          </a:prstGeom>
+        </p:spPr>
+      </p:pic>
+      <p:graphicFrame>
+        <p:nvGraphicFramePr>
+          <p:cNvPr id="2" name="Object 1" hidden="1"/>
+          <p:cNvGraphicFramePr>
+            <a:graphicFrameLocks noChangeAspect="1"/>
+          </p:cNvGraphicFramePr>
+          <p:nvPr userDrawn="1">
+            <p:custDataLst>
+              <p:tags r:id="rId2"/>
+            </p:custDataLst>
+          </p:nvPr>
+        </p:nvGraphicFramePr>
+        <p:xfrm>
+          <a:off x="1557" y="1558"/>
+          <a:ext cx="1556" cy="1556"/>
+        </p:xfrm>
+        <a:graphic>
+          <a:graphicData uri="http://schemas.openxmlformats.org/presentationml/2006/ole">
+            <mc:AlternateContent xmlns:mc="http://schemas.openxmlformats.org/markup-compatibility/2006">
+              <mc:Choice xmlns:v="urn:schemas-microsoft-com:vml" Requires="v">
+                <p:oleObj spid="_x0000_s2050" name="think-cell Slide" r:id="rId6" imgW="270" imgH="270" progId="TCLayout.ActiveDocument.1">
+                  <p:embed/>
+                </p:oleObj>
+              </mc:Choice>
+              <mc:Fallback>
+                <p:oleObj name="think-cell Slide" r:id="rId6" imgW="270" imgH="270" progId="TCLayout.ActiveDocument.1">
+                  <p:embed/>
+                  <p:pic>
+                    <p:nvPicPr>
+                      <p:cNvPr id="2" name="Object 1" hidden="1"/>
+                      <p:cNvPicPr/>
+                      <p:nvPr/>
+                    </p:nvPicPr>
+                    <p:blipFill>
+                      <a:blip r:embed="rId7"/>
+                      <a:stretch>
+                        <a:fillRect/>
+                      </a:stretch>
+                    </p:blipFill>
+                    <p:spPr>
+                      <a:xfrm>
+                        <a:off x="1557" y="1558"/>
+                        <a:ext cx="1556" cy="1556"/>
+                      </a:xfrm>
+                      <a:prstGeom prst="rect">
+                        <a:avLst/>
+                      </a:prstGeom>
+                    </p:spPr>
+                  </p:pic>
+                </p:oleObj>
+              </mc:Fallback>
+            </mc:AlternateContent>
+          </a:graphicData>
+        </a:graphic>
+      </p:graphicFrame>
+    </p:spTree>
+    <p:extLst>
+      <p:ext uri="{BB962C8B-B14F-4D97-AF65-F5344CB8AC3E}">
+        <p14:creationId xmlns:p14="http://schemas.microsoft.com/office/powerpoint/2010/main" val="3121371660"/>
+      </p:ext>
+    </p:extLst>
+  </p:cSld>
+  <p:clrMapOvr>
+    <a:masterClrMapping/>
+  </p:clrMapOvr>
+  <mc:AlternateContent xmlns:mc="http://schemas.openxmlformats.org/markup-compatibility/2006" xmlns:p14="http://schemas.microsoft.com/office/powerpoint/2010/main">
+    <mc:Choice Requires="p14">
+      <p:transition spd="med" p14:dur="700">
+        <p:fade/>
+      </p:transition>
+    </mc:Choice>
+    <mc:Fallback xmlns="">
+      <p:transition spd="med">
+        <p:fade/>
+      </p:transition>
+    </mc:Fallback>
+  </mc:AlternateContent>
+</p:sldLayout>
+</file>
+
+<file path=ppt/slideLayouts/slideLayout13.xml><?xml version="1.0" encoding="utf-8"?>
 <p:sldLayout xmlns:a="http://schemas.openxmlformats.org/drawingml/2006/main" xmlns:r="http://schemas.openxmlformats.org/officeDocument/2006/relationships" xmlns:p="http://schemas.openxmlformats.org/presentationml/2006/main" userDrawn="1">
   <p:cSld name="Title Only">
     <p:spTree>
@@ -27809,7 +28423,7 @@
 </p:sldLayout>
 </file>
 
-<file path=ppt/slideLayouts/slideLayout12.xml><?xml version="1.0" encoding="utf-8"?>
+<file path=ppt/slideLayouts/slideLayout14.xml><?xml version="1.0" encoding="utf-8"?>
 <p:sldLayout xmlns:a="http://schemas.openxmlformats.org/drawingml/2006/main" xmlns:r="http://schemas.openxmlformats.org/officeDocument/2006/relationships" xmlns:p="http://schemas.openxmlformats.org/presentationml/2006/main" userDrawn="1">
   <p:cSld name="1_Title and Content">
     <p:spTree>
@@ -27949,7 +28563,7 @@
 </p:sldLayout>
 </file>
 
-<file path=ppt/slideLayouts/slideLayout13.xml><?xml version="1.0" encoding="utf-8"?>
+<file path=ppt/slideLayouts/slideLayout15.xml><?xml version="1.0" encoding="utf-8"?>
 <p:sldLayout xmlns:a="http://schemas.openxmlformats.org/drawingml/2006/main" xmlns:r="http://schemas.openxmlformats.org/officeDocument/2006/relationships" xmlns:p="http://schemas.openxmlformats.org/presentationml/2006/main" userDrawn="1">
   <p:cSld name="Blank Accent Color 2">
     <p:spTree>
@@ -27982,7 +28596,7 @@
 </p:sldLayout>
 </file>
 
-<file path=ppt/slideLayouts/slideLayout14.xml><?xml version="1.0" encoding="utf-8"?>
+<file path=ppt/slideLayouts/slideLayout16.xml><?xml version="1.0" encoding="utf-8"?>
 <p:sldLayout xmlns:a="http://schemas.openxmlformats.org/drawingml/2006/main" xmlns:r="http://schemas.openxmlformats.org/officeDocument/2006/relationships" xmlns:p="http://schemas.openxmlformats.org/presentationml/2006/main" userDrawn="1">
   <p:cSld name="Title and Content">
     <p:spTree>
@@ -28105,6 +28719,180 @@
 </file>
 
 <file path=ppt/slideLayouts/slideLayout2.xml><?xml version="1.0" encoding="utf-8"?>
+<p:sldLayout xmlns:a="http://schemas.openxmlformats.org/drawingml/2006/main" xmlns:r="http://schemas.openxmlformats.org/officeDocument/2006/relationships" xmlns:p="http://schemas.openxmlformats.org/presentationml/2006/main" preserve="1" userDrawn="1">
+  <p:cSld name="1_Presentation Title">
+    <p:bg>
+      <p:bgPr>
+        <a:solidFill>
+          <a:srgbClr val="505050"/>
+        </a:solidFill>
+        <a:effectLst/>
+      </p:bgPr>
+    </p:bg>
+    <p:spTree>
+      <p:nvGrpSpPr>
+        <p:cNvPr id="1" name=""/>
+        <p:cNvGrpSpPr/>
+        <p:nvPr/>
+      </p:nvGrpSpPr>
+      <p:grpSpPr>
+        <a:xfrm>
+          <a:off x="0" y="0"/>
+          <a:ext cx="0" cy="0"/>
+          <a:chOff x="0" y="0"/>
+          <a:chExt cx="0" cy="0"/>
+        </a:xfrm>
+      </p:grpSpPr>
+      <p:pic>
+        <p:nvPicPr>
+          <p:cNvPr id="6" name="Picture 5" descr="A picture containing drawing&#10;&#10;Description automatically generated">
+            <a:extLst>
+              <a:ext uri="{FF2B5EF4-FFF2-40B4-BE49-F238E27FC236}">
+                <a16:creationId xmlns:a16="http://schemas.microsoft.com/office/drawing/2014/main" id="{8F725DAA-1E84-4347-BC73-81B7FD2A7EC0}"/>
+              </a:ext>
+            </a:extLst>
+          </p:cNvPr>
+          <p:cNvPicPr>
+            <a:picLocks noChangeAspect="1"/>
+          </p:cNvPicPr>
+          <p:nvPr userDrawn="1"/>
+        </p:nvPicPr>
+        <p:blipFill>
+          <a:blip r:embed="rId2">
+            <a:extLst>
+              <a:ext uri="{28A0092B-C50C-407E-A947-70E740481C1C}">
+                <a14:useLocalDpi xmlns:a14="http://schemas.microsoft.com/office/drawing/2010/main" val="0"/>
+              </a:ext>
+            </a:extLst>
+          </a:blip>
+          <a:stretch>
+            <a:fillRect/>
+          </a:stretch>
+        </p:blipFill>
+        <p:spPr>
+          <a:xfrm>
+            <a:off x="36000" y="36000"/>
+            <a:ext cx="1847360" cy="828000"/>
+          </a:xfrm>
+          <a:prstGeom prst="rect">
+            <a:avLst/>
+          </a:prstGeom>
+          <a:noFill/>
+        </p:spPr>
+      </p:pic>
+      <p:sp>
+        <p:nvSpPr>
+          <p:cNvPr id="5" name="Title 1">
+            <a:extLst>
+              <a:ext uri="{FF2B5EF4-FFF2-40B4-BE49-F238E27FC236}">
+                <a16:creationId xmlns:a16="http://schemas.microsoft.com/office/drawing/2014/main" id="{F7989F08-A276-4B48-B04B-1B1BE3E00627}"/>
+              </a:ext>
+            </a:extLst>
+          </p:cNvPr>
+          <p:cNvSpPr>
+            <a:spLocks noGrp="1"/>
+          </p:cNvSpPr>
+          <p:nvPr>
+            <p:ph type="ctrTitle"/>
+          </p:nvPr>
+        </p:nvSpPr>
+        <p:spPr>
+          <a:xfrm>
+            <a:off x="1080999" y="1170446"/>
+            <a:ext cx="9788342" cy="2387600"/>
+          </a:xfrm>
+        </p:spPr>
+        <p:txBody>
+          <a:bodyPr>
+            <a:normAutofit/>
+          </a:bodyPr>
+          <a:lstStyle>
+            <a:lvl1pPr>
+              <a:defRPr baseline="0">
+                <a:solidFill>
+                  <a:schemeClr val="bg1"/>
+                </a:solidFill>
+              </a:defRPr>
+            </a:lvl1pPr>
+          </a:lstStyle>
+          <a:p>
+            <a:pPr algn="l"/>
+            <a:endParaRPr lang="en-US" sz="4800" dirty="0">
+              <a:solidFill>
+                <a:srgbClr val="282828"/>
+              </a:solidFill>
+              <a:latin typeface="Segoe UI Light" panose="020B0502040204020203" pitchFamily="34" charset="0"/>
+              <a:cs typeface="Segoe UI Light" panose="020B0502040204020203" pitchFamily="34" charset="0"/>
+            </a:endParaRPr>
+          </a:p>
+        </p:txBody>
+      </p:sp>
+      <p:sp>
+        <p:nvSpPr>
+          <p:cNvPr id="7" name="Subtitle 2">
+            <a:extLst>
+              <a:ext uri="{FF2B5EF4-FFF2-40B4-BE49-F238E27FC236}">
+                <a16:creationId xmlns:a16="http://schemas.microsoft.com/office/drawing/2014/main" id="{73B16463-5F58-466A-8027-4C7275167D34}"/>
+              </a:ext>
+            </a:extLst>
+          </p:cNvPr>
+          <p:cNvSpPr>
+            <a:spLocks noGrp="1"/>
+          </p:cNvSpPr>
+          <p:nvPr>
+            <p:ph type="subTitle" idx="1"/>
+          </p:nvPr>
+        </p:nvSpPr>
+        <p:spPr>
+          <a:xfrm>
+            <a:off x="1201829" y="3039204"/>
+            <a:ext cx="9788342" cy="2648350"/>
+          </a:xfrm>
+        </p:spPr>
+        <p:txBody>
+          <a:bodyPr>
+            <a:normAutofit/>
+          </a:bodyPr>
+          <a:lstStyle>
+            <a:lvl1pPr>
+              <a:defRPr>
+                <a:solidFill>
+                  <a:schemeClr val="bg1"/>
+                </a:solidFill>
+              </a:defRPr>
+            </a:lvl1pPr>
+          </a:lstStyle>
+          <a:p>
+            <a:endParaRPr lang="en-US" dirty="0"/>
+          </a:p>
+        </p:txBody>
+      </p:sp>
+    </p:spTree>
+    <p:extLst>
+      <p:ext uri="{BB962C8B-B14F-4D97-AF65-F5344CB8AC3E}">
+        <p14:creationId xmlns:p14="http://schemas.microsoft.com/office/powerpoint/2010/main" val="106454"/>
+      </p:ext>
+    </p:extLst>
+  </p:cSld>
+  <p:clrMapOvr>
+    <a:masterClrMapping/>
+  </p:clrMapOvr>
+  <mc:AlternateContent xmlns:mc="http://schemas.openxmlformats.org/markup-compatibility/2006" xmlns:p14="http://schemas.microsoft.com/office/powerpoint/2010/main">
+    <mc:Choice Requires="p14">
+      <p:transition spd="med" p14:dur="700">
+        <p:fade/>
+      </p:transition>
+    </mc:Choice>
+    <mc:Fallback xmlns="">
+      <p:transition spd="med">
+        <p:fade/>
+      </p:transition>
+    </mc:Fallback>
+  </mc:AlternateContent>
+</p:sldLayout>
+</file>
+
+<file path=ppt/slideLayouts/slideLayout3.xml><?xml version="1.0" encoding="utf-8"?>
 <p:sldLayout xmlns:a="http://schemas.openxmlformats.org/drawingml/2006/main" xmlns:r="http://schemas.openxmlformats.org/officeDocument/2006/relationships" xmlns:p="http://schemas.openxmlformats.org/presentationml/2006/main" preserve="1" userDrawn="1">
   <p:cSld name="Module Title">
     <p:bg>
@@ -28282,36 +29070,6 @@
           </a:p>
         </p:txBody>
       </p:sp>
-      <p:pic>
-        <p:nvPicPr>
-          <p:cNvPr id="10" name="Picture 9"/>
-          <p:cNvPicPr>
-            <a:picLocks noChangeAspect="1"/>
-          </p:cNvPicPr>
-          <p:nvPr userDrawn="1"/>
-        </p:nvPicPr>
-        <p:blipFill>
-          <a:blip r:embed="rId2">
-            <a:extLst>
-              <a:ext uri="{28A0092B-C50C-407E-A947-70E740481C1C}">
-                <a14:useLocalDpi xmlns:a14="http://schemas.microsoft.com/office/drawing/2010/main" val="0"/>
-              </a:ext>
-            </a:extLst>
-          </a:blip>
-          <a:stretch>
-            <a:fillRect/>
-          </a:stretch>
-        </p:blipFill>
-        <p:spPr>
-          <a:xfrm>
-            <a:off x="213939" y="199344"/>
-            <a:ext cx="1527557" cy="556031"/>
-          </a:xfrm>
-          <a:prstGeom prst="rect">
-            <a:avLst/>
-          </a:prstGeom>
-        </p:spPr>
-      </p:pic>
     </p:spTree>
     <p:extLst>
       <p:ext uri="{BB962C8B-B14F-4D97-AF65-F5344CB8AC3E}">
@@ -28615,7 +29373,7 @@
 </p:sldLayout>
 </file>
 
-<file path=ppt/slideLayouts/slideLayout3.xml><?xml version="1.0" encoding="utf-8"?>
+<file path=ppt/slideLayouts/slideLayout4.xml><?xml version="1.0" encoding="utf-8"?>
 <p:sldLayout xmlns:a="http://schemas.openxmlformats.org/drawingml/2006/main" xmlns:r="http://schemas.openxmlformats.org/officeDocument/2006/relationships" xmlns:p="http://schemas.openxmlformats.org/presentationml/2006/main" preserve="1" userDrawn="1">
   <p:cSld name="Blank Accent Color 3">
     <p:spTree>
@@ -28705,7 +29463,7 @@
 </p:sldLayout>
 </file>
 
-<file path=ppt/slideLayouts/slideLayout4.xml><?xml version="1.0" encoding="utf-8"?>
+<file path=ppt/slideLayouts/slideLayout5.xml><?xml version="1.0" encoding="utf-8"?>
 <p:sldLayout xmlns:a="http://schemas.openxmlformats.org/drawingml/2006/main" xmlns:r="http://schemas.openxmlformats.org/officeDocument/2006/relationships" xmlns:p="http://schemas.openxmlformats.org/presentationml/2006/main" preserve="1" userDrawn="1">
   <p:cSld name="3_Blank">
     <p:spTree>
@@ -28911,7 +29669,7 @@
 </p:sldLayout>
 </file>
 
-<file path=ppt/slideLayouts/slideLayout5.xml><?xml version="1.0" encoding="utf-8"?>
+<file path=ppt/slideLayouts/slideLayout6.xml><?xml version="1.0" encoding="utf-8"?>
 <p:sldLayout xmlns:a="http://schemas.openxmlformats.org/drawingml/2006/main" xmlns:r="http://schemas.openxmlformats.org/officeDocument/2006/relationships" xmlns:p="http://schemas.openxmlformats.org/presentationml/2006/main" preserve="1" userDrawn="1">
   <p:cSld name="4_Blank">
     <p:spTree>
@@ -29055,7 +29813,7 @@
 </p:sldLayout>
 </file>
 
-<file path=ppt/slideLayouts/slideLayout6.xml><?xml version="1.0" encoding="utf-8"?>
+<file path=ppt/slideLayouts/slideLayout7.xml><?xml version="1.0" encoding="utf-8"?>
 <p:sldLayout xmlns:a="http://schemas.openxmlformats.org/drawingml/2006/main" xmlns:r="http://schemas.openxmlformats.org/officeDocument/2006/relationships" xmlns:p="http://schemas.openxmlformats.org/presentationml/2006/main" preserve="1" userDrawn="1">
   <p:cSld name="5_Blank">
     <p:spTree>
@@ -29199,7 +29957,7 @@
 </p:sldLayout>
 </file>
 
-<file path=ppt/slideLayouts/slideLayout7.xml><?xml version="1.0" encoding="utf-8"?>
+<file path=ppt/slideLayouts/slideLayout8.xml><?xml version="1.0" encoding="utf-8"?>
 <p:sldLayout xmlns:a="http://schemas.openxmlformats.org/drawingml/2006/main" xmlns:r="http://schemas.openxmlformats.org/officeDocument/2006/relationships" xmlns:p="http://schemas.openxmlformats.org/presentationml/2006/main" preserve="1" userDrawn="1">
   <p:cSld name="6_Blank">
     <p:spTree>
@@ -29405,7 +30163,7 @@
 </p:sldLayout>
 </file>
 
-<file path=ppt/slideLayouts/slideLayout8.xml><?xml version="1.0" encoding="utf-8"?>
+<file path=ppt/slideLayouts/slideLayout9.xml><?xml version="1.0" encoding="utf-8"?>
 <p:sldLayout xmlns:a="http://schemas.openxmlformats.org/drawingml/2006/main" xmlns:r="http://schemas.openxmlformats.org/officeDocument/2006/relationships" xmlns:p="http://schemas.openxmlformats.org/presentationml/2006/main" preserve="1" userDrawn="1">
   <p:cSld name="1_Blank">
     <p:spTree>
@@ -29514,186 +30272,6 @@
     <p:extLst>
       <p:ext uri="{BB962C8B-B14F-4D97-AF65-F5344CB8AC3E}">
         <p14:creationId xmlns:p14="http://schemas.microsoft.com/office/powerpoint/2010/main" val="3445481541"/>
-      </p:ext>
-    </p:extLst>
-  </p:cSld>
-  <p:clrMapOvr>
-    <a:masterClrMapping/>
-  </p:clrMapOvr>
-</p:sldLayout>
-</file>
-
-<file path=ppt/slideLayouts/slideLayout9.xml><?xml version="1.0" encoding="utf-8"?>
-<p:sldLayout xmlns:a="http://schemas.openxmlformats.org/drawingml/2006/main" xmlns:r="http://schemas.openxmlformats.org/officeDocument/2006/relationships" xmlns:p="http://schemas.openxmlformats.org/presentationml/2006/main" preserve="1" userDrawn="1">
-  <p:cSld name="2_Blank">
-    <p:spTree>
-      <p:nvGrpSpPr>
-        <p:cNvPr id="1" name=""/>
-        <p:cNvGrpSpPr/>
-        <p:nvPr/>
-      </p:nvGrpSpPr>
-      <p:grpSpPr>
-        <a:xfrm>
-          <a:off x="0" y="0"/>
-          <a:ext cx="0" cy="0"/>
-          <a:chOff x="0" y="0"/>
-          <a:chExt cx="0" cy="0"/>
-        </a:xfrm>
-      </p:grpSpPr>
-      <p:sp>
-        <p:nvSpPr>
-          <p:cNvPr id="4" name="Rectangle 3"/>
-          <p:cNvSpPr/>
-          <p:nvPr userDrawn="1"/>
-        </p:nvSpPr>
-        <p:spPr>
-          <a:xfrm>
-            <a:off x="0" y="0"/>
-            <a:ext cx="12192000" cy="1189494"/>
-          </a:xfrm>
-          <a:prstGeom prst="rect">
-            <a:avLst/>
-          </a:prstGeom>
-          <a:solidFill>
-            <a:srgbClr val="1E1E1E"/>
-          </a:solidFill>
-          <a:ln>
-            <a:noFill/>
-          </a:ln>
-        </p:spPr>
-        <p:style>
-          <a:lnRef idx="2">
-            <a:schemeClr val="accent1">
-              <a:shade val="50000"/>
-            </a:schemeClr>
-          </a:lnRef>
-          <a:fillRef idx="1">
-            <a:schemeClr val="accent1"/>
-          </a:fillRef>
-          <a:effectRef idx="0">
-            <a:schemeClr val="accent1"/>
-          </a:effectRef>
-          <a:fontRef idx="minor">
-            <a:schemeClr val="lt1"/>
-          </a:fontRef>
-        </p:style>
-        <p:txBody>
-          <a:bodyPr lIns="548640" tIns="457200" rIns="457200" rtlCol="0" anchor="ctr"/>
-          <a:lstStyle/>
-          <a:p>
-            <a:endParaRPr lang="en-US" sz="5400" dirty="0">
-              <a:solidFill>
-                <a:srgbClr val="EDC30D"/>
-              </a:solidFill>
-              <a:latin typeface="Segoe UI Light" panose="020B0502040204020203" pitchFamily="34" charset="0"/>
-              <a:cs typeface="Segoe UI Light" panose="020B0502040204020203" pitchFamily="34" charset="0"/>
-            </a:endParaRPr>
-          </a:p>
-        </p:txBody>
-      </p:sp>
-      <p:sp>
-        <p:nvSpPr>
-          <p:cNvPr id="5" name="Title 1"/>
-          <p:cNvSpPr>
-            <a:spLocks noGrp="1"/>
-          </p:cNvSpPr>
-          <p:nvPr>
-            <p:ph type="title" hasCustomPrompt="1"/>
-          </p:nvPr>
-        </p:nvSpPr>
-        <p:spPr>
-          <a:xfrm>
-            <a:off x="269240" y="123092"/>
-            <a:ext cx="11655840" cy="956908"/>
-          </a:xfrm>
-        </p:spPr>
-        <p:txBody>
-          <a:bodyPr lIns="180000"/>
-          <a:lstStyle>
-            <a:lvl1pPr>
-              <a:defRPr sz="4800">
-                <a:solidFill>
-                  <a:srgbClr val="F2C811"/>
-                </a:solidFill>
-                <a:latin typeface="Segoe UI Light" panose="020B0502040204020203" pitchFamily="34" charset="0"/>
-                <a:cs typeface="Segoe UI Light" panose="020B0502040204020203" pitchFamily="34" charset="0"/>
-              </a:defRPr>
-            </a:lvl1pPr>
-          </a:lstStyle>
-          <a:p>
-            <a:r>
-              <a:rPr lang="en-US"/>
-              <a:t>Slide title</a:t>
-            </a:r>
-          </a:p>
-        </p:txBody>
-      </p:sp>
-      <p:sp>
-        <p:nvSpPr>
-          <p:cNvPr id="6" name="Text Placeholder 3"/>
-          <p:cNvSpPr>
-            <a:spLocks noGrp="1"/>
-          </p:cNvSpPr>
-          <p:nvPr>
-            <p:ph type="body" sz="quarter" idx="10"/>
-          </p:nvPr>
-        </p:nvSpPr>
-        <p:spPr>
-          <a:xfrm>
-            <a:off x="274638" y="1212850"/>
-            <a:ext cx="11887200" cy="2025170"/>
-          </a:xfrm>
-        </p:spPr>
-        <p:txBody>
-          <a:bodyPr>
-            <a:spAutoFit/>
-          </a:bodyPr>
-          <a:lstStyle>
-            <a:lvl1pPr>
-              <a:defRPr sz="3600"/>
-            </a:lvl1pPr>
-          </a:lstStyle>
-          <a:p>
-            <a:pPr lvl="0"/>
-            <a:r>
-              <a:rPr lang="en-US"/>
-              <a:t>Edit Master text styles</a:t>
-            </a:r>
-          </a:p>
-          <a:p>
-            <a:pPr lvl="1"/>
-            <a:r>
-              <a:rPr lang="en-US"/>
-              <a:t>Second level</a:t>
-            </a:r>
-          </a:p>
-          <a:p>
-            <a:pPr lvl="2"/>
-            <a:r>
-              <a:rPr lang="en-US"/>
-              <a:t>Third level</a:t>
-            </a:r>
-          </a:p>
-          <a:p>
-            <a:pPr lvl="3"/>
-            <a:r>
-              <a:rPr lang="en-US"/>
-              <a:t>Fourth level</a:t>
-            </a:r>
-          </a:p>
-          <a:p>
-            <a:pPr lvl="4"/>
-            <a:r>
-              <a:rPr lang="en-US"/>
-              <a:t>Fifth level</a:t>
-            </a:r>
-          </a:p>
-        </p:txBody>
-      </p:sp>
-    </p:spTree>
-    <p:extLst>
-      <p:ext uri="{BB962C8B-B14F-4D97-AF65-F5344CB8AC3E}">
-        <p14:creationId xmlns:p14="http://schemas.microsoft.com/office/powerpoint/2010/main" val="3664053516"/>
       </p:ext>
     </p:extLst>
   </p:cSld>
@@ -29828,19 +30406,21 @@
   <p:clrMap bg1="lt1" tx1="dk1" bg2="lt2" tx2="dk2" accent1="accent1" accent2="accent2" accent3="accent3" accent4="accent4" accent5="accent5" accent6="accent6" hlink="hlink" folHlink="folHlink"/>
   <p:sldLayoutIdLst>
     <p:sldLayoutId id="2147483739" r:id="rId1"/>
-    <p:sldLayoutId id="2147483888" r:id="rId2"/>
-    <p:sldLayoutId id="2147483890" r:id="rId3"/>
-    <p:sldLayoutId id="2147483919" r:id="rId4"/>
-    <p:sldLayoutId id="2147483920" r:id="rId5"/>
-    <p:sldLayoutId id="2147483922" r:id="rId6"/>
-    <p:sldLayoutId id="2147483925" r:id="rId7"/>
-    <p:sldLayoutId id="2147483894" r:id="rId8"/>
-    <p:sldLayoutId id="2147483895" r:id="rId9"/>
-    <p:sldLayoutId id="2147483876" r:id="rId10"/>
-    <p:sldLayoutId id="2147483984" r:id="rId11"/>
-    <p:sldLayoutId id="2147484112" r:id="rId12"/>
-    <p:sldLayoutId id="2147484115" r:id="rId13"/>
-    <p:sldLayoutId id="2147484134" r:id="rId14"/>
+    <p:sldLayoutId id="2147484135" r:id="rId2"/>
+    <p:sldLayoutId id="2147483888" r:id="rId3"/>
+    <p:sldLayoutId id="2147483890" r:id="rId4"/>
+    <p:sldLayoutId id="2147483919" r:id="rId5"/>
+    <p:sldLayoutId id="2147483920" r:id="rId6"/>
+    <p:sldLayoutId id="2147483922" r:id="rId7"/>
+    <p:sldLayoutId id="2147483925" r:id="rId8"/>
+    <p:sldLayoutId id="2147483894" r:id="rId9"/>
+    <p:sldLayoutId id="2147483895" r:id="rId10"/>
+    <p:sldLayoutId id="2147483876" r:id="rId11"/>
+    <p:sldLayoutId id="2147484136" r:id="rId12"/>
+    <p:sldLayoutId id="2147483984" r:id="rId13"/>
+    <p:sldLayoutId id="2147484112" r:id="rId14"/>
+    <p:sldLayoutId id="2147484115" r:id="rId15"/>
+    <p:sldLayoutId id="2147484134" r:id="rId16"/>
   </p:sldLayoutIdLst>
   <mc:AlternateContent xmlns:mc="http://schemas.openxmlformats.org/markup-compatibility/2006" xmlns:p14="http://schemas.microsoft.com/office/powerpoint/2010/main">
     <mc:Choice Requires="p14">
@@ -30264,13 +30844,13 @@
             </a:r>
           </a:p>
           <a:p>
+            <a:endParaRPr lang="en-US" sz="1800" dirty="0"/>
+          </a:p>
+          <a:p>
             <a:r>
               <a:rPr lang="en-US" sz="1800" dirty="0"/>
               <a:t>Overview of the series</a:t>
             </a:r>
-          </a:p>
-          <a:p>
-            <a:endParaRPr lang="en-US" dirty="0"/>
           </a:p>
         </p:txBody>
       </p:sp>
@@ -30280,7 +30860,7 @@
     </p:custDataLst>
     <p:extLst>
       <p:ext uri="{BB962C8B-B14F-4D97-AF65-F5344CB8AC3E}">
-        <p14:creationId xmlns:p14="http://schemas.microsoft.com/office/powerpoint/2010/main" val="697906019"/>
+        <p14:creationId xmlns:p14="http://schemas.microsoft.com/office/powerpoint/2010/main" val="3342699643"/>
       </p:ext>
     </p:extLst>
   </p:cSld>
@@ -30289,12 +30869,12 @@
   </p:clrMapOvr>
   <mc:AlternateContent xmlns:mc="http://schemas.openxmlformats.org/markup-compatibility/2006" xmlns:p14="http://schemas.microsoft.com/office/powerpoint/2010/main">
     <mc:Choice Requires="p14">
-      <p:transition spd="med" p14:dur="700" advTm="13453">
+      <p:transition spd="med" p14:dur="700" advTm="19151">
         <p:fade/>
       </p:transition>
     </mc:Choice>
     <mc:Fallback xmlns="">
-      <p:transition spd="med" advTm="13453">
+      <p:transition spd="med" advTm="19151">
         <p:fade/>
       </p:transition>
     </mc:Fallback>
@@ -30303,6 +30883,1744 @@
 </file>
 
 <file path=ppt/slides/slide10.xml><?xml version="1.0" encoding="utf-8"?>
+<p:sld xmlns:a="http://schemas.openxmlformats.org/drawingml/2006/main" xmlns:r="http://schemas.openxmlformats.org/officeDocument/2006/relationships" xmlns:p="http://schemas.openxmlformats.org/presentationml/2006/main">
+  <p:cSld>
+    <p:spTree>
+      <p:nvGrpSpPr>
+        <p:cNvPr id="1" name=""/>
+        <p:cNvGrpSpPr/>
+        <p:nvPr/>
+      </p:nvGrpSpPr>
+      <p:grpSpPr>
+        <a:xfrm>
+          <a:off x="0" y="0"/>
+          <a:ext cx="0" cy="0"/>
+          <a:chOff x="0" y="0"/>
+          <a:chExt cx="0" cy="0"/>
+        </a:xfrm>
+      </p:grpSpPr>
+      <p:sp>
+        <p:nvSpPr>
+          <p:cNvPr id="4" name="Title 3">
+            <a:extLst>
+              <a:ext uri="{FF2B5EF4-FFF2-40B4-BE49-F238E27FC236}">
+                <a16:creationId xmlns:a16="http://schemas.microsoft.com/office/drawing/2014/main" id="{8FECBBAA-3D74-4893-8115-66439E39D67A}"/>
+              </a:ext>
+            </a:extLst>
+          </p:cNvPr>
+          <p:cNvSpPr>
+            <a:spLocks noGrp="1"/>
+          </p:cNvSpPr>
+          <p:nvPr>
+            <p:ph type="title"/>
+          </p:nvPr>
+        </p:nvSpPr>
+        <p:spPr/>
+        <p:txBody>
+          <a:bodyPr vert="horz" lIns="91440" tIns="45720" rIns="91440" bIns="45720" rtlCol="0" anchor="ctr">
+            <a:normAutofit fontScale="90000"/>
+          </a:bodyPr>
+          <a:lstStyle/>
+          <a:p>
+            <a:pPr defTabSz="914400">
+              <a:lnSpc>
+                <a:spcPct val="90000"/>
+              </a:lnSpc>
+            </a:pPr>
+            <a:r>
+              <a:rPr lang="en-US" sz="4900" dirty="0"/>
+              <a:t>Power</a:t>
+            </a:r>
+            <a:r>
+              <a:rPr lang="en-US" sz="4400" kern="1200" dirty="0">
+                <a:solidFill>
+                  <a:schemeClr val="tx1"/>
+                </a:solidFill>
+                <a:latin typeface="+mj-lt"/>
+                <a:ea typeface="+mj-ea"/>
+                <a:cs typeface="+mj-cs"/>
+              </a:rPr>
+              <a:t> </a:t>
+            </a:r>
+            <a:r>
+              <a:rPr lang="en-US" sz="4900" dirty="0"/>
+              <a:t>BI Adoption Methodology</a:t>
+            </a:r>
+          </a:p>
+        </p:txBody>
+      </p:sp>
+      <p:grpSp>
+        <p:nvGrpSpPr>
+          <p:cNvPr id="2" name="Group 1">
+            <a:extLst>
+              <a:ext uri="{FF2B5EF4-FFF2-40B4-BE49-F238E27FC236}">
+                <a16:creationId xmlns:a16="http://schemas.microsoft.com/office/drawing/2014/main" id="{228EEA4C-2DD4-4DFC-8D38-64E23F940910}"/>
+              </a:ext>
+            </a:extLst>
+          </p:cNvPr>
+          <p:cNvGrpSpPr/>
+          <p:nvPr/>
+        </p:nvGrpSpPr>
+        <p:grpSpPr>
+          <a:xfrm>
+            <a:off x="816761" y="1613480"/>
+            <a:ext cx="1485598" cy="1458913"/>
+            <a:chOff x="816761" y="1613480"/>
+            <a:chExt cx="1485598" cy="1458913"/>
+          </a:xfrm>
+        </p:grpSpPr>
+        <p:sp>
+          <p:nvSpPr>
+            <p:cNvPr id="9" name="Oval 8">
+              <a:extLst>
+                <a:ext uri="{FF2B5EF4-FFF2-40B4-BE49-F238E27FC236}">
+                  <a16:creationId xmlns:a16="http://schemas.microsoft.com/office/drawing/2014/main" id="{2136DDD4-FAA5-418C-890C-F2C2771DB8DE}"/>
+                </a:ext>
+              </a:extLst>
+            </p:cNvPr>
+            <p:cNvSpPr/>
+            <p:nvPr/>
+          </p:nvSpPr>
+          <p:spPr>
+            <a:xfrm>
+              <a:off x="1106453" y="2146235"/>
+              <a:ext cx="906214" cy="926158"/>
+            </a:xfrm>
+            <a:prstGeom prst="ellipse">
+              <a:avLst/>
+            </a:prstGeom>
+            <a:solidFill>
+              <a:schemeClr val="tx2"/>
+            </a:solidFill>
+          </p:spPr>
+          <p:style>
+            <a:lnRef idx="0">
+              <a:schemeClr val="lt1">
+                <a:alpha val="0"/>
+                <a:hueOff val="0"/>
+                <a:satOff val="0"/>
+                <a:lumOff val="0"/>
+                <a:alphaOff val="0"/>
+              </a:schemeClr>
+            </a:lnRef>
+            <a:fillRef idx="1">
+              <a:scrgbClr r="0" g="0" b="0"/>
+            </a:fillRef>
+            <a:effectRef idx="0">
+              <a:schemeClr val="accent1">
+                <a:hueOff val="0"/>
+                <a:satOff val="0"/>
+                <a:lumOff val="0"/>
+                <a:alphaOff val="0"/>
+              </a:schemeClr>
+            </a:effectRef>
+            <a:fontRef idx="minor"/>
+          </p:style>
+        </p:sp>
+        <p:sp>
+          <p:nvSpPr>
+            <p:cNvPr id="10" name="Rectangle 9" descr="Lightbulb">
+              <a:extLst>
+                <a:ext uri="{FF2B5EF4-FFF2-40B4-BE49-F238E27FC236}">
+                  <a16:creationId xmlns:a16="http://schemas.microsoft.com/office/drawing/2014/main" id="{B3706D24-28CE-43E6-966A-2804B48DE704}"/>
+                </a:ext>
+              </a:extLst>
+            </p:cNvPr>
+            <p:cNvSpPr/>
+            <p:nvPr/>
+          </p:nvSpPr>
+          <p:spPr>
+            <a:xfrm>
+              <a:off x="1299581" y="2343613"/>
+              <a:ext cx="519959" cy="531402"/>
+            </a:xfrm>
+            <a:prstGeom prst="rect">
+              <a:avLst/>
+            </a:prstGeom>
+            <a:blipFill>
+              <a:blip r:embed="rId4">
+                <a:extLst>
+                  <a:ext uri="{28A0092B-C50C-407E-A947-70E740481C1C}">
+                    <a14:useLocalDpi xmlns:a14="http://schemas.microsoft.com/office/drawing/2010/main" val="0"/>
+                  </a:ext>
+                  <a:ext uri="{96DAC541-7B7A-43D3-8B79-37D633B846F1}">
+                    <asvg:svgBlip xmlns:asvg="http://schemas.microsoft.com/office/drawing/2016/SVG/main" r:embed="rId5"/>
+                  </a:ext>
+                </a:extLst>
+              </a:blip>
+              <a:stretch>
+                <a:fillRect/>
+              </a:stretch>
+            </a:blipFill>
+            <a:ln>
+              <a:noFill/>
+            </a:ln>
+          </p:spPr>
+          <p:style>
+            <a:lnRef idx="2">
+              <a:scrgbClr r="0" g="0" b="0"/>
+            </a:lnRef>
+            <a:fillRef idx="1">
+              <a:scrgbClr r="0" g="0" b="0"/>
+            </a:fillRef>
+            <a:effectRef idx="0">
+              <a:schemeClr val="bg1">
+                <a:hueOff val="0"/>
+                <a:satOff val="0"/>
+                <a:lumOff val="0"/>
+                <a:alphaOff val="0"/>
+              </a:schemeClr>
+            </a:effectRef>
+            <a:fontRef idx="minor">
+              <a:schemeClr val="dk1">
+                <a:hueOff val="0"/>
+                <a:satOff val="0"/>
+                <a:lumOff val="0"/>
+                <a:alphaOff val="0"/>
+              </a:schemeClr>
+            </a:fontRef>
+          </p:style>
+        </p:sp>
+        <p:sp>
+          <p:nvSpPr>
+            <p:cNvPr id="11" name="Freeform: Shape 10">
+              <a:extLst>
+                <a:ext uri="{FF2B5EF4-FFF2-40B4-BE49-F238E27FC236}">
+                  <a16:creationId xmlns:a16="http://schemas.microsoft.com/office/drawing/2014/main" id="{2BEDC0A8-0B3D-4E2B-A4D1-2AA704C5A84D}"/>
+                </a:ext>
+              </a:extLst>
+            </p:cNvPr>
+            <p:cNvSpPr/>
+            <p:nvPr/>
+          </p:nvSpPr>
+          <p:spPr>
+            <a:xfrm>
+              <a:off x="816761" y="1613480"/>
+              <a:ext cx="1485598" cy="353348"/>
+            </a:xfrm>
+            <a:custGeom>
+              <a:avLst/>
+              <a:gdLst>
+                <a:gd name="connsiteX0" fmla="*/ 0 w 3093750"/>
+                <a:gd name="connsiteY0" fmla="*/ 0 h 720000"/>
+                <a:gd name="connsiteX1" fmla="*/ 3093750 w 3093750"/>
+                <a:gd name="connsiteY1" fmla="*/ 0 h 720000"/>
+                <a:gd name="connsiteX2" fmla="*/ 3093750 w 3093750"/>
+                <a:gd name="connsiteY2" fmla="*/ 720000 h 720000"/>
+                <a:gd name="connsiteX3" fmla="*/ 0 w 3093750"/>
+                <a:gd name="connsiteY3" fmla="*/ 720000 h 720000"/>
+                <a:gd name="connsiteX4" fmla="*/ 0 w 3093750"/>
+                <a:gd name="connsiteY4" fmla="*/ 0 h 720000"/>
+              </a:gdLst>
+              <a:ahLst/>
+              <a:cxnLst>
+                <a:cxn ang="0">
+                  <a:pos x="connsiteX0" y="connsiteY0"/>
+                </a:cxn>
+                <a:cxn ang="0">
+                  <a:pos x="connsiteX1" y="connsiteY1"/>
+                </a:cxn>
+                <a:cxn ang="0">
+                  <a:pos x="connsiteX2" y="connsiteY2"/>
+                </a:cxn>
+                <a:cxn ang="0">
+                  <a:pos x="connsiteX3" y="connsiteY3"/>
+                </a:cxn>
+                <a:cxn ang="0">
+                  <a:pos x="connsiteX4" y="connsiteY4"/>
+                </a:cxn>
+              </a:cxnLst>
+              <a:rect l="l" t="t" r="r" b="b"/>
+              <a:pathLst>
+                <a:path w="3093750" h="720000">
+                  <a:moveTo>
+                    <a:pt x="0" y="0"/>
+                  </a:moveTo>
+                  <a:lnTo>
+                    <a:pt x="3093750" y="0"/>
+                  </a:lnTo>
+                  <a:lnTo>
+                    <a:pt x="3093750" y="720000"/>
+                  </a:lnTo>
+                  <a:lnTo>
+                    <a:pt x="0" y="720000"/>
+                  </a:lnTo>
+                  <a:lnTo>
+                    <a:pt x="0" y="0"/>
+                  </a:lnTo>
+                  <a:close/>
+                </a:path>
+              </a:pathLst>
+            </a:custGeom>
+          </p:spPr>
+          <p:style>
+            <a:lnRef idx="0">
+              <a:schemeClr val="dk1">
+                <a:alpha val="0"/>
+                <a:hueOff val="0"/>
+                <a:satOff val="0"/>
+                <a:lumOff val="0"/>
+                <a:alphaOff val="0"/>
+              </a:schemeClr>
+            </a:lnRef>
+            <a:fillRef idx="0">
+              <a:schemeClr val="lt1">
+                <a:alpha val="0"/>
+                <a:hueOff val="0"/>
+                <a:satOff val="0"/>
+                <a:lumOff val="0"/>
+                <a:alphaOff val="0"/>
+              </a:schemeClr>
+            </a:fillRef>
+            <a:effectRef idx="0">
+              <a:schemeClr val="lt1">
+                <a:alpha val="0"/>
+                <a:hueOff val="0"/>
+                <a:satOff val="0"/>
+                <a:lumOff val="0"/>
+                <a:alphaOff val="0"/>
+              </a:schemeClr>
+            </a:effectRef>
+            <a:fontRef idx="minor">
+              <a:schemeClr val="tx1">
+                <a:hueOff val="0"/>
+                <a:satOff val="0"/>
+                <a:lumOff val="0"/>
+                <a:alphaOff val="0"/>
+              </a:schemeClr>
+            </a:fontRef>
+          </p:style>
+          <p:txBody>
+            <a:bodyPr spcFirstLastPara="0" vert="horz" wrap="square" lIns="0" tIns="0" rIns="0" bIns="0" numCol="1" spcCol="1270" anchor="t" anchorCtr="0">
+              <a:noAutofit/>
+            </a:bodyPr>
+            <a:lstStyle/>
+            <a:p>
+              <a:pPr marL="0" lvl="0" indent="0" algn="ctr" defTabSz="889000">
+                <a:lnSpc>
+                  <a:spcPct val="100000"/>
+                </a:lnSpc>
+                <a:spcBef>
+                  <a:spcPct val="0"/>
+                </a:spcBef>
+                <a:spcAft>
+                  <a:spcPct val="35000"/>
+                </a:spcAft>
+                <a:buNone/>
+                <a:defRPr cap="all"/>
+              </a:pPr>
+              <a:r>
+                <a:rPr lang="en-GB" sz="2000" kern="1200" dirty="0"/>
+                <a:t>Envision</a:t>
+              </a:r>
+              <a:endParaRPr lang="en-US" sz="2000" kern="1200" dirty="0"/>
+            </a:p>
+          </p:txBody>
+        </p:sp>
+      </p:grpSp>
+      <p:grpSp>
+        <p:nvGrpSpPr>
+          <p:cNvPr id="3" name="Group 2">
+            <a:extLst>
+              <a:ext uri="{FF2B5EF4-FFF2-40B4-BE49-F238E27FC236}">
+                <a16:creationId xmlns:a16="http://schemas.microsoft.com/office/drawing/2014/main" id="{01EA8E7B-CCC5-4D1A-BC84-F2A33699B687}"/>
+              </a:ext>
+            </a:extLst>
+          </p:cNvPr>
+          <p:cNvGrpSpPr/>
+          <p:nvPr/>
+        </p:nvGrpSpPr>
+        <p:grpSpPr>
+          <a:xfrm>
+            <a:off x="816761" y="3390612"/>
+            <a:ext cx="1485598" cy="1329282"/>
+            <a:chOff x="816761" y="3390612"/>
+            <a:chExt cx="1485598" cy="1329282"/>
+          </a:xfrm>
+        </p:grpSpPr>
+        <p:sp>
+          <p:nvSpPr>
+            <p:cNvPr id="12" name="Oval 11">
+              <a:extLst>
+                <a:ext uri="{FF2B5EF4-FFF2-40B4-BE49-F238E27FC236}">
+                  <a16:creationId xmlns:a16="http://schemas.microsoft.com/office/drawing/2014/main" id="{B32C8DAD-A6DF-477B-B4EC-4AA315E433F7}"/>
+                </a:ext>
+              </a:extLst>
+            </p:cNvPr>
+            <p:cNvSpPr/>
+            <p:nvPr/>
+          </p:nvSpPr>
+          <p:spPr>
+            <a:xfrm>
+              <a:off x="1106453" y="3793736"/>
+              <a:ext cx="906214" cy="926158"/>
+            </a:xfrm>
+            <a:prstGeom prst="ellipse">
+              <a:avLst/>
+            </a:prstGeom>
+            <a:solidFill>
+              <a:schemeClr val="tx2"/>
+            </a:solidFill>
+          </p:spPr>
+          <p:style>
+            <a:lnRef idx="0">
+              <a:schemeClr val="lt1">
+                <a:alpha val="0"/>
+                <a:hueOff val="0"/>
+                <a:satOff val="0"/>
+                <a:lumOff val="0"/>
+                <a:alphaOff val="0"/>
+              </a:schemeClr>
+            </a:lnRef>
+            <a:fillRef idx="1">
+              <a:scrgbClr r="0" g="0" b="0"/>
+            </a:fillRef>
+            <a:effectRef idx="0">
+              <a:schemeClr val="accent1">
+                <a:hueOff val="0"/>
+                <a:satOff val="0"/>
+                <a:lumOff val="0"/>
+                <a:alphaOff val="0"/>
+              </a:schemeClr>
+            </a:effectRef>
+            <a:fontRef idx="minor"/>
+          </p:style>
+        </p:sp>
+        <p:sp>
+          <p:nvSpPr>
+            <p:cNvPr id="13" name="Rectangle 12" descr="Meeting">
+              <a:extLst>
+                <a:ext uri="{FF2B5EF4-FFF2-40B4-BE49-F238E27FC236}">
+                  <a16:creationId xmlns:a16="http://schemas.microsoft.com/office/drawing/2014/main" id="{811C7E6C-79E4-4D82-9A62-A564EC9B7CCF}"/>
+                </a:ext>
+              </a:extLst>
+            </p:cNvPr>
+            <p:cNvSpPr/>
+            <p:nvPr/>
+          </p:nvSpPr>
+          <p:spPr>
+            <a:xfrm>
+              <a:off x="1299581" y="3991114"/>
+              <a:ext cx="519959" cy="531402"/>
+            </a:xfrm>
+            <a:prstGeom prst="rect">
+              <a:avLst/>
+            </a:prstGeom>
+            <a:blipFill>
+              <a:blip r:embed="rId6">
+                <a:extLst>
+                  <a:ext uri="{28A0092B-C50C-407E-A947-70E740481C1C}">
+                    <a14:useLocalDpi xmlns:a14="http://schemas.microsoft.com/office/drawing/2010/main" val="0"/>
+                  </a:ext>
+                  <a:ext uri="{96DAC541-7B7A-43D3-8B79-37D633B846F1}">
+                    <asvg:svgBlip xmlns:asvg="http://schemas.microsoft.com/office/drawing/2016/SVG/main" r:embed="rId7"/>
+                  </a:ext>
+                </a:extLst>
+              </a:blip>
+              <a:stretch>
+                <a:fillRect/>
+              </a:stretch>
+            </a:blipFill>
+            <a:ln>
+              <a:noFill/>
+            </a:ln>
+          </p:spPr>
+          <p:style>
+            <a:lnRef idx="2">
+              <a:scrgbClr r="0" g="0" b="0"/>
+            </a:lnRef>
+            <a:fillRef idx="1">
+              <a:scrgbClr r="0" g="0" b="0"/>
+            </a:fillRef>
+            <a:effectRef idx="0">
+              <a:schemeClr val="bg1">
+                <a:hueOff val="0"/>
+                <a:satOff val="0"/>
+                <a:lumOff val="0"/>
+                <a:alphaOff val="0"/>
+              </a:schemeClr>
+            </a:effectRef>
+            <a:fontRef idx="minor">
+              <a:schemeClr val="dk1">
+                <a:hueOff val="0"/>
+                <a:satOff val="0"/>
+                <a:lumOff val="0"/>
+                <a:alphaOff val="0"/>
+              </a:schemeClr>
+            </a:fontRef>
+          </p:style>
+        </p:sp>
+        <p:sp>
+          <p:nvSpPr>
+            <p:cNvPr id="14" name="Freeform: Shape 13">
+              <a:extLst>
+                <a:ext uri="{FF2B5EF4-FFF2-40B4-BE49-F238E27FC236}">
+                  <a16:creationId xmlns:a16="http://schemas.microsoft.com/office/drawing/2014/main" id="{24E3B02E-5951-49FF-BFAD-7082C0F18455}"/>
+                </a:ext>
+              </a:extLst>
+            </p:cNvPr>
+            <p:cNvSpPr/>
+            <p:nvPr/>
+          </p:nvSpPr>
+          <p:spPr>
+            <a:xfrm>
+              <a:off x="816761" y="3390612"/>
+              <a:ext cx="1485598" cy="353348"/>
+            </a:xfrm>
+            <a:custGeom>
+              <a:avLst/>
+              <a:gdLst>
+                <a:gd name="connsiteX0" fmla="*/ 0 w 3093750"/>
+                <a:gd name="connsiteY0" fmla="*/ 0 h 720000"/>
+                <a:gd name="connsiteX1" fmla="*/ 3093750 w 3093750"/>
+                <a:gd name="connsiteY1" fmla="*/ 0 h 720000"/>
+                <a:gd name="connsiteX2" fmla="*/ 3093750 w 3093750"/>
+                <a:gd name="connsiteY2" fmla="*/ 720000 h 720000"/>
+                <a:gd name="connsiteX3" fmla="*/ 0 w 3093750"/>
+                <a:gd name="connsiteY3" fmla="*/ 720000 h 720000"/>
+                <a:gd name="connsiteX4" fmla="*/ 0 w 3093750"/>
+                <a:gd name="connsiteY4" fmla="*/ 0 h 720000"/>
+              </a:gdLst>
+              <a:ahLst/>
+              <a:cxnLst>
+                <a:cxn ang="0">
+                  <a:pos x="connsiteX0" y="connsiteY0"/>
+                </a:cxn>
+                <a:cxn ang="0">
+                  <a:pos x="connsiteX1" y="connsiteY1"/>
+                </a:cxn>
+                <a:cxn ang="0">
+                  <a:pos x="connsiteX2" y="connsiteY2"/>
+                </a:cxn>
+                <a:cxn ang="0">
+                  <a:pos x="connsiteX3" y="connsiteY3"/>
+                </a:cxn>
+                <a:cxn ang="0">
+                  <a:pos x="connsiteX4" y="connsiteY4"/>
+                </a:cxn>
+              </a:cxnLst>
+              <a:rect l="l" t="t" r="r" b="b"/>
+              <a:pathLst>
+                <a:path w="3093750" h="720000">
+                  <a:moveTo>
+                    <a:pt x="0" y="0"/>
+                  </a:moveTo>
+                  <a:lnTo>
+                    <a:pt x="3093750" y="0"/>
+                  </a:lnTo>
+                  <a:lnTo>
+                    <a:pt x="3093750" y="720000"/>
+                  </a:lnTo>
+                  <a:lnTo>
+                    <a:pt x="0" y="720000"/>
+                  </a:lnTo>
+                  <a:lnTo>
+                    <a:pt x="0" y="0"/>
+                  </a:lnTo>
+                  <a:close/>
+                </a:path>
+              </a:pathLst>
+            </a:custGeom>
+          </p:spPr>
+          <p:style>
+            <a:lnRef idx="0">
+              <a:schemeClr val="dk1">
+                <a:alpha val="0"/>
+                <a:hueOff val="0"/>
+                <a:satOff val="0"/>
+                <a:lumOff val="0"/>
+                <a:alphaOff val="0"/>
+              </a:schemeClr>
+            </a:lnRef>
+            <a:fillRef idx="0">
+              <a:schemeClr val="lt1">
+                <a:alpha val="0"/>
+                <a:hueOff val="0"/>
+                <a:satOff val="0"/>
+                <a:lumOff val="0"/>
+                <a:alphaOff val="0"/>
+              </a:schemeClr>
+            </a:fillRef>
+            <a:effectRef idx="0">
+              <a:schemeClr val="lt1">
+                <a:alpha val="0"/>
+                <a:hueOff val="0"/>
+                <a:satOff val="0"/>
+                <a:lumOff val="0"/>
+                <a:alphaOff val="0"/>
+              </a:schemeClr>
+            </a:effectRef>
+            <a:fontRef idx="minor">
+              <a:schemeClr val="tx1">
+                <a:hueOff val="0"/>
+                <a:satOff val="0"/>
+                <a:lumOff val="0"/>
+                <a:alphaOff val="0"/>
+              </a:schemeClr>
+            </a:fontRef>
+          </p:style>
+          <p:txBody>
+            <a:bodyPr spcFirstLastPara="0" vert="horz" wrap="square" lIns="0" tIns="0" rIns="0" bIns="0" numCol="1" spcCol="1270" anchor="t" anchorCtr="0">
+              <a:noAutofit/>
+            </a:bodyPr>
+            <a:lstStyle/>
+            <a:p>
+              <a:pPr marL="0" lvl="0" indent="0" algn="ctr" defTabSz="889000">
+                <a:lnSpc>
+                  <a:spcPct val="100000"/>
+                </a:lnSpc>
+                <a:spcBef>
+                  <a:spcPct val="0"/>
+                </a:spcBef>
+                <a:spcAft>
+                  <a:spcPct val="35000"/>
+                </a:spcAft>
+                <a:buNone/>
+                <a:defRPr cap="all"/>
+              </a:pPr>
+              <a:r>
+                <a:rPr lang="en-GB" sz="2000" kern="1200" dirty="0"/>
+                <a:t>On-board</a:t>
+              </a:r>
+              <a:endParaRPr lang="en-US" sz="2000" kern="1200" dirty="0"/>
+            </a:p>
+          </p:txBody>
+        </p:sp>
+      </p:grpSp>
+      <p:grpSp>
+        <p:nvGrpSpPr>
+          <p:cNvPr id="5" name="Group 4">
+            <a:extLst>
+              <a:ext uri="{FF2B5EF4-FFF2-40B4-BE49-F238E27FC236}">
+                <a16:creationId xmlns:a16="http://schemas.microsoft.com/office/drawing/2014/main" id="{68643AEF-EC90-439B-972C-C5C1D104434F}"/>
+              </a:ext>
+            </a:extLst>
+          </p:cNvPr>
+          <p:cNvGrpSpPr/>
+          <p:nvPr/>
+        </p:nvGrpSpPr>
+        <p:grpSpPr>
+          <a:xfrm>
+            <a:off x="816761" y="5047560"/>
+            <a:ext cx="1485598" cy="1331913"/>
+            <a:chOff x="816761" y="5047560"/>
+            <a:chExt cx="1485598" cy="1331913"/>
+          </a:xfrm>
+        </p:grpSpPr>
+        <p:sp>
+          <p:nvSpPr>
+            <p:cNvPr id="15" name="Oval 14">
+              <a:extLst>
+                <a:ext uri="{FF2B5EF4-FFF2-40B4-BE49-F238E27FC236}">
+                  <a16:creationId xmlns:a16="http://schemas.microsoft.com/office/drawing/2014/main" id="{98169B2A-2A27-4696-B9B9-85F7358E31A8}"/>
+                </a:ext>
+              </a:extLst>
+            </p:cNvPr>
+            <p:cNvSpPr/>
+            <p:nvPr/>
+          </p:nvSpPr>
+          <p:spPr>
+            <a:xfrm>
+              <a:off x="1106453" y="5453315"/>
+              <a:ext cx="906214" cy="926158"/>
+            </a:xfrm>
+            <a:prstGeom prst="ellipse">
+              <a:avLst/>
+            </a:prstGeom>
+            <a:solidFill>
+              <a:schemeClr val="tx2"/>
+            </a:solidFill>
+          </p:spPr>
+          <p:style>
+            <a:lnRef idx="0">
+              <a:schemeClr val="lt1">
+                <a:alpha val="0"/>
+                <a:hueOff val="0"/>
+                <a:satOff val="0"/>
+                <a:lumOff val="0"/>
+                <a:alphaOff val="0"/>
+              </a:schemeClr>
+            </a:lnRef>
+            <a:fillRef idx="1">
+              <a:scrgbClr r="0" g="0" b="0"/>
+            </a:fillRef>
+            <a:effectRef idx="0">
+              <a:schemeClr val="accent1">
+                <a:hueOff val="0"/>
+                <a:satOff val="0"/>
+                <a:lumOff val="0"/>
+                <a:alphaOff val="0"/>
+              </a:schemeClr>
+            </a:effectRef>
+            <a:fontRef idx="minor"/>
+          </p:style>
+        </p:sp>
+        <p:sp>
+          <p:nvSpPr>
+            <p:cNvPr id="16" name="Rectangle 15" descr="Head with Gears">
+              <a:extLst>
+                <a:ext uri="{FF2B5EF4-FFF2-40B4-BE49-F238E27FC236}">
+                  <a16:creationId xmlns:a16="http://schemas.microsoft.com/office/drawing/2014/main" id="{368DD1BF-1123-4B0A-909D-0BA59EDF69A6}"/>
+                </a:ext>
+              </a:extLst>
+            </p:cNvPr>
+            <p:cNvSpPr/>
+            <p:nvPr/>
+          </p:nvSpPr>
+          <p:spPr>
+            <a:xfrm>
+              <a:off x="1299581" y="5650693"/>
+              <a:ext cx="519959" cy="531402"/>
+            </a:xfrm>
+            <a:prstGeom prst="rect">
+              <a:avLst/>
+            </a:prstGeom>
+            <a:blipFill>
+              <a:blip r:embed="rId8">
+                <a:extLst>
+                  <a:ext uri="{28A0092B-C50C-407E-A947-70E740481C1C}">
+                    <a14:useLocalDpi xmlns:a14="http://schemas.microsoft.com/office/drawing/2010/main" val="0"/>
+                  </a:ext>
+                  <a:ext uri="{96DAC541-7B7A-43D3-8B79-37D633B846F1}">
+                    <asvg:svgBlip xmlns:asvg="http://schemas.microsoft.com/office/drawing/2016/SVG/main" r:embed="rId9"/>
+                  </a:ext>
+                </a:extLst>
+              </a:blip>
+              <a:stretch>
+                <a:fillRect/>
+              </a:stretch>
+            </a:blipFill>
+            <a:ln>
+              <a:noFill/>
+            </a:ln>
+          </p:spPr>
+          <p:style>
+            <a:lnRef idx="2">
+              <a:scrgbClr r="0" g="0" b="0"/>
+            </a:lnRef>
+            <a:fillRef idx="1">
+              <a:scrgbClr r="0" g="0" b="0"/>
+            </a:fillRef>
+            <a:effectRef idx="0">
+              <a:schemeClr val="bg1">
+                <a:hueOff val="0"/>
+                <a:satOff val="0"/>
+                <a:lumOff val="0"/>
+                <a:alphaOff val="0"/>
+              </a:schemeClr>
+            </a:effectRef>
+            <a:fontRef idx="minor">
+              <a:schemeClr val="dk1">
+                <a:hueOff val="0"/>
+                <a:satOff val="0"/>
+                <a:lumOff val="0"/>
+                <a:alphaOff val="0"/>
+              </a:schemeClr>
+            </a:fontRef>
+          </p:style>
+        </p:sp>
+        <p:sp>
+          <p:nvSpPr>
+            <p:cNvPr id="17" name="Freeform: Shape 16">
+              <a:extLst>
+                <a:ext uri="{FF2B5EF4-FFF2-40B4-BE49-F238E27FC236}">
+                  <a16:creationId xmlns:a16="http://schemas.microsoft.com/office/drawing/2014/main" id="{0A29352A-E545-4E13-851C-AA2FE86CC4BE}"/>
+                </a:ext>
+              </a:extLst>
+            </p:cNvPr>
+            <p:cNvSpPr/>
+            <p:nvPr/>
+          </p:nvSpPr>
+          <p:spPr>
+            <a:xfrm>
+              <a:off x="816761" y="5047560"/>
+              <a:ext cx="1485598" cy="353348"/>
+            </a:xfrm>
+            <a:custGeom>
+              <a:avLst/>
+              <a:gdLst>
+                <a:gd name="connsiteX0" fmla="*/ 0 w 3093750"/>
+                <a:gd name="connsiteY0" fmla="*/ 0 h 720000"/>
+                <a:gd name="connsiteX1" fmla="*/ 3093750 w 3093750"/>
+                <a:gd name="connsiteY1" fmla="*/ 0 h 720000"/>
+                <a:gd name="connsiteX2" fmla="*/ 3093750 w 3093750"/>
+                <a:gd name="connsiteY2" fmla="*/ 720000 h 720000"/>
+                <a:gd name="connsiteX3" fmla="*/ 0 w 3093750"/>
+                <a:gd name="connsiteY3" fmla="*/ 720000 h 720000"/>
+                <a:gd name="connsiteX4" fmla="*/ 0 w 3093750"/>
+                <a:gd name="connsiteY4" fmla="*/ 0 h 720000"/>
+              </a:gdLst>
+              <a:ahLst/>
+              <a:cxnLst>
+                <a:cxn ang="0">
+                  <a:pos x="connsiteX0" y="connsiteY0"/>
+                </a:cxn>
+                <a:cxn ang="0">
+                  <a:pos x="connsiteX1" y="connsiteY1"/>
+                </a:cxn>
+                <a:cxn ang="0">
+                  <a:pos x="connsiteX2" y="connsiteY2"/>
+                </a:cxn>
+                <a:cxn ang="0">
+                  <a:pos x="connsiteX3" y="connsiteY3"/>
+                </a:cxn>
+                <a:cxn ang="0">
+                  <a:pos x="connsiteX4" y="connsiteY4"/>
+                </a:cxn>
+              </a:cxnLst>
+              <a:rect l="l" t="t" r="r" b="b"/>
+              <a:pathLst>
+                <a:path w="3093750" h="720000">
+                  <a:moveTo>
+                    <a:pt x="0" y="0"/>
+                  </a:moveTo>
+                  <a:lnTo>
+                    <a:pt x="3093750" y="0"/>
+                  </a:lnTo>
+                  <a:lnTo>
+                    <a:pt x="3093750" y="720000"/>
+                  </a:lnTo>
+                  <a:lnTo>
+                    <a:pt x="0" y="720000"/>
+                  </a:lnTo>
+                  <a:lnTo>
+                    <a:pt x="0" y="0"/>
+                  </a:lnTo>
+                  <a:close/>
+                </a:path>
+              </a:pathLst>
+            </a:custGeom>
+          </p:spPr>
+          <p:style>
+            <a:lnRef idx="0">
+              <a:schemeClr val="dk1">
+                <a:alpha val="0"/>
+                <a:hueOff val="0"/>
+                <a:satOff val="0"/>
+                <a:lumOff val="0"/>
+                <a:alphaOff val="0"/>
+              </a:schemeClr>
+            </a:lnRef>
+            <a:fillRef idx="0">
+              <a:schemeClr val="lt1">
+                <a:alpha val="0"/>
+                <a:hueOff val="0"/>
+                <a:satOff val="0"/>
+                <a:lumOff val="0"/>
+                <a:alphaOff val="0"/>
+              </a:schemeClr>
+            </a:fillRef>
+            <a:effectRef idx="0">
+              <a:schemeClr val="lt1">
+                <a:alpha val="0"/>
+                <a:hueOff val="0"/>
+                <a:satOff val="0"/>
+                <a:lumOff val="0"/>
+                <a:alphaOff val="0"/>
+              </a:schemeClr>
+            </a:effectRef>
+            <a:fontRef idx="minor">
+              <a:schemeClr val="tx1">
+                <a:hueOff val="0"/>
+                <a:satOff val="0"/>
+                <a:lumOff val="0"/>
+                <a:alphaOff val="0"/>
+              </a:schemeClr>
+            </a:fontRef>
+          </p:style>
+          <p:txBody>
+            <a:bodyPr spcFirstLastPara="0" vert="horz" wrap="square" lIns="0" tIns="0" rIns="0" bIns="0" numCol="1" spcCol="1270" anchor="t" anchorCtr="0">
+              <a:noAutofit/>
+            </a:bodyPr>
+            <a:lstStyle/>
+            <a:p>
+              <a:pPr marL="0" lvl="0" indent="0" algn="ctr" defTabSz="889000">
+                <a:lnSpc>
+                  <a:spcPct val="100000"/>
+                </a:lnSpc>
+                <a:spcBef>
+                  <a:spcPct val="0"/>
+                </a:spcBef>
+                <a:spcAft>
+                  <a:spcPct val="35000"/>
+                </a:spcAft>
+                <a:buNone/>
+                <a:defRPr cap="all"/>
+              </a:pPr>
+              <a:r>
+                <a:rPr lang="en-GB" sz="2000" kern="1200" dirty="0"/>
+                <a:t>Drive value</a:t>
+              </a:r>
+              <a:endParaRPr lang="en-US" sz="2000" kern="1200" dirty="0"/>
+            </a:p>
+          </p:txBody>
+        </p:sp>
+      </p:grpSp>
+      <p:graphicFrame>
+        <p:nvGraphicFramePr>
+          <p:cNvPr id="21" name="Diagram 20">
+            <a:extLst>
+              <a:ext uri="{FF2B5EF4-FFF2-40B4-BE49-F238E27FC236}">
+                <a16:creationId xmlns:a16="http://schemas.microsoft.com/office/drawing/2014/main" id="{F610FFF2-23D6-4978-B1EC-C03FA6E54578}"/>
+              </a:ext>
+            </a:extLst>
+          </p:cNvPr>
+          <p:cNvGraphicFramePr/>
+          <p:nvPr/>
+        </p:nvGraphicFramePr>
+        <p:xfrm>
+          <a:off x="2769718" y="3305945"/>
+          <a:ext cx="9117481" cy="1901739"/>
+        </p:xfrm>
+        <a:graphic>
+          <a:graphicData uri="http://schemas.openxmlformats.org/drawingml/2006/diagram">
+            <dgm:relIds xmlns:dgm="http://schemas.openxmlformats.org/drawingml/2006/diagram" xmlns:r="http://schemas.openxmlformats.org/officeDocument/2006/relationships" r:dm="rId10" r:lo="rId11" r:qs="rId12" r:cs="rId13"/>
+          </a:graphicData>
+        </a:graphic>
+      </p:graphicFrame>
+      <p:graphicFrame>
+        <p:nvGraphicFramePr>
+          <p:cNvPr id="22" name="Diagram 21">
+            <a:extLst>
+              <a:ext uri="{FF2B5EF4-FFF2-40B4-BE49-F238E27FC236}">
+                <a16:creationId xmlns:a16="http://schemas.microsoft.com/office/drawing/2014/main" id="{9F489416-7161-4416-BEB2-549B2B10914B}"/>
+              </a:ext>
+            </a:extLst>
+          </p:cNvPr>
+          <p:cNvGraphicFramePr/>
+          <p:nvPr/>
+        </p:nvGraphicFramePr>
+        <p:xfrm>
+          <a:off x="2748280" y="1690688"/>
+          <a:ext cx="9138920" cy="1746784"/>
+        </p:xfrm>
+        <a:graphic>
+          <a:graphicData uri="http://schemas.openxmlformats.org/drawingml/2006/diagram">
+            <dgm:relIds xmlns:dgm="http://schemas.openxmlformats.org/drawingml/2006/diagram" xmlns:r="http://schemas.openxmlformats.org/officeDocument/2006/relationships" r:dm="rId15" r:lo="rId16" r:qs="rId17" r:cs="rId18"/>
+          </a:graphicData>
+        </a:graphic>
+      </p:graphicFrame>
+      <p:graphicFrame>
+        <p:nvGraphicFramePr>
+          <p:cNvPr id="23" name="Diagram 22">
+            <a:extLst>
+              <a:ext uri="{FF2B5EF4-FFF2-40B4-BE49-F238E27FC236}">
+                <a16:creationId xmlns:a16="http://schemas.microsoft.com/office/drawing/2014/main" id="{CFC833C9-7D5E-4A6F-B3DE-36889960662E}"/>
+              </a:ext>
+            </a:extLst>
+          </p:cNvPr>
+          <p:cNvGraphicFramePr/>
+          <p:nvPr/>
+        </p:nvGraphicFramePr>
+        <p:xfrm>
+          <a:off x="2769719" y="5001363"/>
+          <a:ext cx="9117480" cy="1830062"/>
+        </p:xfrm>
+        <a:graphic>
+          <a:graphicData uri="http://schemas.openxmlformats.org/drawingml/2006/diagram">
+            <dgm:relIds xmlns:dgm="http://schemas.openxmlformats.org/drawingml/2006/diagram" xmlns:r="http://schemas.openxmlformats.org/officeDocument/2006/relationships" r:dm="rId20" r:lo="rId21" r:qs="rId22" r:cs="rId23"/>
+          </a:graphicData>
+        </a:graphic>
+      </p:graphicFrame>
+    </p:spTree>
+    <p:custDataLst>
+      <p:tags r:id="rId1"/>
+    </p:custDataLst>
+    <p:extLst>
+      <p:ext uri="{BB962C8B-B14F-4D97-AF65-F5344CB8AC3E}">
+        <p14:creationId xmlns:p14="http://schemas.microsoft.com/office/powerpoint/2010/main" val="2252042619"/>
+      </p:ext>
+    </p:extLst>
+  </p:cSld>
+  <p:clrMapOvr>
+    <a:masterClrMapping/>
+  </p:clrMapOvr>
+  <mc:AlternateContent xmlns:mc="http://schemas.openxmlformats.org/markup-compatibility/2006" xmlns:p14="http://schemas.microsoft.com/office/powerpoint/2010/main">
+    <mc:Choice Requires="p14">
+      <p:transition spd="med" p14:dur="700" advTm="21665">
+        <p:fade/>
+      </p:transition>
+    </mc:Choice>
+    <mc:Fallback xmlns="">
+      <p:transition spd="med" advTm="21665">
+        <p:fade/>
+      </p:transition>
+    </mc:Fallback>
+  </mc:AlternateContent>
+  <p:timing>
+    <p:tnLst>
+      <p:par>
+        <p:cTn id="1" dur="indefinite" restart="never" nodeType="tmRoot">
+          <p:childTnLst>
+            <p:seq concurrent="1" nextAc="seek">
+              <p:cTn id="2" dur="indefinite" nodeType="mainSeq">
+                <p:childTnLst>
+                  <p:par>
+                    <p:cTn id="3" fill="hold">
+                      <p:stCondLst>
+                        <p:cond delay="indefinite"/>
+                      </p:stCondLst>
+                      <p:childTnLst>
+                        <p:par>
+                          <p:cTn id="4" fill="hold">
+                            <p:stCondLst>
+                              <p:cond delay="0"/>
+                            </p:stCondLst>
+                            <p:childTnLst>
+                              <p:par>
+                                <p:cTn id="5" presetID="1" presetClass="entr" presetSubtype="0" fill="hold" nodeType="clickEffect">
+                                  <p:stCondLst>
+                                    <p:cond delay="0"/>
+                                  </p:stCondLst>
+                                  <p:childTnLst>
+                                    <p:set>
+                                      <p:cBhvr>
+                                        <p:cTn id="6" dur="1" fill="hold">
+                                          <p:stCondLst>
+                                            <p:cond delay="0"/>
+                                          </p:stCondLst>
+                                        </p:cTn>
+                                        <p:tgtEl>
+                                          <p:spTgt spid="2"/>
+                                        </p:tgtEl>
+                                        <p:attrNameLst>
+                                          <p:attrName>style.visibility</p:attrName>
+                                        </p:attrNameLst>
+                                      </p:cBhvr>
+                                      <p:to>
+                                        <p:strVal val="visible"/>
+                                      </p:to>
+                                    </p:set>
+                                  </p:childTnLst>
+                                </p:cTn>
+                              </p:par>
+                            </p:childTnLst>
+                          </p:cTn>
+                        </p:par>
+                      </p:childTnLst>
+                    </p:cTn>
+                  </p:par>
+                  <p:par>
+                    <p:cTn id="7" fill="hold">
+                      <p:stCondLst>
+                        <p:cond delay="indefinite"/>
+                      </p:stCondLst>
+                      <p:childTnLst>
+                        <p:par>
+                          <p:cTn id="8" fill="hold">
+                            <p:stCondLst>
+                              <p:cond delay="0"/>
+                            </p:stCondLst>
+                            <p:childTnLst>
+                              <p:par>
+                                <p:cTn id="9" presetID="1" presetClass="entr" presetSubtype="0" fill="hold" nodeType="clickEffect">
+                                  <p:stCondLst>
+                                    <p:cond delay="0"/>
+                                  </p:stCondLst>
+                                  <p:childTnLst>
+                                    <p:set>
+                                      <p:cBhvr>
+                                        <p:cTn id="10" dur="1" fill="hold">
+                                          <p:stCondLst>
+                                            <p:cond delay="0"/>
+                                          </p:stCondLst>
+                                        </p:cTn>
+                                        <p:tgtEl>
+                                          <p:spTgt spid="3"/>
+                                        </p:tgtEl>
+                                        <p:attrNameLst>
+                                          <p:attrName>style.visibility</p:attrName>
+                                        </p:attrNameLst>
+                                      </p:cBhvr>
+                                      <p:to>
+                                        <p:strVal val="visible"/>
+                                      </p:to>
+                                    </p:set>
+                                  </p:childTnLst>
+                                </p:cTn>
+                              </p:par>
+                            </p:childTnLst>
+                          </p:cTn>
+                        </p:par>
+                      </p:childTnLst>
+                    </p:cTn>
+                  </p:par>
+                  <p:par>
+                    <p:cTn id="11" fill="hold">
+                      <p:stCondLst>
+                        <p:cond delay="indefinite"/>
+                      </p:stCondLst>
+                      <p:childTnLst>
+                        <p:par>
+                          <p:cTn id="12" fill="hold">
+                            <p:stCondLst>
+                              <p:cond delay="0"/>
+                            </p:stCondLst>
+                            <p:childTnLst>
+                              <p:par>
+                                <p:cTn id="13" presetID="1" presetClass="entr" presetSubtype="0" fill="hold" nodeType="clickEffect">
+                                  <p:stCondLst>
+                                    <p:cond delay="0"/>
+                                  </p:stCondLst>
+                                  <p:childTnLst>
+                                    <p:set>
+                                      <p:cBhvr>
+                                        <p:cTn id="14" dur="1" fill="hold">
+                                          <p:stCondLst>
+                                            <p:cond delay="0"/>
+                                          </p:stCondLst>
+                                        </p:cTn>
+                                        <p:tgtEl>
+                                          <p:spTgt spid="5"/>
+                                        </p:tgtEl>
+                                        <p:attrNameLst>
+                                          <p:attrName>style.visibility</p:attrName>
+                                        </p:attrNameLst>
+                                      </p:cBhvr>
+                                      <p:to>
+                                        <p:strVal val="visible"/>
+                                      </p:to>
+                                    </p:set>
+                                  </p:childTnLst>
+                                </p:cTn>
+                              </p:par>
+                            </p:childTnLst>
+                          </p:cTn>
+                        </p:par>
+                      </p:childTnLst>
+                    </p:cTn>
+                  </p:par>
+                  <p:par>
+                    <p:cTn id="15" fill="hold">
+                      <p:stCondLst>
+                        <p:cond delay="indefinite"/>
+                      </p:stCondLst>
+                      <p:childTnLst>
+                        <p:par>
+                          <p:cTn id="16" fill="hold">
+                            <p:stCondLst>
+                              <p:cond delay="0"/>
+                            </p:stCondLst>
+                            <p:childTnLst>
+                              <p:par>
+                                <p:cTn id="17" presetID="1" presetClass="entr" presetSubtype="0" fill="hold" grpId="0" nodeType="clickEffect">
+                                  <p:stCondLst>
+                                    <p:cond delay="0"/>
+                                  </p:stCondLst>
+                                  <p:childTnLst>
+                                    <p:set>
+                                      <p:cBhvr>
+                                        <p:cTn id="18" dur="1" fill="hold">
+                                          <p:stCondLst>
+                                            <p:cond delay="0"/>
+                                          </p:stCondLst>
+                                        </p:cTn>
+                                        <p:tgtEl>
+                                          <p:spTgt spid="22">
+                                            <p:graphicEl>
+                                              <a:dgm id="{76AAF56F-D4D7-4577-94A9-CDD5DC0599FE}"/>
+                                            </p:graphicEl>
+                                          </p:spTgt>
+                                        </p:tgtEl>
+                                        <p:attrNameLst>
+                                          <p:attrName>style.visibility</p:attrName>
+                                        </p:attrNameLst>
+                                      </p:cBhvr>
+                                      <p:to>
+                                        <p:strVal val="visible"/>
+                                      </p:to>
+                                    </p:set>
+                                  </p:childTnLst>
+                                </p:cTn>
+                              </p:par>
+                            </p:childTnLst>
+                          </p:cTn>
+                        </p:par>
+                      </p:childTnLst>
+                    </p:cTn>
+                  </p:par>
+                  <p:par>
+                    <p:cTn id="19" fill="hold">
+                      <p:stCondLst>
+                        <p:cond delay="indefinite"/>
+                      </p:stCondLst>
+                      <p:childTnLst>
+                        <p:par>
+                          <p:cTn id="20" fill="hold">
+                            <p:stCondLst>
+                              <p:cond delay="0"/>
+                            </p:stCondLst>
+                            <p:childTnLst>
+                              <p:par>
+                                <p:cTn id="21" presetID="1" presetClass="entr" presetSubtype="0" fill="hold" grpId="0" nodeType="clickEffect">
+                                  <p:stCondLst>
+                                    <p:cond delay="0"/>
+                                  </p:stCondLst>
+                                  <p:childTnLst>
+                                    <p:set>
+                                      <p:cBhvr>
+                                        <p:cTn id="22" dur="1" fill="hold">
+                                          <p:stCondLst>
+                                            <p:cond delay="0"/>
+                                          </p:stCondLst>
+                                        </p:cTn>
+                                        <p:tgtEl>
+                                          <p:spTgt spid="22">
+                                            <p:graphicEl>
+                                              <a:dgm id="{D850B575-8268-47C9-BA65-19D4C41AF72F}"/>
+                                            </p:graphicEl>
+                                          </p:spTgt>
+                                        </p:tgtEl>
+                                        <p:attrNameLst>
+                                          <p:attrName>style.visibility</p:attrName>
+                                        </p:attrNameLst>
+                                      </p:cBhvr>
+                                      <p:to>
+                                        <p:strVal val="visible"/>
+                                      </p:to>
+                                    </p:set>
+                                  </p:childTnLst>
+                                </p:cTn>
+                              </p:par>
+                            </p:childTnLst>
+                          </p:cTn>
+                        </p:par>
+                      </p:childTnLst>
+                    </p:cTn>
+                  </p:par>
+                  <p:par>
+                    <p:cTn id="23" fill="hold">
+                      <p:stCondLst>
+                        <p:cond delay="indefinite"/>
+                      </p:stCondLst>
+                      <p:childTnLst>
+                        <p:par>
+                          <p:cTn id="24" fill="hold">
+                            <p:stCondLst>
+                              <p:cond delay="0"/>
+                            </p:stCondLst>
+                            <p:childTnLst>
+                              <p:par>
+                                <p:cTn id="25" presetID="1" presetClass="entr" presetSubtype="0" fill="hold" grpId="0" nodeType="clickEffect">
+                                  <p:stCondLst>
+                                    <p:cond delay="0"/>
+                                  </p:stCondLst>
+                                  <p:childTnLst>
+                                    <p:set>
+                                      <p:cBhvr>
+                                        <p:cTn id="26" dur="1" fill="hold">
+                                          <p:stCondLst>
+                                            <p:cond delay="0"/>
+                                          </p:stCondLst>
+                                        </p:cTn>
+                                        <p:tgtEl>
+                                          <p:spTgt spid="22">
+                                            <p:graphicEl>
+                                              <a:dgm id="{4D714C27-05B4-4ED3-A13F-C6955017C71B}"/>
+                                            </p:graphicEl>
+                                          </p:spTgt>
+                                        </p:tgtEl>
+                                        <p:attrNameLst>
+                                          <p:attrName>style.visibility</p:attrName>
+                                        </p:attrNameLst>
+                                      </p:cBhvr>
+                                      <p:to>
+                                        <p:strVal val="visible"/>
+                                      </p:to>
+                                    </p:set>
+                                  </p:childTnLst>
+                                </p:cTn>
+                              </p:par>
+                            </p:childTnLst>
+                          </p:cTn>
+                        </p:par>
+                      </p:childTnLst>
+                    </p:cTn>
+                  </p:par>
+                  <p:par>
+                    <p:cTn id="27" fill="hold">
+                      <p:stCondLst>
+                        <p:cond delay="indefinite"/>
+                      </p:stCondLst>
+                      <p:childTnLst>
+                        <p:par>
+                          <p:cTn id="28" fill="hold">
+                            <p:stCondLst>
+                              <p:cond delay="0"/>
+                            </p:stCondLst>
+                            <p:childTnLst>
+                              <p:par>
+                                <p:cTn id="29" presetID="1" presetClass="entr" presetSubtype="0" fill="hold" grpId="0" nodeType="clickEffect">
+                                  <p:stCondLst>
+                                    <p:cond delay="0"/>
+                                  </p:stCondLst>
+                                  <p:childTnLst>
+                                    <p:set>
+                                      <p:cBhvr>
+                                        <p:cTn id="30" dur="1" fill="hold">
+                                          <p:stCondLst>
+                                            <p:cond delay="0"/>
+                                          </p:stCondLst>
+                                        </p:cTn>
+                                        <p:tgtEl>
+                                          <p:spTgt spid="22">
+                                            <p:graphicEl>
+                                              <a:dgm id="{319A0EE5-FAE2-47D1-9B8C-2CB650E731B7}"/>
+                                            </p:graphicEl>
+                                          </p:spTgt>
+                                        </p:tgtEl>
+                                        <p:attrNameLst>
+                                          <p:attrName>style.visibility</p:attrName>
+                                        </p:attrNameLst>
+                                      </p:cBhvr>
+                                      <p:to>
+                                        <p:strVal val="visible"/>
+                                      </p:to>
+                                    </p:set>
+                                  </p:childTnLst>
+                                </p:cTn>
+                              </p:par>
+                            </p:childTnLst>
+                          </p:cTn>
+                        </p:par>
+                      </p:childTnLst>
+                    </p:cTn>
+                  </p:par>
+                  <p:par>
+                    <p:cTn id="31" fill="hold">
+                      <p:stCondLst>
+                        <p:cond delay="indefinite"/>
+                      </p:stCondLst>
+                      <p:childTnLst>
+                        <p:par>
+                          <p:cTn id="32" fill="hold">
+                            <p:stCondLst>
+                              <p:cond delay="0"/>
+                            </p:stCondLst>
+                            <p:childTnLst>
+                              <p:par>
+                                <p:cTn id="33" presetID="1" presetClass="entr" presetSubtype="0" fill="hold" grpId="0" nodeType="clickEffect">
+                                  <p:stCondLst>
+                                    <p:cond delay="0"/>
+                                  </p:stCondLst>
+                                  <p:childTnLst>
+                                    <p:set>
+                                      <p:cBhvr>
+                                        <p:cTn id="34" dur="1" fill="hold">
+                                          <p:stCondLst>
+                                            <p:cond delay="0"/>
+                                          </p:stCondLst>
+                                        </p:cTn>
+                                        <p:tgtEl>
+                                          <p:spTgt spid="21">
+                                            <p:graphicEl>
+                                              <a:dgm id="{76AAF56F-D4D7-4577-94A9-CDD5DC0599FE}"/>
+                                            </p:graphicEl>
+                                          </p:spTgt>
+                                        </p:tgtEl>
+                                        <p:attrNameLst>
+                                          <p:attrName>style.visibility</p:attrName>
+                                        </p:attrNameLst>
+                                      </p:cBhvr>
+                                      <p:to>
+                                        <p:strVal val="visible"/>
+                                      </p:to>
+                                    </p:set>
+                                  </p:childTnLst>
+                                </p:cTn>
+                              </p:par>
+                            </p:childTnLst>
+                          </p:cTn>
+                        </p:par>
+                      </p:childTnLst>
+                    </p:cTn>
+                  </p:par>
+                  <p:par>
+                    <p:cTn id="35" fill="hold">
+                      <p:stCondLst>
+                        <p:cond delay="indefinite"/>
+                      </p:stCondLst>
+                      <p:childTnLst>
+                        <p:par>
+                          <p:cTn id="36" fill="hold">
+                            <p:stCondLst>
+                              <p:cond delay="0"/>
+                            </p:stCondLst>
+                            <p:childTnLst>
+                              <p:par>
+                                <p:cTn id="37" presetID="1" presetClass="entr" presetSubtype="0" fill="hold" grpId="0" nodeType="clickEffect">
+                                  <p:stCondLst>
+                                    <p:cond delay="0"/>
+                                  </p:stCondLst>
+                                  <p:childTnLst>
+                                    <p:set>
+                                      <p:cBhvr>
+                                        <p:cTn id="38" dur="1" fill="hold">
+                                          <p:stCondLst>
+                                            <p:cond delay="0"/>
+                                          </p:stCondLst>
+                                        </p:cTn>
+                                        <p:tgtEl>
+                                          <p:spTgt spid="21">
+                                            <p:graphicEl>
+                                              <a:dgm id="{5DB35AF2-9F99-41D1-8632-C9180952D400}"/>
+                                            </p:graphicEl>
+                                          </p:spTgt>
+                                        </p:tgtEl>
+                                        <p:attrNameLst>
+                                          <p:attrName>style.visibility</p:attrName>
+                                        </p:attrNameLst>
+                                      </p:cBhvr>
+                                      <p:to>
+                                        <p:strVal val="visible"/>
+                                      </p:to>
+                                    </p:set>
+                                  </p:childTnLst>
+                                </p:cTn>
+                              </p:par>
+                            </p:childTnLst>
+                          </p:cTn>
+                        </p:par>
+                      </p:childTnLst>
+                    </p:cTn>
+                  </p:par>
+                  <p:par>
+                    <p:cTn id="39" fill="hold">
+                      <p:stCondLst>
+                        <p:cond delay="indefinite"/>
+                      </p:stCondLst>
+                      <p:childTnLst>
+                        <p:par>
+                          <p:cTn id="40" fill="hold">
+                            <p:stCondLst>
+                              <p:cond delay="0"/>
+                            </p:stCondLst>
+                            <p:childTnLst>
+                              <p:par>
+                                <p:cTn id="41" presetID="1" presetClass="entr" presetSubtype="0" fill="hold" grpId="0" nodeType="clickEffect">
+                                  <p:stCondLst>
+                                    <p:cond delay="0"/>
+                                  </p:stCondLst>
+                                  <p:childTnLst>
+                                    <p:set>
+                                      <p:cBhvr>
+                                        <p:cTn id="42" dur="1" fill="hold">
+                                          <p:stCondLst>
+                                            <p:cond delay="0"/>
+                                          </p:stCondLst>
+                                        </p:cTn>
+                                        <p:tgtEl>
+                                          <p:spTgt spid="21">
+                                            <p:graphicEl>
+                                              <a:dgm id="{CEF4917A-2583-498A-ACAC-CF0D58E8F0A6}"/>
+                                            </p:graphicEl>
+                                          </p:spTgt>
+                                        </p:tgtEl>
+                                        <p:attrNameLst>
+                                          <p:attrName>style.visibility</p:attrName>
+                                        </p:attrNameLst>
+                                      </p:cBhvr>
+                                      <p:to>
+                                        <p:strVal val="visible"/>
+                                      </p:to>
+                                    </p:set>
+                                  </p:childTnLst>
+                                </p:cTn>
+                              </p:par>
+                            </p:childTnLst>
+                          </p:cTn>
+                        </p:par>
+                      </p:childTnLst>
+                    </p:cTn>
+                  </p:par>
+                  <p:par>
+                    <p:cTn id="43" fill="hold">
+                      <p:stCondLst>
+                        <p:cond delay="indefinite"/>
+                      </p:stCondLst>
+                      <p:childTnLst>
+                        <p:par>
+                          <p:cTn id="44" fill="hold">
+                            <p:stCondLst>
+                              <p:cond delay="0"/>
+                            </p:stCondLst>
+                            <p:childTnLst>
+                              <p:par>
+                                <p:cTn id="45" presetID="1" presetClass="entr" presetSubtype="0" fill="hold" grpId="0" nodeType="clickEffect">
+                                  <p:stCondLst>
+                                    <p:cond delay="0"/>
+                                  </p:stCondLst>
+                                  <p:childTnLst>
+                                    <p:set>
+                                      <p:cBhvr>
+                                        <p:cTn id="46" dur="1" fill="hold">
+                                          <p:stCondLst>
+                                            <p:cond delay="0"/>
+                                          </p:stCondLst>
+                                        </p:cTn>
+                                        <p:tgtEl>
+                                          <p:spTgt spid="21">
+                                            <p:graphicEl>
+                                              <a:dgm id="{477157D4-E55E-4D4B-941F-24801F1D36AC}"/>
+                                            </p:graphicEl>
+                                          </p:spTgt>
+                                        </p:tgtEl>
+                                        <p:attrNameLst>
+                                          <p:attrName>style.visibility</p:attrName>
+                                        </p:attrNameLst>
+                                      </p:cBhvr>
+                                      <p:to>
+                                        <p:strVal val="visible"/>
+                                      </p:to>
+                                    </p:set>
+                                  </p:childTnLst>
+                                </p:cTn>
+                              </p:par>
+                            </p:childTnLst>
+                          </p:cTn>
+                        </p:par>
+                      </p:childTnLst>
+                    </p:cTn>
+                  </p:par>
+                  <p:par>
+                    <p:cTn id="47" fill="hold">
+                      <p:stCondLst>
+                        <p:cond delay="indefinite"/>
+                      </p:stCondLst>
+                      <p:childTnLst>
+                        <p:par>
+                          <p:cTn id="48" fill="hold">
+                            <p:stCondLst>
+                              <p:cond delay="0"/>
+                            </p:stCondLst>
+                            <p:childTnLst>
+                              <p:par>
+                                <p:cTn id="49" presetID="1" presetClass="entr" presetSubtype="0" fill="hold" grpId="0" nodeType="clickEffect">
+                                  <p:stCondLst>
+                                    <p:cond delay="0"/>
+                                  </p:stCondLst>
+                                  <p:childTnLst>
+                                    <p:set>
+                                      <p:cBhvr>
+                                        <p:cTn id="50" dur="1" fill="hold">
+                                          <p:stCondLst>
+                                            <p:cond delay="0"/>
+                                          </p:stCondLst>
+                                        </p:cTn>
+                                        <p:tgtEl>
+                                          <p:spTgt spid="23">
+                                            <p:graphicEl>
+                                              <a:dgm id="{76AAF56F-D4D7-4577-94A9-CDD5DC0599FE}"/>
+                                            </p:graphicEl>
+                                          </p:spTgt>
+                                        </p:tgtEl>
+                                        <p:attrNameLst>
+                                          <p:attrName>style.visibility</p:attrName>
+                                        </p:attrNameLst>
+                                      </p:cBhvr>
+                                      <p:to>
+                                        <p:strVal val="visible"/>
+                                      </p:to>
+                                    </p:set>
+                                  </p:childTnLst>
+                                </p:cTn>
+                              </p:par>
+                            </p:childTnLst>
+                          </p:cTn>
+                        </p:par>
+                      </p:childTnLst>
+                    </p:cTn>
+                  </p:par>
+                  <p:par>
+                    <p:cTn id="51" fill="hold">
+                      <p:stCondLst>
+                        <p:cond delay="indefinite"/>
+                      </p:stCondLst>
+                      <p:childTnLst>
+                        <p:par>
+                          <p:cTn id="52" fill="hold">
+                            <p:stCondLst>
+                              <p:cond delay="0"/>
+                            </p:stCondLst>
+                            <p:childTnLst>
+                              <p:par>
+                                <p:cTn id="53" presetID="1" presetClass="entr" presetSubtype="0" fill="hold" grpId="0" nodeType="clickEffect">
+                                  <p:stCondLst>
+                                    <p:cond delay="0"/>
+                                  </p:stCondLst>
+                                  <p:childTnLst>
+                                    <p:set>
+                                      <p:cBhvr>
+                                        <p:cTn id="54" dur="1" fill="hold">
+                                          <p:stCondLst>
+                                            <p:cond delay="0"/>
+                                          </p:stCondLst>
+                                        </p:cTn>
+                                        <p:tgtEl>
+                                          <p:spTgt spid="23">
+                                            <p:graphicEl>
+                                              <a:dgm id="{44A7D895-1910-4068-8F24-1EC9C16B09C5}"/>
+                                            </p:graphicEl>
+                                          </p:spTgt>
+                                        </p:tgtEl>
+                                        <p:attrNameLst>
+                                          <p:attrName>style.visibility</p:attrName>
+                                        </p:attrNameLst>
+                                      </p:cBhvr>
+                                      <p:to>
+                                        <p:strVal val="visible"/>
+                                      </p:to>
+                                    </p:set>
+                                  </p:childTnLst>
+                                </p:cTn>
+                              </p:par>
+                            </p:childTnLst>
+                          </p:cTn>
+                        </p:par>
+                      </p:childTnLst>
+                    </p:cTn>
+                  </p:par>
+                  <p:par>
+                    <p:cTn id="55" fill="hold">
+                      <p:stCondLst>
+                        <p:cond delay="indefinite"/>
+                      </p:stCondLst>
+                      <p:childTnLst>
+                        <p:par>
+                          <p:cTn id="56" fill="hold">
+                            <p:stCondLst>
+                              <p:cond delay="0"/>
+                            </p:stCondLst>
+                            <p:childTnLst>
+                              <p:par>
+                                <p:cTn id="57" presetID="1" presetClass="entr" presetSubtype="0" fill="hold" grpId="0" nodeType="clickEffect">
+                                  <p:stCondLst>
+                                    <p:cond delay="0"/>
+                                  </p:stCondLst>
+                                  <p:childTnLst>
+                                    <p:set>
+                                      <p:cBhvr>
+                                        <p:cTn id="58" dur="1" fill="hold">
+                                          <p:stCondLst>
+                                            <p:cond delay="0"/>
+                                          </p:stCondLst>
+                                        </p:cTn>
+                                        <p:tgtEl>
+                                          <p:spTgt spid="23">
+                                            <p:graphicEl>
+                                              <a:dgm id="{7E62F2A4-EBAB-4D1C-AFFC-123B159E248A}"/>
+                                            </p:graphicEl>
+                                          </p:spTgt>
+                                        </p:tgtEl>
+                                        <p:attrNameLst>
+                                          <p:attrName>style.visibility</p:attrName>
+                                        </p:attrNameLst>
+                                      </p:cBhvr>
+                                      <p:to>
+                                        <p:strVal val="visible"/>
+                                      </p:to>
+                                    </p:set>
+                                  </p:childTnLst>
+                                </p:cTn>
+                              </p:par>
+                            </p:childTnLst>
+                          </p:cTn>
+                        </p:par>
+                      </p:childTnLst>
+                    </p:cTn>
+                  </p:par>
+                  <p:par>
+                    <p:cTn id="59" fill="hold">
+                      <p:stCondLst>
+                        <p:cond delay="indefinite"/>
+                      </p:stCondLst>
+                      <p:childTnLst>
+                        <p:par>
+                          <p:cTn id="60" fill="hold">
+                            <p:stCondLst>
+                              <p:cond delay="0"/>
+                            </p:stCondLst>
+                            <p:childTnLst>
+                              <p:par>
+                                <p:cTn id="61" presetID="1" presetClass="entr" presetSubtype="0" fill="hold" grpId="0" nodeType="clickEffect">
+                                  <p:stCondLst>
+                                    <p:cond delay="0"/>
+                                  </p:stCondLst>
+                                  <p:childTnLst>
+                                    <p:set>
+                                      <p:cBhvr>
+                                        <p:cTn id="62" dur="1" fill="hold">
+                                          <p:stCondLst>
+                                            <p:cond delay="0"/>
+                                          </p:stCondLst>
+                                        </p:cTn>
+                                        <p:tgtEl>
+                                          <p:spTgt spid="23">
+                                            <p:graphicEl>
+                                              <a:dgm id="{B41BF3A0-5F9B-4C4A-AFF8-07F25F44D473}"/>
+                                            </p:graphicEl>
+                                          </p:spTgt>
+                                        </p:tgtEl>
+                                        <p:attrNameLst>
+                                          <p:attrName>style.visibility</p:attrName>
+                                        </p:attrNameLst>
+                                      </p:cBhvr>
+                                      <p:to>
+                                        <p:strVal val="visible"/>
+                                      </p:to>
+                                    </p:set>
+                                  </p:childTnLst>
+                                </p:cTn>
+                              </p:par>
+                            </p:childTnLst>
+                          </p:cTn>
+                        </p:par>
+                      </p:childTnLst>
+                    </p:cTn>
+                  </p:par>
+                </p:childTnLst>
+              </p:cTn>
+              <p:prevCondLst>
+                <p:cond evt="onPrev" delay="0">
+                  <p:tgtEl>
+                    <p:sldTgt/>
+                  </p:tgtEl>
+                </p:cond>
+              </p:prevCondLst>
+              <p:nextCondLst>
+                <p:cond evt="onNext" delay="0">
+                  <p:tgtEl>
+                    <p:sldTgt/>
+                  </p:tgtEl>
+                </p:cond>
+              </p:nextCondLst>
+            </p:seq>
+          </p:childTnLst>
+        </p:cTn>
+      </p:par>
+    </p:tnLst>
+    <p:bldLst>
+      <p:bldGraphic spid="21" grpId="0">
+        <p:bldSub>
+          <a:bldDgm bld="lvlOne"/>
+        </p:bldSub>
+      </p:bldGraphic>
+      <p:bldGraphic spid="22" grpId="0">
+        <p:bldSub>
+          <a:bldDgm bld="lvlOne"/>
+        </p:bldSub>
+      </p:bldGraphic>
+      <p:bldGraphic spid="23" grpId="0">
+        <p:bldSub>
+          <a:bldDgm bld="lvlOne"/>
+        </p:bldSub>
+      </p:bldGraphic>
+    </p:bldLst>
+  </p:timing>
+</p:sld>
+</file>
+
+<file path=ppt/slides/slide11.xml><?xml version="1.0" encoding="utf-8"?>
 <p:sld xmlns:a="http://schemas.openxmlformats.org/drawingml/2006/main" xmlns:r="http://schemas.openxmlformats.org/officeDocument/2006/relationships" xmlns:p="http://schemas.openxmlformats.org/presentationml/2006/main">
   <p:cSld>
     <p:spTree>
@@ -30383,7 +32701,7 @@
                   <a:schemeClr val="bg1"/>
                 </a:solidFill>
               </a:rPr>
-              <a:t>Business teach Business</a:t>
+              <a:t>Business teaches Business</a:t>
             </a:r>
           </a:p>
         </p:txBody>
@@ -30890,10 +33208,16 @@
         <p:nvGraphicFramePr>
           <p:cNvPr id="12" name="Diagram 11"/>
           <p:cNvGraphicFramePr/>
-          <p:nvPr/>
+          <p:nvPr>
+            <p:extLst>
+              <p:ext uri="{D42A27DB-BD31-4B8C-83A1-F6EECF244321}">
+                <p14:modId xmlns:p14="http://schemas.microsoft.com/office/powerpoint/2010/main" val="750648935"/>
+              </p:ext>
+            </p:extLst>
+          </p:nvPr>
         </p:nvGraphicFramePr>
         <p:xfrm>
-          <a:off x="2848746" y="1172639"/>
+          <a:off x="2642009" y="1172639"/>
           <a:ext cx="3438673" cy="1441732"/>
         </p:xfrm>
         <a:graphic>
@@ -31043,7 +33367,7 @@
 </p:sld>
 </file>
 
-<file path=ppt/slides/slide11.xml><?xml version="1.0" encoding="utf-8"?>
+<file path=ppt/slides/slide12.xml><?xml version="1.0" encoding="utf-8"?>
 <p:sld xmlns:a="http://schemas.openxmlformats.org/drawingml/2006/main" xmlns:r="http://schemas.openxmlformats.org/officeDocument/2006/relationships" xmlns:p="http://schemas.openxmlformats.org/presentationml/2006/main">
   <p:cSld>
     <p:spTree>
@@ -32078,7 +34402,7 @@
 </p:sld>
 </file>
 
-<file path=ppt/slides/slide12.xml><?xml version="1.0" encoding="utf-8"?>
+<file path=ppt/slides/slide13.xml><?xml version="1.0" encoding="utf-8"?>
 <p:sld xmlns:a="http://schemas.openxmlformats.org/drawingml/2006/main" xmlns:r="http://schemas.openxmlformats.org/officeDocument/2006/relationships" xmlns:p="http://schemas.openxmlformats.org/presentationml/2006/main">
   <p:cSld>
     <p:spTree>
@@ -32407,7 +34731,7 @@
 </p:sld>
 </file>
 
-<file path=ppt/slides/slide13.xml><?xml version="1.0" encoding="utf-8"?>
+<file path=ppt/slides/slide14.xml><?xml version="1.0" encoding="utf-8"?>
 <p:sld xmlns:a="http://schemas.openxmlformats.org/drawingml/2006/main" xmlns:r="http://schemas.openxmlformats.org/officeDocument/2006/relationships" xmlns:p="http://schemas.openxmlformats.org/presentationml/2006/main">
   <p:cSld>
     <p:spTree>
@@ -32424,6 +34748,31 @@
           <a:chExt cx="0" cy="0"/>
         </a:xfrm>
       </p:grpSpPr>
+      <p:sp>
+        <p:nvSpPr>
+          <p:cNvPr id="2" name="Title 1">
+            <a:extLst>
+              <a:ext uri="{FF2B5EF4-FFF2-40B4-BE49-F238E27FC236}">
+                <a16:creationId xmlns:a16="http://schemas.microsoft.com/office/drawing/2014/main" id="{FE732269-2646-4E69-B292-44CEB2100E8D}"/>
+              </a:ext>
+            </a:extLst>
+          </p:cNvPr>
+          <p:cNvSpPr>
+            <a:spLocks noGrp="1"/>
+          </p:cNvSpPr>
+          <p:nvPr>
+            <p:ph type="ctrTitle"/>
+          </p:nvPr>
+        </p:nvSpPr>
+        <p:spPr/>
+        <p:txBody>
+          <a:bodyPr/>
+          <a:lstStyle/>
+          <a:p>
+            <a:endParaRPr lang="en-GB"/>
+          </a:p>
+        </p:txBody>
+      </p:sp>
     </p:spTree>
     <p:extLst>
       <p:ext uri="{BB962C8B-B14F-4D97-AF65-F5344CB8AC3E}">
@@ -33189,6 +35538,1635 @@
 </file>
 
 <file path=ppt/slides/slide5.xml><?xml version="1.0" encoding="utf-8"?>
+<p:sld xmlns:a="http://schemas.openxmlformats.org/drawingml/2006/main" xmlns:r="http://schemas.openxmlformats.org/officeDocument/2006/relationships" xmlns:p="http://schemas.openxmlformats.org/presentationml/2006/main" show="0">
+  <p:cSld>
+    <p:spTree>
+      <p:nvGrpSpPr>
+        <p:cNvPr id="1" name=""/>
+        <p:cNvGrpSpPr/>
+        <p:nvPr/>
+      </p:nvGrpSpPr>
+      <p:grpSpPr>
+        <a:xfrm>
+          <a:off x="0" y="0"/>
+          <a:ext cx="0" cy="0"/>
+          <a:chOff x="0" y="0"/>
+          <a:chExt cx="0" cy="0"/>
+        </a:xfrm>
+      </p:grpSpPr>
+      <p:sp>
+        <p:nvSpPr>
+          <p:cNvPr id="4" name="Title 3">
+            <a:extLst>
+              <a:ext uri="{FF2B5EF4-FFF2-40B4-BE49-F238E27FC236}">
+                <a16:creationId xmlns:a16="http://schemas.microsoft.com/office/drawing/2014/main" id="{97183472-66C5-46D6-98F2-682EB0CDF01F}"/>
+              </a:ext>
+            </a:extLst>
+          </p:cNvPr>
+          <p:cNvSpPr>
+            <a:spLocks noGrp="1"/>
+          </p:cNvSpPr>
+          <p:nvPr>
+            <p:ph type="title"/>
+          </p:nvPr>
+        </p:nvSpPr>
+        <p:spPr/>
+        <p:txBody>
+          <a:bodyPr/>
+          <a:lstStyle/>
+          <a:p>
+            <a:r>
+              <a:rPr lang="en-GB" dirty="0"/>
+              <a:t>Ongoing Value       Adoption</a:t>
+            </a:r>
+          </a:p>
+        </p:txBody>
+      </p:sp>
+      <p:pic>
+        <p:nvPicPr>
+          <p:cNvPr id="3" name="Picture 2">
+            <a:extLst>
+              <a:ext uri="{FF2B5EF4-FFF2-40B4-BE49-F238E27FC236}">
+                <a16:creationId xmlns:a16="http://schemas.microsoft.com/office/drawing/2014/main" id="{1376055A-FE03-4231-A521-E9AF71FD0D45}"/>
+              </a:ext>
+            </a:extLst>
+          </p:cNvPr>
+          <p:cNvPicPr>
+            <a:picLocks noChangeAspect="1"/>
+          </p:cNvPicPr>
+          <p:nvPr/>
+        </p:nvPicPr>
+        <p:blipFill>
+          <a:blip r:embed="rId4"/>
+          <a:stretch>
+            <a:fillRect/>
+          </a:stretch>
+        </p:blipFill>
+        <p:spPr>
+          <a:xfrm>
+            <a:off x="1202766" y="1596063"/>
+            <a:ext cx="1034007" cy="1494815"/>
+          </a:xfrm>
+          <a:prstGeom prst="rect">
+            <a:avLst/>
+          </a:prstGeom>
+        </p:spPr>
+      </p:pic>
+      <p:pic>
+        <p:nvPicPr>
+          <p:cNvPr id="5" name="Picture 4">
+            <a:extLst>
+              <a:ext uri="{FF2B5EF4-FFF2-40B4-BE49-F238E27FC236}">
+                <a16:creationId xmlns:a16="http://schemas.microsoft.com/office/drawing/2014/main" id="{C5750785-857E-4309-94B4-657D550032E2}"/>
+              </a:ext>
+            </a:extLst>
+          </p:cNvPr>
+          <p:cNvPicPr>
+            <a:picLocks noChangeAspect="1"/>
+          </p:cNvPicPr>
+          <p:nvPr/>
+        </p:nvPicPr>
+        <p:blipFill>
+          <a:blip r:embed="rId5"/>
+          <a:stretch>
+            <a:fillRect/>
+          </a:stretch>
+        </p:blipFill>
+        <p:spPr>
+          <a:xfrm>
+            <a:off x="1099127" y="3844979"/>
+            <a:ext cx="1623952" cy="955266"/>
+          </a:xfrm>
+          <a:prstGeom prst="rect">
+            <a:avLst/>
+          </a:prstGeom>
+        </p:spPr>
+      </p:pic>
+      <p:pic>
+        <p:nvPicPr>
+          <p:cNvPr id="6" name="Picture 5">
+            <a:extLst>
+              <a:ext uri="{FF2B5EF4-FFF2-40B4-BE49-F238E27FC236}">
+                <a16:creationId xmlns:a16="http://schemas.microsoft.com/office/drawing/2014/main" id="{409A0C0A-73DD-4603-8ED5-59B856680BF3}"/>
+              </a:ext>
+            </a:extLst>
+          </p:cNvPr>
+          <p:cNvPicPr>
+            <a:picLocks noChangeAspect="1"/>
+          </p:cNvPicPr>
+          <p:nvPr/>
+        </p:nvPicPr>
+        <p:blipFill>
+          <a:blip r:embed="rId6"/>
+          <a:stretch>
+            <a:fillRect/>
+          </a:stretch>
+        </p:blipFill>
+        <p:spPr>
+          <a:xfrm>
+            <a:off x="8305419" y="1240150"/>
+            <a:ext cx="2791500" cy="1222149"/>
+          </a:xfrm>
+          <a:prstGeom prst="rect">
+            <a:avLst/>
+          </a:prstGeom>
+        </p:spPr>
+      </p:pic>
+      <p:pic>
+        <p:nvPicPr>
+          <p:cNvPr id="7" name="Picture 6">
+            <a:extLst>
+              <a:ext uri="{FF2B5EF4-FFF2-40B4-BE49-F238E27FC236}">
+                <a16:creationId xmlns:a16="http://schemas.microsoft.com/office/drawing/2014/main" id="{02B05516-3382-4336-85BE-C64DB2497515}"/>
+              </a:ext>
+            </a:extLst>
+          </p:cNvPr>
+          <p:cNvPicPr>
+            <a:picLocks noChangeAspect="1"/>
+          </p:cNvPicPr>
+          <p:nvPr/>
+        </p:nvPicPr>
+        <p:blipFill>
+          <a:blip r:embed="rId7"/>
+          <a:stretch>
+            <a:fillRect/>
+          </a:stretch>
+        </p:blipFill>
+        <p:spPr>
+          <a:xfrm>
+            <a:off x="2703589" y="2549554"/>
+            <a:ext cx="1328560" cy="1346515"/>
+          </a:xfrm>
+          <a:prstGeom prst="rect">
+            <a:avLst/>
+          </a:prstGeom>
+        </p:spPr>
+      </p:pic>
+      <p:pic>
+        <p:nvPicPr>
+          <p:cNvPr id="8" name="Picture 7">
+            <a:extLst>
+              <a:ext uri="{FF2B5EF4-FFF2-40B4-BE49-F238E27FC236}">
+                <a16:creationId xmlns:a16="http://schemas.microsoft.com/office/drawing/2014/main" id="{52658A62-5B23-4090-876B-FA9A0991D426}"/>
+              </a:ext>
+            </a:extLst>
+          </p:cNvPr>
+          <p:cNvPicPr>
+            <a:picLocks noChangeAspect="1"/>
+          </p:cNvPicPr>
+          <p:nvPr/>
+        </p:nvPicPr>
+        <p:blipFill>
+          <a:blip r:embed="rId8"/>
+          <a:stretch>
+            <a:fillRect/>
+          </a:stretch>
+        </p:blipFill>
+        <p:spPr>
+          <a:xfrm>
+            <a:off x="1146453" y="5501936"/>
+            <a:ext cx="1923750" cy="877500"/>
+          </a:xfrm>
+          <a:prstGeom prst="rect">
+            <a:avLst/>
+          </a:prstGeom>
+        </p:spPr>
+      </p:pic>
+      <p:pic>
+        <p:nvPicPr>
+          <p:cNvPr id="9" name="Picture 8">
+            <a:extLst>
+              <a:ext uri="{FF2B5EF4-FFF2-40B4-BE49-F238E27FC236}">
+                <a16:creationId xmlns:a16="http://schemas.microsoft.com/office/drawing/2014/main" id="{3AFF1DE2-27A7-4F10-A7BA-2AE96D4FB820}"/>
+              </a:ext>
+            </a:extLst>
+          </p:cNvPr>
+          <p:cNvPicPr>
+            <a:picLocks noChangeAspect="1"/>
+          </p:cNvPicPr>
+          <p:nvPr/>
+        </p:nvPicPr>
+        <p:blipFill>
+          <a:blip r:embed="rId9"/>
+          <a:stretch>
+            <a:fillRect/>
+          </a:stretch>
+        </p:blipFill>
+        <p:spPr>
+          <a:xfrm>
+            <a:off x="6375159" y="4253556"/>
+            <a:ext cx="2458749" cy="1337622"/>
+          </a:xfrm>
+          <a:prstGeom prst="rect">
+            <a:avLst/>
+          </a:prstGeom>
+        </p:spPr>
+      </p:pic>
+      <p:pic>
+        <p:nvPicPr>
+          <p:cNvPr id="10" name="Picture 9">
+            <a:extLst>
+              <a:ext uri="{FF2B5EF4-FFF2-40B4-BE49-F238E27FC236}">
+                <a16:creationId xmlns:a16="http://schemas.microsoft.com/office/drawing/2014/main" id="{33F2DE2F-BEAB-45EE-AADD-5A59871D261C}"/>
+              </a:ext>
+            </a:extLst>
+          </p:cNvPr>
+          <p:cNvPicPr>
+            <a:picLocks noChangeAspect="1"/>
+          </p:cNvPicPr>
+          <p:nvPr/>
+        </p:nvPicPr>
+        <p:blipFill>
+          <a:blip r:embed="rId10"/>
+          <a:stretch>
+            <a:fillRect/>
+          </a:stretch>
+        </p:blipFill>
+        <p:spPr>
+          <a:xfrm>
+            <a:off x="4723358" y="1344173"/>
+            <a:ext cx="2352150" cy="1282991"/>
+          </a:xfrm>
+          <a:prstGeom prst="rect">
+            <a:avLst/>
+          </a:prstGeom>
+        </p:spPr>
+      </p:pic>
+      <p:pic>
+        <p:nvPicPr>
+          <p:cNvPr id="11" name="Picture 10">
+            <a:extLst>
+              <a:ext uri="{FF2B5EF4-FFF2-40B4-BE49-F238E27FC236}">
+                <a16:creationId xmlns:a16="http://schemas.microsoft.com/office/drawing/2014/main" id="{EE59462F-7BFA-4FA2-959F-F7EC64921868}"/>
+              </a:ext>
+            </a:extLst>
+          </p:cNvPr>
+          <p:cNvPicPr>
+            <a:picLocks noChangeAspect="1"/>
+          </p:cNvPicPr>
+          <p:nvPr/>
+        </p:nvPicPr>
+        <p:blipFill>
+          <a:blip r:embed="rId11">
+            <a:grayscl/>
+          </a:blip>
+          <a:stretch>
+            <a:fillRect/>
+          </a:stretch>
+        </p:blipFill>
+        <p:spPr>
+          <a:xfrm>
+            <a:off x="4761173" y="3247068"/>
+            <a:ext cx="2034641" cy="1166354"/>
+          </a:xfrm>
+          <a:prstGeom prst="rect">
+            <a:avLst/>
+          </a:prstGeom>
+        </p:spPr>
+      </p:pic>
+      <p:pic>
+        <p:nvPicPr>
+          <p:cNvPr id="12" name="Picture 11">
+            <a:extLst>
+              <a:ext uri="{FF2B5EF4-FFF2-40B4-BE49-F238E27FC236}">
+                <a16:creationId xmlns:a16="http://schemas.microsoft.com/office/drawing/2014/main" id="{CFA4ACA6-40FD-423D-BE6A-A98EDDC73A38}"/>
+              </a:ext>
+            </a:extLst>
+          </p:cNvPr>
+          <p:cNvPicPr>
+            <a:picLocks noChangeAspect="1"/>
+          </p:cNvPicPr>
+          <p:nvPr/>
+        </p:nvPicPr>
+        <p:blipFill>
+          <a:blip r:embed="rId12"/>
+          <a:stretch>
+            <a:fillRect/>
+          </a:stretch>
+        </p:blipFill>
+        <p:spPr>
+          <a:xfrm>
+            <a:off x="4665934" y="4778549"/>
+            <a:ext cx="1539920" cy="1357411"/>
+          </a:xfrm>
+          <a:prstGeom prst="rect">
+            <a:avLst/>
+          </a:prstGeom>
+        </p:spPr>
+      </p:pic>
+      <p:grpSp>
+        <p:nvGrpSpPr>
+          <p:cNvPr id="2" name="Group 1">
+            <a:extLst>
+              <a:ext uri="{FF2B5EF4-FFF2-40B4-BE49-F238E27FC236}">
+                <a16:creationId xmlns:a16="http://schemas.microsoft.com/office/drawing/2014/main" id="{C54D0DBD-A4F3-43E6-8CF8-9A341ECF4702}"/>
+              </a:ext>
+            </a:extLst>
+          </p:cNvPr>
+          <p:cNvGrpSpPr/>
+          <p:nvPr/>
+        </p:nvGrpSpPr>
+        <p:grpSpPr>
+          <a:xfrm>
+            <a:off x="9828169" y="4371629"/>
+            <a:ext cx="1481274" cy="2171250"/>
+            <a:chOff x="1008709" y="4125024"/>
+            <a:chExt cx="1481274" cy="2171250"/>
+          </a:xfrm>
+        </p:grpSpPr>
+        <p:pic>
+          <p:nvPicPr>
+            <p:cNvPr id="13" name="Picture 12">
+              <a:extLst>
+                <a:ext uri="{FF2B5EF4-FFF2-40B4-BE49-F238E27FC236}">
+                  <a16:creationId xmlns:a16="http://schemas.microsoft.com/office/drawing/2014/main" id="{B6DDB64A-901F-4FAB-8105-71151438BF5C}"/>
+                </a:ext>
+              </a:extLst>
+            </p:cNvPr>
+            <p:cNvPicPr>
+              <a:picLocks noChangeAspect="1"/>
+            </p:cNvPicPr>
+            <p:nvPr/>
+          </p:nvPicPr>
+          <p:blipFill>
+            <a:blip r:embed="rId13"/>
+            <a:stretch>
+              <a:fillRect/>
+            </a:stretch>
+          </p:blipFill>
+          <p:spPr>
+            <a:xfrm>
+              <a:off x="1375563" y="4396307"/>
+              <a:ext cx="160110" cy="1899967"/>
+            </a:xfrm>
+            <a:prstGeom prst="rect">
+              <a:avLst/>
+            </a:prstGeom>
+          </p:spPr>
+        </p:pic>
+        <p:pic>
+          <p:nvPicPr>
+            <p:cNvPr id="14" name="Picture 13">
+              <a:extLst>
+                <a:ext uri="{FF2B5EF4-FFF2-40B4-BE49-F238E27FC236}">
+                  <a16:creationId xmlns:a16="http://schemas.microsoft.com/office/drawing/2014/main" id="{63AF8013-7F5D-4D01-AC48-02D63C674D21}"/>
+                </a:ext>
+              </a:extLst>
+            </p:cNvPr>
+            <p:cNvPicPr>
+              <a:picLocks noChangeAspect="1"/>
+            </p:cNvPicPr>
+            <p:nvPr/>
+          </p:nvPicPr>
+          <p:blipFill>
+            <a:blip r:embed="rId14"/>
+            <a:stretch>
+              <a:fillRect/>
+            </a:stretch>
+          </p:blipFill>
+          <p:spPr>
+            <a:xfrm>
+              <a:off x="1008709" y="4125024"/>
+              <a:ext cx="225000" cy="2171250"/>
+            </a:xfrm>
+            <a:prstGeom prst="rect">
+              <a:avLst/>
+            </a:prstGeom>
+          </p:spPr>
+        </p:pic>
+        <p:pic>
+          <p:nvPicPr>
+            <p:cNvPr id="15" name="Picture 14">
+              <a:extLst>
+                <a:ext uri="{FF2B5EF4-FFF2-40B4-BE49-F238E27FC236}">
+                  <a16:creationId xmlns:a16="http://schemas.microsoft.com/office/drawing/2014/main" id="{D4ECF398-7F10-402A-B2CF-5DB9C2588EA2}"/>
+                </a:ext>
+              </a:extLst>
+            </p:cNvPr>
+            <p:cNvPicPr>
+              <a:picLocks noChangeAspect="1"/>
+            </p:cNvPicPr>
+            <p:nvPr/>
+          </p:nvPicPr>
+          <p:blipFill>
+            <a:blip r:embed="rId15"/>
+            <a:stretch>
+              <a:fillRect/>
+            </a:stretch>
+          </p:blipFill>
+          <p:spPr>
+            <a:xfrm>
+              <a:off x="1677526" y="4586274"/>
+              <a:ext cx="180000" cy="1710000"/>
+            </a:xfrm>
+            <a:prstGeom prst="rect">
+              <a:avLst/>
+            </a:prstGeom>
+          </p:spPr>
+        </p:pic>
+        <p:pic>
+          <p:nvPicPr>
+            <p:cNvPr id="16" name="Picture 15">
+              <a:extLst>
+                <a:ext uri="{FF2B5EF4-FFF2-40B4-BE49-F238E27FC236}">
+                  <a16:creationId xmlns:a16="http://schemas.microsoft.com/office/drawing/2014/main" id="{500A083C-D5B8-43EF-A36D-394A104DF1C2}"/>
+                </a:ext>
+              </a:extLst>
+            </p:cNvPr>
+            <p:cNvPicPr>
+              <a:picLocks noChangeAspect="1"/>
+            </p:cNvPicPr>
+            <p:nvPr/>
+          </p:nvPicPr>
+          <p:blipFill>
+            <a:blip r:embed="rId16"/>
+            <a:stretch>
+              <a:fillRect/>
+            </a:stretch>
+          </p:blipFill>
+          <p:spPr>
+            <a:xfrm>
+              <a:off x="1999380" y="5520024"/>
+              <a:ext cx="180000" cy="776250"/>
+            </a:xfrm>
+            <a:prstGeom prst="rect">
+              <a:avLst/>
+            </a:prstGeom>
+          </p:spPr>
+        </p:pic>
+        <p:pic>
+          <p:nvPicPr>
+            <p:cNvPr id="17" name="Picture 16">
+              <a:extLst>
+                <a:ext uri="{FF2B5EF4-FFF2-40B4-BE49-F238E27FC236}">
+                  <a16:creationId xmlns:a16="http://schemas.microsoft.com/office/drawing/2014/main" id="{61E08689-9541-419C-B0B4-982C997E9ABC}"/>
+                </a:ext>
+              </a:extLst>
+            </p:cNvPr>
+            <p:cNvPicPr>
+              <a:picLocks noChangeAspect="1"/>
+            </p:cNvPicPr>
+            <p:nvPr/>
+          </p:nvPicPr>
+          <p:blipFill>
+            <a:blip r:embed="rId17"/>
+            <a:stretch>
+              <a:fillRect/>
+            </a:stretch>
+          </p:blipFill>
+          <p:spPr>
+            <a:xfrm>
+              <a:off x="2321233" y="5070024"/>
+              <a:ext cx="168750" cy="1226250"/>
+            </a:xfrm>
+            <a:prstGeom prst="rect">
+              <a:avLst/>
+            </a:prstGeom>
+          </p:spPr>
+        </p:pic>
+      </p:grpSp>
+      <p:pic>
+        <p:nvPicPr>
+          <p:cNvPr id="18" name="Picture 17">
+            <a:extLst>
+              <a:ext uri="{FF2B5EF4-FFF2-40B4-BE49-F238E27FC236}">
+                <a16:creationId xmlns:a16="http://schemas.microsoft.com/office/drawing/2014/main" id="{9F73B307-7EE2-46ED-A6F3-38F56B8111B1}"/>
+              </a:ext>
+            </a:extLst>
+          </p:cNvPr>
+          <p:cNvPicPr>
+            <a:picLocks noChangeAspect="1"/>
+          </p:cNvPicPr>
+          <p:nvPr/>
+        </p:nvPicPr>
+        <p:blipFill>
+          <a:blip r:embed="rId18"/>
+          <a:stretch>
+            <a:fillRect/>
+          </a:stretch>
+        </p:blipFill>
+        <p:spPr>
+          <a:xfrm>
+            <a:off x="7267620" y="2683018"/>
+            <a:ext cx="1080086" cy="1378042"/>
+          </a:xfrm>
+          <a:prstGeom prst="rect">
+            <a:avLst/>
+          </a:prstGeom>
+        </p:spPr>
+      </p:pic>
+      <p:pic>
+        <p:nvPicPr>
+          <p:cNvPr id="19" name="Picture 18">
+            <a:extLst>
+              <a:ext uri="{FF2B5EF4-FFF2-40B4-BE49-F238E27FC236}">
+                <a16:creationId xmlns:a16="http://schemas.microsoft.com/office/drawing/2014/main" id="{AB24B52E-5F36-4CE9-80B4-8F19C89C3950}"/>
+              </a:ext>
+            </a:extLst>
+          </p:cNvPr>
+          <p:cNvPicPr>
+            <a:picLocks noChangeAspect="1"/>
+          </p:cNvPicPr>
+          <p:nvPr/>
+        </p:nvPicPr>
+        <p:blipFill>
+          <a:blip r:embed="rId19"/>
+          <a:stretch>
+            <a:fillRect/>
+          </a:stretch>
+        </p:blipFill>
+        <p:spPr>
+          <a:xfrm>
+            <a:off x="10252196" y="2572590"/>
+            <a:ext cx="1372351" cy="1652423"/>
+          </a:xfrm>
+          <a:prstGeom prst="rect">
+            <a:avLst/>
+          </a:prstGeom>
+        </p:spPr>
+      </p:pic>
+      <p:pic>
+        <p:nvPicPr>
+          <p:cNvPr id="20" name="Picture 19">
+            <a:extLst>
+              <a:ext uri="{FF2B5EF4-FFF2-40B4-BE49-F238E27FC236}">
+                <a16:creationId xmlns:a16="http://schemas.microsoft.com/office/drawing/2014/main" id="{0864BD33-890C-4E73-A00E-AFC02C8B19D7}"/>
+              </a:ext>
+            </a:extLst>
+          </p:cNvPr>
+          <p:cNvPicPr>
+            <a:picLocks noChangeAspect="1"/>
+          </p:cNvPicPr>
+          <p:nvPr/>
+        </p:nvPicPr>
+        <p:blipFill>
+          <a:blip r:embed="rId20"/>
+          <a:stretch>
+            <a:fillRect/>
+          </a:stretch>
+        </p:blipFill>
+        <p:spPr>
+          <a:xfrm>
+            <a:off x="3156971" y="6454345"/>
+            <a:ext cx="6209617" cy="211587"/>
+          </a:xfrm>
+          <a:prstGeom prst="rect">
+            <a:avLst/>
+          </a:prstGeom>
+        </p:spPr>
+      </p:pic>
+      <p:sp>
+        <p:nvSpPr>
+          <p:cNvPr id="22" name="Arrow: Right 21">
+            <a:extLst>
+              <a:ext uri="{FF2B5EF4-FFF2-40B4-BE49-F238E27FC236}">
+                <a16:creationId xmlns:a16="http://schemas.microsoft.com/office/drawing/2014/main" id="{C6A1D5CE-68BE-48CE-B6AD-1D2A62B2AF2A}"/>
+              </a:ext>
+            </a:extLst>
+          </p:cNvPr>
+          <p:cNvSpPr/>
+          <p:nvPr/>
+        </p:nvSpPr>
+        <p:spPr bwMode="auto">
+          <a:xfrm>
+            <a:off x="4119613" y="369135"/>
+            <a:ext cx="627598" cy="396814"/>
+          </a:xfrm>
+          <a:prstGeom prst="rightArrow">
+            <a:avLst/>
+          </a:prstGeom>
+          <a:solidFill>
+            <a:schemeClr val="tx1"/>
+          </a:solidFill>
+          <a:ln>
+            <a:noFill/>
+            <a:headEnd type="none" w="med" len="med"/>
+            <a:tailEnd type="none" w="med" len="med"/>
+          </a:ln>
+          <a:effectLst/>
+        </p:spPr>
+        <p:style>
+          <a:lnRef idx="1">
+            <a:schemeClr val="accent2"/>
+          </a:lnRef>
+          <a:fillRef idx="3">
+            <a:schemeClr val="accent2"/>
+          </a:fillRef>
+          <a:effectRef idx="2">
+            <a:schemeClr val="accent2"/>
+          </a:effectRef>
+          <a:fontRef idx="minor">
+            <a:schemeClr val="lt1"/>
+          </a:fontRef>
+        </p:style>
+        <p:txBody>
+          <a:bodyPr rot="0" spcFirstLastPara="0" vertOverflow="overflow" horzOverflow="overflow" vert="horz" wrap="square" lIns="182880" tIns="146304" rIns="182880" bIns="146304" numCol="1" spcCol="0" rtlCol="0" fromWordArt="0" anchor="t" anchorCtr="0" forceAA="0" compatLnSpc="1">
+            <a:prstTxWarp prst="textNoShape">
+              <a:avLst/>
+            </a:prstTxWarp>
+            <a:noAutofit/>
+          </a:bodyPr>
+          <a:lstStyle/>
+          <a:p>
+            <a:pPr algn="ctr" defTabSz="932472" fontAlgn="base">
+              <a:lnSpc>
+                <a:spcPct val="90000"/>
+              </a:lnSpc>
+              <a:spcBef>
+                <a:spcPct val="0"/>
+              </a:spcBef>
+              <a:spcAft>
+                <a:spcPct val="0"/>
+              </a:spcAft>
+            </a:pPr>
+            <a:endParaRPr lang="en-GB" sz="2400" dirty="0" err="1">
+              <a:gradFill>
+                <a:gsLst>
+                  <a:gs pos="0">
+                    <a:srgbClr val="FFFFFF"/>
+                  </a:gs>
+                  <a:gs pos="100000">
+                    <a:srgbClr val="FFFFFF"/>
+                  </a:gs>
+                </a:gsLst>
+                <a:lin ang="5400000" scaled="0"/>
+              </a:gradFill>
+              <a:ea typeface="Segoe UI" pitchFamily="34" charset="0"/>
+              <a:cs typeface="Segoe UI" pitchFamily="34" charset="0"/>
+            </a:endParaRPr>
+          </a:p>
+        </p:txBody>
+      </p:sp>
+    </p:spTree>
+    <p:custDataLst>
+      <p:tags r:id="rId1"/>
+    </p:custDataLst>
+    <p:extLst>
+      <p:ext uri="{BB962C8B-B14F-4D97-AF65-F5344CB8AC3E}">
+        <p14:creationId xmlns:p14="http://schemas.microsoft.com/office/powerpoint/2010/main" val="2913517032"/>
+      </p:ext>
+    </p:extLst>
+  </p:cSld>
+  <p:clrMapOvr>
+    <a:masterClrMapping/>
+  </p:clrMapOvr>
+  <mc:AlternateContent xmlns:mc="http://schemas.openxmlformats.org/markup-compatibility/2006">
+    <mc:Choice xmlns:p14="http://schemas.microsoft.com/office/powerpoint/2010/main" Requires="p14">
+      <p:transition spd="med" p14:dur="700" advTm="104241">
+        <p:fade/>
+      </p:transition>
+    </mc:Choice>
+    <mc:Fallback>
+      <p:transition spd="med" advTm="104241">
+        <p:fade/>
+      </p:transition>
+    </mc:Fallback>
+  </mc:AlternateContent>
+  <p:timing>
+    <p:tnLst>
+      <p:par>
+        <p:cTn id="1" dur="indefinite" restart="never" nodeType="tmRoot">
+          <p:childTnLst>
+            <p:seq concurrent="1" nextAc="seek">
+              <p:cTn id="2" dur="indefinite" nodeType="mainSeq">
+                <p:childTnLst>
+                  <p:par>
+                    <p:cTn id="3" fill="hold">
+                      <p:stCondLst>
+                        <p:cond delay="indefinite"/>
+                      </p:stCondLst>
+                      <p:childTnLst>
+                        <p:par>
+                          <p:cTn id="4" fill="hold">
+                            <p:stCondLst>
+                              <p:cond delay="0"/>
+                            </p:stCondLst>
+                            <p:childTnLst>
+                              <p:par>
+                                <p:cTn id="5" presetID="10" presetClass="entr" presetSubtype="0" fill="hold" nodeType="clickEffect">
+                                  <p:stCondLst>
+                                    <p:cond delay="0"/>
+                                  </p:stCondLst>
+                                  <p:childTnLst>
+                                    <p:set>
+                                      <p:cBhvr>
+                                        <p:cTn id="6" dur="1" fill="hold">
+                                          <p:stCondLst>
+                                            <p:cond delay="0"/>
+                                          </p:stCondLst>
+                                        </p:cTn>
+                                        <p:tgtEl>
+                                          <p:spTgt spid="3"/>
+                                        </p:tgtEl>
+                                        <p:attrNameLst>
+                                          <p:attrName>style.visibility</p:attrName>
+                                        </p:attrNameLst>
+                                      </p:cBhvr>
+                                      <p:to>
+                                        <p:strVal val="visible"/>
+                                      </p:to>
+                                    </p:set>
+                                    <p:animEffect transition="in" filter="fade">
+                                      <p:cBhvr>
+                                        <p:cTn id="7" dur="500"/>
+                                        <p:tgtEl>
+                                          <p:spTgt spid="3"/>
+                                        </p:tgtEl>
+                                      </p:cBhvr>
+                                    </p:animEffect>
+                                  </p:childTnLst>
+                                </p:cTn>
+                              </p:par>
+                              <p:par>
+                                <p:cTn id="8" presetID="10" presetClass="entr" presetSubtype="0" fill="hold" nodeType="withEffect">
+                                  <p:stCondLst>
+                                    <p:cond delay="0"/>
+                                  </p:stCondLst>
+                                  <p:childTnLst>
+                                    <p:set>
+                                      <p:cBhvr>
+                                        <p:cTn id="9" dur="1" fill="hold">
+                                          <p:stCondLst>
+                                            <p:cond delay="0"/>
+                                          </p:stCondLst>
+                                        </p:cTn>
+                                        <p:tgtEl>
+                                          <p:spTgt spid="5"/>
+                                        </p:tgtEl>
+                                        <p:attrNameLst>
+                                          <p:attrName>style.visibility</p:attrName>
+                                        </p:attrNameLst>
+                                      </p:cBhvr>
+                                      <p:to>
+                                        <p:strVal val="visible"/>
+                                      </p:to>
+                                    </p:set>
+                                    <p:animEffect transition="in" filter="fade">
+                                      <p:cBhvr>
+                                        <p:cTn id="10" dur="500"/>
+                                        <p:tgtEl>
+                                          <p:spTgt spid="5"/>
+                                        </p:tgtEl>
+                                      </p:cBhvr>
+                                    </p:animEffect>
+                                  </p:childTnLst>
+                                </p:cTn>
+                              </p:par>
+                              <p:par>
+                                <p:cTn id="11" presetID="10" presetClass="entr" presetSubtype="0" fill="hold" nodeType="withEffect">
+                                  <p:stCondLst>
+                                    <p:cond delay="0"/>
+                                  </p:stCondLst>
+                                  <p:childTnLst>
+                                    <p:set>
+                                      <p:cBhvr>
+                                        <p:cTn id="12" dur="1" fill="hold">
+                                          <p:stCondLst>
+                                            <p:cond delay="0"/>
+                                          </p:stCondLst>
+                                        </p:cTn>
+                                        <p:tgtEl>
+                                          <p:spTgt spid="6"/>
+                                        </p:tgtEl>
+                                        <p:attrNameLst>
+                                          <p:attrName>style.visibility</p:attrName>
+                                        </p:attrNameLst>
+                                      </p:cBhvr>
+                                      <p:to>
+                                        <p:strVal val="visible"/>
+                                      </p:to>
+                                    </p:set>
+                                    <p:animEffect transition="in" filter="fade">
+                                      <p:cBhvr>
+                                        <p:cTn id="13" dur="500"/>
+                                        <p:tgtEl>
+                                          <p:spTgt spid="6"/>
+                                        </p:tgtEl>
+                                      </p:cBhvr>
+                                    </p:animEffect>
+                                  </p:childTnLst>
+                                </p:cTn>
+                              </p:par>
+                              <p:par>
+                                <p:cTn id="14" presetID="10" presetClass="entr" presetSubtype="0" fill="hold" nodeType="withEffect">
+                                  <p:stCondLst>
+                                    <p:cond delay="0"/>
+                                  </p:stCondLst>
+                                  <p:childTnLst>
+                                    <p:set>
+                                      <p:cBhvr>
+                                        <p:cTn id="15" dur="1" fill="hold">
+                                          <p:stCondLst>
+                                            <p:cond delay="0"/>
+                                          </p:stCondLst>
+                                        </p:cTn>
+                                        <p:tgtEl>
+                                          <p:spTgt spid="7"/>
+                                        </p:tgtEl>
+                                        <p:attrNameLst>
+                                          <p:attrName>style.visibility</p:attrName>
+                                        </p:attrNameLst>
+                                      </p:cBhvr>
+                                      <p:to>
+                                        <p:strVal val="visible"/>
+                                      </p:to>
+                                    </p:set>
+                                    <p:animEffect transition="in" filter="fade">
+                                      <p:cBhvr>
+                                        <p:cTn id="16" dur="500"/>
+                                        <p:tgtEl>
+                                          <p:spTgt spid="7"/>
+                                        </p:tgtEl>
+                                      </p:cBhvr>
+                                    </p:animEffect>
+                                  </p:childTnLst>
+                                </p:cTn>
+                              </p:par>
+                              <p:par>
+                                <p:cTn id="17" presetID="10" presetClass="entr" presetSubtype="0" fill="hold" nodeType="withEffect">
+                                  <p:stCondLst>
+                                    <p:cond delay="0"/>
+                                  </p:stCondLst>
+                                  <p:childTnLst>
+                                    <p:set>
+                                      <p:cBhvr>
+                                        <p:cTn id="18" dur="1" fill="hold">
+                                          <p:stCondLst>
+                                            <p:cond delay="0"/>
+                                          </p:stCondLst>
+                                        </p:cTn>
+                                        <p:tgtEl>
+                                          <p:spTgt spid="8"/>
+                                        </p:tgtEl>
+                                        <p:attrNameLst>
+                                          <p:attrName>style.visibility</p:attrName>
+                                        </p:attrNameLst>
+                                      </p:cBhvr>
+                                      <p:to>
+                                        <p:strVal val="visible"/>
+                                      </p:to>
+                                    </p:set>
+                                    <p:animEffect transition="in" filter="fade">
+                                      <p:cBhvr>
+                                        <p:cTn id="19" dur="500"/>
+                                        <p:tgtEl>
+                                          <p:spTgt spid="8"/>
+                                        </p:tgtEl>
+                                      </p:cBhvr>
+                                    </p:animEffect>
+                                  </p:childTnLst>
+                                </p:cTn>
+                              </p:par>
+                              <p:par>
+                                <p:cTn id="20" presetID="10" presetClass="entr" presetSubtype="0" fill="hold" nodeType="withEffect">
+                                  <p:stCondLst>
+                                    <p:cond delay="0"/>
+                                  </p:stCondLst>
+                                  <p:childTnLst>
+                                    <p:set>
+                                      <p:cBhvr>
+                                        <p:cTn id="21" dur="1" fill="hold">
+                                          <p:stCondLst>
+                                            <p:cond delay="0"/>
+                                          </p:stCondLst>
+                                        </p:cTn>
+                                        <p:tgtEl>
+                                          <p:spTgt spid="9"/>
+                                        </p:tgtEl>
+                                        <p:attrNameLst>
+                                          <p:attrName>style.visibility</p:attrName>
+                                        </p:attrNameLst>
+                                      </p:cBhvr>
+                                      <p:to>
+                                        <p:strVal val="visible"/>
+                                      </p:to>
+                                    </p:set>
+                                    <p:animEffect transition="in" filter="fade">
+                                      <p:cBhvr>
+                                        <p:cTn id="22" dur="500"/>
+                                        <p:tgtEl>
+                                          <p:spTgt spid="9"/>
+                                        </p:tgtEl>
+                                      </p:cBhvr>
+                                    </p:animEffect>
+                                  </p:childTnLst>
+                                </p:cTn>
+                              </p:par>
+                              <p:par>
+                                <p:cTn id="23" presetID="10" presetClass="entr" presetSubtype="0" fill="hold" nodeType="withEffect">
+                                  <p:stCondLst>
+                                    <p:cond delay="0"/>
+                                  </p:stCondLst>
+                                  <p:childTnLst>
+                                    <p:set>
+                                      <p:cBhvr>
+                                        <p:cTn id="24" dur="1" fill="hold">
+                                          <p:stCondLst>
+                                            <p:cond delay="0"/>
+                                          </p:stCondLst>
+                                        </p:cTn>
+                                        <p:tgtEl>
+                                          <p:spTgt spid="10"/>
+                                        </p:tgtEl>
+                                        <p:attrNameLst>
+                                          <p:attrName>style.visibility</p:attrName>
+                                        </p:attrNameLst>
+                                      </p:cBhvr>
+                                      <p:to>
+                                        <p:strVal val="visible"/>
+                                      </p:to>
+                                    </p:set>
+                                    <p:animEffect transition="in" filter="fade">
+                                      <p:cBhvr>
+                                        <p:cTn id="25" dur="500"/>
+                                        <p:tgtEl>
+                                          <p:spTgt spid="10"/>
+                                        </p:tgtEl>
+                                      </p:cBhvr>
+                                    </p:animEffect>
+                                  </p:childTnLst>
+                                </p:cTn>
+                              </p:par>
+                              <p:par>
+                                <p:cTn id="26" presetID="10" presetClass="entr" presetSubtype="0" fill="hold" nodeType="withEffect">
+                                  <p:stCondLst>
+                                    <p:cond delay="0"/>
+                                  </p:stCondLst>
+                                  <p:childTnLst>
+                                    <p:set>
+                                      <p:cBhvr>
+                                        <p:cTn id="27" dur="1" fill="hold">
+                                          <p:stCondLst>
+                                            <p:cond delay="0"/>
+                                          </p:stCondLst>
+                                        </p:cTn>
+                                        <p:tgtEl>
+                                          <p:spTgt spid="11"/>
+                                        </p:tgtEl>
+                                        <p:attrNameLst>
+                                          <p:attrName>style.visibility</p:attrName>
+                                        </p:attrNameLst>
+                                      </p:cBhvr>
+                                      <p:to>
+                                        <p:strVal val="visible"/>
+                                      </p:to>
+                                    </p:set>
+                                    <p:animEffect transition="in" filter="fade">
+                                      <p:cBhvr>
+                                        <p:cTn id="28" dur="500"/>
+                                        <p:tgtEl>
+                                          <p:spTgt spid="11"/>
+                                        </p:tgtEl>
+                                      </p:cBhvr>
+                                    </p:animEffect>
+                                  </p:childTnLst>
+                                </p:cTn>
+                              </p:par>
+                              <p:par>
+                                <p:cTn id="29" presetID="10" presetClass="entr" presetSubtype="0" fill="hold" nodeType="withEffect">
+                                  <p:stCondLst>
+                                    <p:cond delay="0"/>
+                                  </p:stCondLst>
+                                  <p:childTnLst>
+                                    <p:set>
+                                      <p:cBhvr>
+                                        <p:cTn id="30" dur="1" fill="hold">
+                                          <p:stCondLst>
+                                            <p:cond delay="0"/>
+                                          </p:stCondLst>
+                                        </p:cTn>
+                                        <p:tgtEl>
+                                          <p:spTgt spid="12"/>
+                                        </p:tgtEl>
+                                        <p:attrNameLst>
+                                          <p:attrName>style.visibility</p:attrName>
+                                        </p:attrNameLst>
+                                      </p:cBhvr>
+                                      <p:to>
+                                        <p:strVal val="visible"/>
+                                      </p:to>
+                                    </p:set>
+                                    <p:animEffect transition="in" filter="fade">
+                                      <p:cBhvr>
+                                        <p:cTn id="31" dur="500"/>
+                                        <p:tgtEl>
+                                          <p:spTgt spid="12"/>
+                                        </p:tgtEl>
+                                      </p:cBhvr>
+                                    </p:animEffect>
+                                  </p:childTnLst>
+                                </p:cTn>
+                              </p:par>
+                              <p:par>
+                                <p:cTn id="32" presetID="10" presetClass="entr" presetSubtype="0" fill="hold" nodeType="withEffect">
+                                  <p:stCondLst>
+                                    <p:cond delay="0"/>
+                                  </p:stCondLst>
+                                  <p:childTnLst>
+                                    <p:set>
+                                      <p:cBhvr>
+                                        <p:cTn id="33" dur="1" fill="hold">
+                                          <p:stCondLst>
+                                            <p:cond delay="0"/>
+                                          </p:stCondLst>
+                                        </p:cTn>
+                                        <p:tgtEl>
+                                          <p:spTgt spid="2"/>
+                                        </p:tgtEl>
+                                        <p:attrNameLst>
+                                          <p:attrName>style.visibility</p:attrName>
+                                        </p:attrNameLst>
+                                      </p:cBhvr>
+                                      <p:to>
+                                        <p:strVal val="visible"/>
+                                      </p:to>
+                                    </p:set>
+                                    <p:animEffect transition="in" filter="fade">
+                                      <p:cBhvr>
+                                        <p:cTn id="34" dur="500"/>
+                                        <p:tgtEl>
+                                          <p:spTgt spid="2"/>
+                                        </p:tgtEl>
+                                      </p:cBhvr>
+                                    </p:animEffect>
+                                  </p:childTnLst>
+                                </p:cTn>
+                              </p:par>
+                              <p:par>
+                                <p:cTn id="35" presetID="10" presetClass="entr" presetSubtype="0" fill="hold" nodeType="withEffect">
+                                  <p:stCondLst>
+                                    <p:cond delay="0"/>
+                                  </p:stCondLst>
+                                  <p:childTnLst>
+                                    <p:set>
+                                      <p:cBhvr>
+                                        <p:cTn id="36" dur="1" fill="hold">
+                                          <p:stCondLst>
+                                            <p:cond delay="0"/>
+                                          </p:stCondLst>
+                                        </p:cTn>
+                                        <p:tgtEl>
+                                          <p:spTgt spid="18"/>
+                                        </p:tgtEl>
+                                        <p:attrNameLst>
+                                          <p:attrName>style.visibility</p:attrName>
+                                        </p:attrNameLst>
+                                      </p:cBhvr>
+                                      <p:to>
+                                        <p:strVal val="visible"/>
+                                      </p:to>
+                                    </p:set>
+                                    <p:animEffect transition="in" filter="fade">
+                                      <p:cBhvr>
+                                        <p:cTn id="37" dur="500"/>
+                                        <p:tgtEl>
+                                          <p:spTgt spid="18"/>
+                                        </p:tgtEl>
+                                      </p:cBhvr>
+                                    </p:animEffect>
+                                  </p:childTnLst>
+                                </p:cTn>
+                              </p:par>
+                              <p:par>
+                                <p:cTn id="38" presetID="10" presetClass="entr" presetSubtype="0" fill="hold" nodeType="withEffect">
+                                  <p:stCondLst>
+                                    <p:cond delay="0"/>
+                                  </p:stCondLst>
+                                  <p:childTnLst>
+                                    <p:set>
+                                      <p:cBhvr>
+                                        <p:cTn id="39" dur="1" fill="hold">
+                                          <p:stCondLst>
+                                            <p:cond delay="0"/>
+                                          </p:stCondLst>
+                                        </p:cTn>
+                                        <p:tgtEl>
+                                          <p:spTgt spid="19"/>
+                                        </p:tgtEl>
+                                        <p:attrNameLst>
+                                          <p:attrName>style.visibility</p:attrName>
+                                        </p:attrNameLst>
+                                      </p:cBhvr>
+                                      <p:to>
+                                        <p:strVal val="visible"/>
+                                      </p:to>
+                                    </p:set>
+                                    <p:animEffect transition="in" filter="fade">
+                                      <p:cBhvr>
+                                        <p:cTn id="40" dur="500"/>
+                                        <p:tgtEl>
+                                          <p:spTgt spid="19"/>
+                                        </p:tgtEl>
+                                      </p:cBhvr>
+                                    </p:animEffect>
+                                  </p:childTnLst>
+                                </p:cTn>
+                              </p:par>
+                              <p:par>
+                                <p:cTn id="41" presetID="10" presetClass="entr" presetSubtype="0" fill="hold" nodeType="withEffect">
+                                  <p:stCondLst>
+                                    <p:cond delay="0"/>
+                                  </p:stCondLst>
+                                  <p:childTnLst>
+                                    <p:set>
+                                      <p:cBhvr>
+                                        <p:cTn id="42" dur="1" fill="hold">
+                                          <p:stCondLst>
+                                            <p:cond delay="0"/>
+                                          </p:stCondLst>
+                                        </p:cTn>
+                                        <p:tgtEl>
+                                          <p:spTgt spid="20"/>
+                                        </p:tgtEl>
+                                        <p:attrNameLst>
+                                          <p:attrName>style.visibility</p:attrName>
+                                        </p:attrNameLst>
+                                      </p:cBhvr>
+                                      <p:to>
+                                        <p:strVal val="visible"/>
+                                      </p:to>
+                                    </p:set>
+                                    <p:animEffect transition="in" filter="fade">
+                                      <p:cBhvr>
+                                        <p:cTn id="43" dur="500"/>
+                                        <p:tgtEl>
+                                          <p:spTgt spid="20"/>
+                                        </p:tgtEl>
+                                      </p:cBhvr>
+                                    </p:animEffect>
+                                  </p:childTnLst>
+                                </p:cTn>
+                              </p:par>
+                            </p:childTnLst>
+                          </p:cTn>
+                        </p:par>
+                      </p:childTnLst>
+                    </p:cTn>
+                  </p:par>
+                  <p:par>
+                    <p:cTn id="44" fill="hold">
+                      <p:stCondLst>
+                        <p:cond delay="indefinite"/>
+                      </p:stCondLst>
+                      <p:childTnLst>
+                        <p:par>
+                          <p:cTn id="45" fill="hold">
+                            <p:stCondLst>
+                              <p:cond delay="0"/>
+                            </p:stCondLst>
+                            <p:childTnLst>
+                              <p:par>
+                                <p:cTn id="46" presetID="10" presetClass="exit" presetSubtype="0" fill="hold" nodeType="clickEffect">
+                                  <p:stCondLst>
+                                    <p:cond delay="0"/>
+                                  </p:stCondLst>
+                                  <p:childTnLst>
+                                    <p:animEffect transition="out" filter="fade">
+                                      <p:cBhvr>
+                                        <p:cTn id="47" dur="500"/>
+                                        <p:tgtEl>
+                                          <p:spTgt spid="3"/>
+                                        </p:tgtEl>
+                                      </p:cBhvr>
+                                    </p:animEffect>
+                                    <p:set>
+                                      <p:cBhvr>
+                                        <p:cTn id="48" dur="1" fill="hold">
+                                          <p:stCondLst>
+                                            <p:cond delay="499"/>
+                                          </p:stCondLst>
+                                        </p:cTn>
+                                        <p:tgtEl>
+                                          <p:spTgt spid="3"/>
+                                        </p:tgtEl>
+                                        <p:attrNameLst>
+                                          <p:attrName>style.visibility</p:attrName>
+                                        </p:attrNameLst>
+                                      </p:cBhvr>
+                                      <p:to>
+                                        <p:strVal val="hidden"/>
+                                      </p:to>
+                                    </p:set>
+                                  </p:childTnLst>
+                                </p:cTn>
+                              </p:par>
+                              <p:par>
+                                <p:cTn id="49" presetID="10" presetClass="exit" presetSubtype="0" fill="hold" nodeType="withEffect">
+                                  <p:stCondLst>
+                                    <p:cond delay="0"/>
+                                  </p:stCondLst>
+                                  <p:childTnLst>
+                                    <p:animEffect transition="out" filter="fade">
+                                      <p:cBhvr>
+                                        <p:cTn id="50" dur="500"/>
+                                        <p:tgtEl>
+                                          <p:spTgt spid="5"/>
+                                        </p:tgtEl>
+                                      </p:cBhvr>
+                                    </p:animEffect>
+                                    <p:set>
+                                      <p:cBhvr>
+                                        <p:cTn id="51" dur="1" fill="hold">
+                                          <p:stCondLst>
+                                            <p:cond delay="499"/>
+                                          </p:stCondLst>
+                                        </p:cTn>
+                                        <p:tgtEl>
+                                          <p:spTgt spid="5"/>
+                                        </p:tgtEl>
+                                        <p:attrNameLst>
+                                          <p:attrName>style.visibility</p:attrName>
+                                        </p:attrNameLst>
+                                      </p:cBhvr>
+                                      <p:to>
+                                        <p:strVal val="hidden"/>
+                                      </p:to>
+                                    </p:set>
+                                  </p:childTnLst>
+                                </p:cTn>
+                              </p:par>
+                              <p:par>
+                                <p:cTn id="52" presetID="10" presetClass="exit" presetSubtype="0" fill="hold" nodeType="withEffect">
+                                  <p:stCondLst>
+                                    <p:cond delay="0"/>
+                                  </p:stCondLst>
+                                  <p:childTnLst>
+                                    <p:animEffect transition="out" filter="fade">
+                                      <p:cBhvr>
+                                        <p:cTn id="53" dur="500"/>
+                                        <p:tgtEl>
+                                          <p:spTgt spid="6"/>
+                                        </p:tgtEl>
+                                      </p:cBhvr>
+                                    </p:animEffect>
+                                    <p:set>
+                                      <p:cBhvr>
+                                        <p:cTn id="54" dur="1" fill="hold">
+                                          <p:stCondLst>
+                                            <p:cond delay="499"/>
+                                          </p:stCondLst>
+                                        </p:cTn>
+                                        <p:tgtEl>
+                                          <p:spTgt spid="6"/>
+                                        </p:tgtEl>
+                                        <p:attrNameLst>
+                                          <p:attrName>style.visibility</p:attrName>
+                                        </p:attrNameLst>
+                                      </p:cBhvr>
+                                      <p:to>
+                                        <p:strVal val="hidden"/>
+                                      </p:to>
+                                    </p:set>
+                                  </p:childTnLst>
+                                </p:cTn>
+                              </p:par>
+                              <p:par>
+                                <p:cTn id="55" presetID="10" presetClass="exit" presetSubtype="0" fill="hold" nodeType="withEffect">
+                                  <p:stCondLst>
+                                    <p:cond delay="0"/>
+                                  </p:stCondLst>
+                                  <p:childTnLst>
+                                    <p:animEffect transition="out" filter="fade">
+                                      <p:cBhvr>
+                                        <p:cTn id="56" dur="500"/>
+                                        <p:tgtEl>
+                                          <p:spTgt spid="7"/>
+                                        </p:tgtEl>
+                                      </p:cBhvr>
+                                    </p:animEffect>
+                                    <p:set>
+                                      <p:cBhvr>
+                                        <p:cTn id="57" dur="1" fill="hold">
+                                          <p:stCondLst>
+                                            <p:cond delay="499"/>
+                                          </p:stCondLst>
+                                        </p:cTn>
+                                        <p:tgtEl>
+                                          <p:spTgt spid="7"/>
+                                        </p:tgtEl>
+                                        <p:attrNameLst>
+                                          <p:attrName>style.visibility</p:attrName>
+                                        </p:attrNameLst>
+                                      </p:cBhvr>
+                                      <p:to>
+                                        <p:strVal val="hidden"/>
+                                      </p:to>
+                                    </p:set>
+                                  </p:childTnLst>
+                                </p:cTn>
+                              </p:par>
+                              <p:par>
+                                <p:cTn id="58" presetID="10" presetClass="exit" presetSubtype="0" fill="hold" nodeType="withEffect">
+                                  <p:stCondLst>
+                                    <p:cond delay="0"/>
+                                  </p:stCondLst>
+                                  <p:childTnLst>
+                                    <p:animEffect transition="out" filter="fade">
+                                      <p:cBhvr>
+                                        <p:cTn id="59" dur="500"/>
+                                        <p:tgtEl>
+                                          <p:spTgt spid="8"/>
+                                        </p:tgtEl>
+                                      </p:cBhvr>
+                                    </p:animEffect>
+                                    <p:set>
+                                      <p:cBhvr>
+                                        <p:cTn id="60" dur="1" fill="hold">
+                                          <p:stCondLst>
+                                            <p:cond delay="499"/>
+                                          </p:stCondLst>
+                                        </p:cTn>
+                                        <p:tgtEl>
+                                          <p:spTgt spid="8"/>
+                                        </p:tgtEl>
+                                        <p:attrNameLst>
+                                          <p:attrName>style.visibility</p:attrName>
+                                        </p:attrNameLst>
+                                      </p:cBhvr>
+                                      <p:to>
+                                        <p:strVal val="hidden"/>
+                                      </p:to>
+                                    </p:set>
+                                  </p:childTnLst>
+                                </p:cTn>
+                              </p:par>
+                              <p:par>
+                                <p:cTn id="61" presetID="10" presetClass="exit" presetSubtype="0" fill="hold" nodeType="withEffect">
+                                  <p:stCondLst>
+                                    <p:cond delay="0"/>
+                                  </p:stCondLst>
+                                  <p:childTnLst>
+                                    <p:animEffect transition="out" filter="fade">
+                                      <p:cBhvr>
+                                        <p:cTn id="62" dur="500"/>
+                                        <p:tgtEl>
+                                          <p:spTgt spid="9"/>
+                                        </p:tgtEl>
+                                      </p:cBhvr>
+                                    </p:animEffect>
+                                    <p:set>
+                                      <p:cBhvr>
+                                        <p:cTn id="63" dur="1" fill="hold">
+                                          <p:stCondLst>
+                                            <p:cond delay="499"/>
+                                          </p:stCondLst>
+                                        </p:cTn>
+                                        <p:tgtEl>
+                                          <p:spTgt spid="9"/>
+                                        </p:tgtEl>
+                                        <p:attrNameLst>
+                                          <p:attrName>style.visibility</p:attrName>
+                                        </p:attrNameLst>
+                                      </p:cBhvr>
+                                      <p:to>
+                                        <p:strVal val="hidden"/>
+                                      </p:to>
+                                    </p:set>
+                                  </p:childTnLst>
+                                </p:cTn>
+                              </p:par>
+                              <p:par>
+                                <p:cTn id="64" presetID="10" presetClass="exit" presetSubtype="0" fill="hold" nodeType="withEffect">
+                                  <p:stCondLst>
+                                    <p:cond delay="0"/>
+                                  </p:stCondLst>
+                                  <p:childTnLst>
+                                    <p:animEffect transition="out" filter="fade">
+                                      <p:cBhvr>
+                                        <p:cTn id="65" dur="500"/>
+                                        <p:tgtEl>
+                                          <p:spTgt spid="10"/>
+                                        </p:tgtEl>
+                                      </p:cBhvr>
+                                    </p:animEffect>
+                                    <p:set>
+                                      <p:cBhvr>
+                                        <p:cTn id="66" dur="1" fill="hold">
+                                          <p:stCondLst>
+                                            <p:cond delay="499"/>
+                                          </p:stCondLst>
+                                        </p:cTn>
+                                        <p:tgtEl>
+                                          <p:spTgt spid="10"/>
+                                        </p:tgtEl>
+                                        <p:attrNameLst>
+                                          <p:attrName>style.visibility</p:attrName>
+                                        </p:attrNameLst>
+                                      </p:cBhvr>
+                                      <p:to>
+                                        <p:strVal val="hidden"/>
+                                      </p:to>
+                                    </p:set>
+                                  </p:childTnLst>
+                                </p:cTn>
+                              </p:par>
+                              <p:par>
+                                <p:cTn id="67" presetID="10" presetClass="exit" presetSubtype="0" fill="hold" nodeType="withEffect">
+                                  <p:stCondLst>
+                                    <p:cond delay="0"/>
+                                  </p:stCondLst>
+                                  <p:childTnLst>
+                                    <p:animEffect transition="out" filter="fade">
+                                      <p:cBhvr>
+                                        <p:cTn id="68" dur="500"/>
+                                        <p:tgtEl>
+                                          <p:spTgt spid="12"/>
+                                        </p:tgtEl>
+                                      </p:cBhvr>
+                                    </p:animEffect>
+                                    <p:set>
+                                      <p:cBhvr>
+                                        <p:cTn id="69" dur="1" fill="hold">
+                                          <p:stCondLst>
+                                            <p:cond delay="499"/>
+                                          </p:stCondLst>
+                                        </p:cTn>
+                                        <p:tgtEl>
+                                          <p:spTgt spid="12"/>
+                                        </p:tgtEl>
+                                        <p:attrNameLst>
+                                          <p:attrName>style.visibility</p:attrName>
+                                        </p:attrNameLst>
+                                      </p:cBhvr>
+                                      <p:to>
+                                        <p:strVal val="hidden"/>
+                                      </p:to>
+                                    </p:set>
+                                  </p:childTnLst>
+                                </p:cTn>
+                              </p:par>
+                              <p:par>
+                                <p:cTn id="70" presetID="10" presetClass="exit" presetSubtype="0" fill="hold" nodeType="withEffect">
+                                  <p:stCondLst>
+                                    <p:cond delay="0"/>
+                                  </p:stCondLst>
+                                  <p:childTnLst>
+                                    <p:animEffect transition="out" filter="fade">
+                                      <p:cBhvr>
+                                        <p:cTn id="71" dur="500"/>
+                                        <p:tgtEl>
+                                          <p:spTgt spid="2"/>
+                                        </p:tgtEl>
+                                      </p:cBhvr>
+                                    </p:animEffect>
+                                    <p:set>
+                                      <p:cBhvr>
+                                        <p:cTn id="72" dur="1" fill="hold">
+                                          <p:stCondLst>
+                                            <p:cond delay="499"/>
+                                          </p:stCondLst>
+                                        </p:cTn>
+                                        <p:tgtEl>
+                                          <p:spTgt spid="2"/>
+                                        </p:tgtEl>
+                                        <p:attrNameLst>
+                                          <p:attrName>style.visibility</p:attrName>
+                                        </p:attrNameLst>
+                                      </p:cBhvr>
+                                      <p:to>
+                                        <p:strVal val="hidden"/>
+                                      </p:to>
+                                    </p:set>
+                                  </p:childTnLst>
+                                </p:cTn>
+                              </p:par>
+                              <p:par>
+                                <p:cTn id="73" presetID="10" presetClass="exit" presetSubtype="0" fill="hold" nodeType="withEffect">
+                                  <p:stCondLst>
+                                    <p:cond delay="0"/>
+                                  </p:stCondLst>
+                                  <p:childTnLst>
+                                    <p:animEffect transition="out" filter="fade">
+                                      <p:cBhvr>
+                                        <p:cTn id="74" dur="500"/>
+                                        <p:tgtEl>
+                                          <p:spTgt spid="18"/>
+                                        </p:tgtEl>
+                                      </p:cBhvr>
+                                    </p:animEffect>
+                                    <p:set>
+                                      <p:cBhvr>
+                                        <p:cTn id="75" dur="1" fill="hold">
+                                          <p:stCondLst>
+                                            <p:cond delay="499"/>
+                                          </p:stCondLst>
+                                        </p:cTn>
+                                        <p:tgtEl>
+                                          <p:spTgt spid="18"/>
+                                        </p:tgtEl>
+                                        <p:attrNameLst>
+                                          <p:attrName>style.visibility</p:attrName>
+                                        </p:attrNameLst>
+                                      </p:cBhvr>
+                                      <p:to>
+                                        <p:strVal val="hidden"/>
+                                      </p:to>
+                                    </p:set>
+                                  </p:childTnLst>
+                                </p:cTn>
+                              </p:par>
+                              <p:par>
+                                <p:cTn id="76" presetID="10" presetClass="exit" presetSubtype="0" fill="hold" nodeType="withEffect">
+                                  <p:stCondLst>
+                                    <p:cond delay="0"/>
+                                  </p:stCondLst>
+                                  <p:childTnLst>
+                                    <p:animEffect transition="out" filter="fade">
+                                      <p:cBhvr>
+                                        <p:cTn id="77" dur="500"/>
+                                        <p:tgtEl>
+                                          <p:spTgt spid="19"/>
+                                        </p:tgtEl>
+                                      </p:cBhvr>
+                                    </p:animEffect>
+                                    <p:set>
+                                      <p:cBhvr>
+                                        <p:cTn id="78" dur="1" fill="hold">
+                                          <p:stCondLst>
+                                            <p:cond delay="499"/>
+                                          </p:stCondLst>
+                                        </p:cTn>
+                                        <p:tgtEl>
+                                          <p:spTgt spid="19"/>
+                                        </p:tgtEl>
+                                        <p:attrNameLst>
+                                          <p:attrName>style.visibility</p:attrName>
+                                        </p:attrNameLst>
+                                      </p:cBhvr>
+                                      <p:to>
+                                        <p:strVal val="hidden"/>
+                                      </p:to>
+                                    </p:set>
+                                  </p:childTnLst>
+                                </p:cTn>
+                              </p:par>
+                              <p:par>
+                                <p:cTn id="79" presetID="10" presetClass="exit" presetSubtype="0" fill="hold" nodeType="withEffect">
+                                  <p:stCondLst>
+                                    <p:cond delay="0"/>
+                                  </p:stCondLst>
+                                  <p:childTnLst>
+                                    <p:animEffect transition="out" filter="fade">
+                                      <p:cBhvr>
+                                        <p:cTn id="80" dur="500"/>
+                                        <p:tgtEl>
+                                          <p:spTgt spid="20"/>
+                                        </p:tgtEl>
+                                      </p:cBhvr>
+                                    </p:animEffect>
+                                    <p:set>
+                                      <p:cBhvr>
+                                        <p:cTn id="81" dur="1" fill="hold">
+                                          <p:stCondLst>
+                                            <p:cond delay="499"/>
+                                          </p:stCondLst>
+                                        </p:cTn>
+                                        <p:tgtEl>
+                                          <p:spTgt spid="20"/>
+                                        </p:tgtEl>
+                                        <p:attrNameLst>
+                                          <p:attrName>style.visibility</p:attrName>
+                                        </p:attrNameLst>
+                                      </p:cBhvr>
+                                      <p:to>
+                                        <p:strVal val="hidden"/>
+                                      </p:to>
+                                    </p:set>
+                                  </p:childTnLst>
+                                </p:cTn>
+                              </p:par>
+                            </p:childTnLst>
+                          </p:cTn>
+                        </p:par>
+                      </p:childTnLst>
+                    </p:cTn>
+                  </p:par>
+                </p:childTnLst>
+              </p:cTn>
+              <p:prevCondLst>
+                <p:cond evt="onPrev" delay="0">
+                  <p:tgtEl>
+                    <p:sldTgt/>
+                  </p:tgtEl>
+                </p:cond>
+              </p:prevCondLst>
+              <p:nextCondLst>
+                <p:cond evt="onNext" delay="0">
+                  <p:tgtEl>
+                    <p:sldTgt/>
+                  </p:tgtEl>
+                </p:cond>
+              </p:nextCondLst>
+            </p:seq>
+          </p:childTnLst>
+        </p:cTn>
+      </p:par>
+    </p:tnLst>
+  </p:timing>
+</p:sld>
+</file>
+
+<file path=ppt/slides/slide6.xml><?xml version="1.0" encoding="utf-8"?>
 <p:sld xmlns:a="http://schemas.openxmlformats.org/drawingml/2006/main" xmlns:r="http://schemas.openxmlformats.org/officeDocument/2006/relationships" xmlns:p="http://schemas.openxmlformats.org/presentationml/2006/main">
   <p:cSld>
     <p:spTree>
@@ -33890,7 +37868,7 @@
 </p:sld>
 </file>
 
-<file path=ppt/slides/slide6.xml><?xml version="1.0" encoding="utf-8"?>
+<file path=ppt/slides/slide7.xml><?xml version="1.0" encoding="utf-8"?>
 <p:sld xmlns:a="http://schemas.openxmlformats.org/drawingml/2006/main" xmlns:r="http://schemas.openxmlformats.org/officeDocument/2006/relationships" xmlns:p="http://schemas.openxmlformats.org/presentationml/2006/main">
   <p:cSld>
     <p:spTree>
@@ -34105,7 +38083,7 @@
 </p:sld>
 </file>
 
-<file path=ppt/slides/slide7.xml><?xml version="1.0" encoding="utf-8"?>
+<file path=ppt/slides/slide8.xml><?xml version="1.0" encoding="utf-8"?>
 <p:sld xmlns:a="http://schemas.openxmlformats.org/drawingml/2006/main" xmlns:r="http://schemas.openxmlformats.org/officeDocument/2006/relationships" xmlns:p="http://schemas.openxmlformats.org/presentationml/2006/main">
   <p:cSld>
     <p:spTree>
@@ -34528,7 +38506,7 @@
 </p:sld>
 </file>
 
-<file path=ppt/slides/slide8.xml><?xml version="1.0" encoding="utf-8"?>
+<file path=ppt/slides/slide9.xml><?xml version="1.0" encoding="utf-8"?>
 <p:sld xmlns:a="http://schemas.openxmlformats.org/drawingml/2006/main" xmlns:r="http://schemas.openxmlformats.org/officeDocument/2006/relationships" xmlns:p="http://schemas.openxmlformats.org/presentationml/2006/main">
   <p:cSld>
     <p:spTree>
@@ -36765,1744 +40743,6 @@
 </p:sld>
 </file>
 
-<file path=ppt/slides/slide9.xml><?xml version="1.0" encoding="utf-8"?>
-<p:sld xmlns:a="http://schemas.openxmlformats.org/drawingml/2006/main" xmlns:r="http://schemas.openxmlformats.org/officeDocument/2006/relationships" xmlns:p="http://schemas.openxmlformats.org/presentationml/2006/main">
-  <p:cSld>
-    <p:spTree>
-      <p:nvGrpSpPr>
-        <p:cNvPr id="1" name=""/>
-        <p:cNvGrpSpPr/>
-        <p:nvPr/>
-      </p:nvGrpSpPr>
-      <p:grpSpPr>
-        <a:xfrm>
-          <a:off x="0" y="0"/>
-          <a:ext cx="0" cy="0"/>
-          <a:chOff x="0" y="0"/>
-          <a:chExt cx="0" cy="0"/>
-        </a:xfrm>
-      </p:grpSpPr>
-      <p:sp>
-        <p:nvSpPr>
-          <p:cNvPr id="4" name="Title 3">
-            <a:extLst>
-              <a:ext uri="{FF2B5EF4-FFF2-40B4-BE49-F238E27FC236}">
-                <a16:creationId xmlns:a16="http://schemas.microsoft.com/office/drawing/2014/main" id="{8FECBBAA-3D74-4893-8115-66439E39D67A}"/>
-              </a:ext>
-            </a:extLst>
-          </p:cNvPr>
-          <p:cNvSpPr>
-            <a:spLocks noGrp="1"/>
-          </p:cNvSpPr>
-          <p:nvPr>
-            <p:ph type="title"/>
-          </p:nvPr>
-        </p:nvSpPr>
-        <p:spPr/>
-        <p:txBody>
-          <a:bodyPr vert="horz" lIns="91440" tIns="45720" rIns="91440" bIns="45720" rtlCol="0" anchor="ctr">
-            <a:normAutofit fontScale="90000"/>
-          </a:bodyPr>
-          <a:lstStyle/>
-          <a:p>
-            <a:pPr defTabSz="914400">
-              <a:lnSpc>
-                <a:spcPct val="90000"/>
-              </a:lnSpc>
-            </a:pPr>
-            <a:r>
-              <a:rPr lang="en-US" sz="4900" dirty="0"/>
-              <a:t>Power</a:t>
-            </a:r>
-            <a:r>
-              <a:rPr lang="en-US" sz="4400" kern="1200" dirty="0">
-                <a:solidFill>
-                  <a:schemeClr val="tx1"/>
-                </a:solidFill>
-                <a:latin typeface="+mj-lt"/>
-                <a:ea typeface="+mj-ea"/>
-                <a:cs typeface="+mj-cs"/>
-              </a:rPr>
-              <a:t> </a:t>
-            </a:r>
-            <a:r>
-              <a:rPr lang="en-US" sz="4900" dirty="0"/>
-              <a:t>BI Adoption Methodology</a:t>
-            </a:r>
-          </a:p>
-        </p:txBody>
-      </p:sp>
-      <p:grpSp>
-        <p:nvGrpSpPr>
-          <p:cNvPr id="2" name="Group 1">
-            <a:extLst>
-              <a:ext uri="{FF2B5EF4-FFF2-40B4-BE49-F238E27FC236}">
-                <a16:creationId xmlns:a16="http://schemas.microsoft.com/office/drawing/2014/main" id="{228EEA4C-2DD4-4DFC-8D38-64E23F940910}"/>
-              </a:ext>
-            </a:extLst>
-          </p:cNvPr>
-          <p:cNvGrpSpPr/>
-          <p:nvPr/>
-        </p:nvGrpSpPr>
-        <p:grpSpPr>
-          <a:xfrm>
-            <a:off x="816761" y="1613480"/>
-            <a:ext cx="1485598" cy="1458913"/>
-            <a:chOff x="816761" y="1613480"/>
-            <a:chExt cx="1485598" cy="1458913"/>
-          </a:xfrm>
-        </p:grpSpPr>
-        <p:sp>
-          <p:nvSpPr>
-            <p:cNvPr id="9" name="Oval 8">
-              <a:extLst>
-                <a:ext uri="{FF2B5EF4-FFF2-40B4-BE49-F238E27FC236}">
-                  <a16:creationId xmlns:a16="http://schemas.microsoft.com/office/drawing/2014/main" id="{2136DDD4-FAA5-418C-890C-F2C2771DB8DE}"/>
-                </a:ext>
-              </a:extLst>
-            </p:cNvPr>
-            <p:cNvSpPr/>
-            <p:nvPr/>
-          </p:nvSpPr>
-          <p:spPr>
-            <a:xfrm>
-              <a:off x="1106453" y="2146235"/>
-              <a:ext cx="906214" cy="926158"/>
-            </a:xfrm>
-            <a:prstGeom prst="ellipse">
-              <a:avLst/>
-            </a:prstGeom>
-            <a:solidFill>
-              <a:schemeClr val="tx2"/>
-            </a:solidFill>
-          </p:spPr>
-          <p:style>
-            <a:lnRef idx="0">
-              <a:schemeClr val="lt1">
-                <a:alpha val="0"/>
-                <a:hueOff val="0"/>
-                <a:satOff val="0"/>
-                <a:lumOff val="0"/>
-                <a:alphaOff val="0"/>
-              </a:schemeClr>
-            </a:lnRef>
-            <a:fillRef idx="1">
-              <a:scrgbClr r="0" g="0" b="0"/>
-            </a:fillRef>
-            <a:effectRef idx="0">
-              <a:schemeClr val="accent1">
-                <a:hueOff val="0"/>
-                <a:satOff val="0"/>
-                <a:lumOff val="0"/>
-                <a:alphaOff val="0"/>
-              </a:schemeClr>
-            </a:effectRef>
-            <a:fontRef idx="minor"/>
-          </p:style>
-        </p:sp>
-        <p:sp>
-          <p:nvSpPr>
-            <p:cNvPr id="10" name="Rectangle 9" descr="Lightbulb">
-              <a:extLst>
-                <a:ext uri="{FF2B5EF4-FFF2-40B4-BE49-F238E27FC236}">
-                  <a16:creationId xmlns:a16="http://schemas.microsoft.com/office/drawing/2014/main" id="{B3706D24-28CE-43E6-966A-2804B48DE704}"/>
-                </a:ext>
-              </a:extLst>
-            </p:cNvPr>
-            <p:cNvSpPr/>
-            <p:nvPr/>
-          </p:nvSpPr>
-          <p:spPr>
-            <a:xfrm>
-              <a:off x="1299581" y="2343613"/>
-              <a:ext cx="519959" cy="531402"/>
-            </a:xfrm>
-            <a:prstGeom prst="rect">
-              <a:avLst/>
-            </a:prstGeom>
-            <a:blipFill>
-              <a:blip r:embed="rId4">
-                <a:extLst>
-                  <a:ext uri="{28A0092B-C50C-407E-A947-70E740481C1C}">
-                    <a14:useLocalDpi xmlns:a14="http://schemas.microsoft.com/office/drawing/2010/main" val="0"/>
-                  </a:ext>
-                  <a:ext uri="{96DAC541-7B7A-43D3-8B79-37D633B846F1}">
-                    <asvg:svgBlip xmlns:asvg="http://schemas.microsoft.com/office/drawing/2016/SVG/main" r:embed="rId5"/>
-                  </a:ext>
-                </a:extLst>
-              </a:blip>
-              <a:stretch>
-                <a:fillRect/>
-              </a:stretch>
-            </a:blipFill>
-            <a:ln>
-              <a:noFill/>
-            </a:ln>
-          </p:spPr>
-          <p:style>
-            <a:lnRef idx="2">
-              <a:scrgbClr r="0" g="0" b="0"/>
-            </a:lnRef>
-            <a:fillRef idx="1">
-              <a:scrgbClr r="0" g="0" b="0"/>
-            </a:fillRef>
-            <a:effectRef idx="0">
-              <a:schemeClr val="bg1">
-                <a:hueOff val="0"/>
-                <a:satOff val="0"/>
-                <a:lumOff val="0"/>
-                <a:alphaOff val="0"/>
-              </a:schemeClr>
-            </a:effectRef>
-            <a:fontRef idx="minor">
-              <a:schemeClr val="dk1">
-                <a:hueOff val="0"/>
-                <a:satOff val="0"/>
-                <a:lumOff val="0"/>
-                <a:alphaOff val="0"/>
-              </a:schemeClr>
-            </a:fontRef>
-          </p:style>
-        </p:sp>
-        <p:sp>
-          <p:nvSpPr>
-            <p:cNvPr id="11" name="Freeform: Shape 10">
-              <a:extLst>
-                <a:ext uri="{FF2B5EF4-FFF2-40B4-BE49-F238E27FC236}">
-                  <a16:creationId xmlns:a16="http://schemas.microsoft.com/office/drawing/2014/main" id="{2BEDC0A8-0B3D-4E2B-A4D1-2AA704C5A84D}"/>
-                </a:ext>
-              </a:extLst>
-            </p:cNvPr>
-            <p:cNvSpPr/>
-            <p:nvPr/>
-          </p:nvSpPr>
-          <p:spPr>
-            <a:xfrm>
-              <a:off x="816761" y="1613480"/>
-              <a:ext cx="1485598" cy="353348"/>
-            </a:xfrm>
-            <a:custGeom>
-              <a:avLst/>
-              <a:gdLst>
-                <a:gd name="connsiteX0" fmla="*/ 0 w 3093750"/>
-                <a:gd name="connsiteY0" fmla="*/ 0 h 720000"/>
-                <a:gd name="connsiteX1" fmla="*/ 3093750 w 3093750"/>
-                <a:gd name="connsiteY1" fmla="*/ 0 h 720000"/>
-                <a:gd name="connsiteX2" fmla="*/ 3093750 w 3093750"/>
-                <a:gd name="connsiteY2" fmla="*/ 720000 h 720000"/>
-                <a:gd name="connsiteX3" fmla="*/ 0 w 3093750"/>
-                <a:gd name="connsiteY3" fmla="*/ 720000 h 720000"/>
-                <a:gd name="connsiteX4" fmla="*/ 0 w 3093750"/>
-                <a:gd name="connsiteY4" fmla="*/ 0 h 720000"/>
-              </a:gdLst>
-              <a:ahLst/>
-              <a:cxnLst>
-                <a:cxn ang="0">
-                  <a:pos x="connsiteX0" y="connsiteY0"/>
-                </a:cxn>
-                <a:cxn ang="0">
-                  <a:pos x="connsiteX1" y="connsiteY1"/>
-                </a:cxn>
-                <a:cxn ang="0">
-                  <a:pos x="connsiteX2" y="connsiteY2"/>
-                </a:cxn>
-                <a:cxn ang="0">
-                  <a:pos x="connsiteX3" y="connsiteY3"/>
-                </a:cxn>
-                <a:cxn ang="0">
-                  <a:pos x="connsiteX4" y="connsiteY4"/>
-                </a:cxn>
-              </a:cxnLst>
-              <a:rect l="l" t="t" r="r" b="b"/>
-              <a:pathLst>
-                <a:path w="3093750" h="720000">
-                  <a:moveTo>
-                    <a:pt x="0" y="0"/>
-                  </a:moveTo>
-                  <a:lnTo>
-                    <a:pt x="3093750" y="0"/>
-                  </a:lnTo>
-                  <a:lnTo>
-                    <a:pt x="3093750" y="720000"/>
-                  </a:lnTo>
-                  <a:lnTo>
-                    <a:pt x="0" y="720000"/>
-                  </a:lnTo>
-                  <a:lnTo>
-                    <a:pt x="0" y="0"/>
-                  </a:lnTo>
-                  <a:close/>
-                </a:path>
-              </a:pathLst>
-            </a:custGeom>
-          </p:spPr>
-          <p:style>
-            <a:lnRef idx="0">
-              <a:schemeClr val="dk1">
-                <a:alpha val="0"/>
-                <a:hueOff val="0"/>
-                <a:satOff val="0"/>
-                <a:lumOff val="0"/>
-                <a:alphaOff val="0"/>
-              </a:schemeClr>
-            </a:lnRef>
-            <a:fillRef idx="0">
-              <a:schemeClr val="lt1">
-                <a:alpha val="0"/>
-                <a:hueOff val="0"/>
-                <a:satOff val="0"/>
-                <a:lumOff val="0"/>
-                <a:alphaOff val="0"/>
-              </a:schemeClr>
-            </a:fillRef>
-            <a:effectRef idx="0">
-              <a:schemeClr val="lt1">
-                <a:alpha val="0"/>
-                <a:hueOff val="0"/>
-                <a:satOff val="0"/>
-                <a:lumOff val="0"/>
-                <a:alphaOff val="0"/>
-              </a:schemeClr>
-            </a:effectRef>
-            <a:fontRef idx="minor">
-              <a:schemeClr val="tx1">
-                <a:hueOff val="0"/>
-                <a:satOff val="0"/>
-                <a:lumOff val="0"/>
-                <a:alphaOff val="0"/>
-              </a:schemeClr>
-            </a:fontRef>
-          </p:style>
-          <p:txBody>
-            <a:bodyPr spcFirstLastPara="0" vert="horz" wrap="square" lIns="0" tIns="0" rIns="0" bIns="0" numCol="1" spcCol="1270" anchor="t" anchorCtr="0">
-              <a:noAutofit/>
-            </a:bodyPr>
-            <a:lstStyle/>
-            <a:p>
-              <a:pPr marL="0" lvl="0" indent="0" algn="ctr" defTabSz="889000">
-                <a:lnSpc>
-                  <a:spcPct val="100000"/>
-                </a:lnSpc>
-                <a:spcBef>
-                  <a:spcPct val="0"/>
-                </a:spcBef>
-                <a:spcAft>
-                  <a:spcPct val="35000"/>
-                </a:spcAft>
-                <a:buNone/>
-                <a:defRPr cap="all"/>
-              </a:pPr>
-              <a:r>
-                <a:rPr lang="en-GB" sz="2000" kern="1200" dirty="0"/>
-                <a:t>Envision</a:t>
-              </a:r>
-              <a:endParaRPr lang="en-US" sz="2000" kern="1200" dirty="0"/>
-            </a:p>
-          </p:txBody>
-        </p:sp>
-      </p:grpSp>
-      <p:grpSp>
-        <p:nvGrpSpPr>
-          <p:cNvPr id="3" name="Group 2">
-            <a:extLst>
-              <a:ext uri="{FF2B5EF4-FFF2-40B4-BE49-F238E27FC236}">
-                <a16:creationId xmlns:a16="http://schemas.microsoft.com/office/drawing/2014/main" id="{01EA8E7B-CCC5-4D1A-BC84-F2A33699B687}"/>
-              </a:ext>
-            </a:extLst>
-          </p:cNvPr>
-          <p:cNvGrpSpPr/>
-          <p:nvPr/>
-        </p:nvGrpSpPr>
-        <p:grpSpPr>
-          <a:xfrm>
-            <a:off x="816761" y="3390612"/>
-            <a:ext cx="1485598" cy="1329282"/>
-            <a:chOff x="816761" y="3390612"/>
-            <a:chExt cx="1485598" cy="1329282"/>
-          </a:xfrm>
-        </p:grpSpPr>
-        <p:sp>
-          <p:nvSpPr>
-            <p:cNvPr id="12" name="Oval 11">
-              <a:extLst>
-                <a:ext uri="{FF2B5EF4-FFF2-40B4-BE49-F238E27FC236}">
-                  <a16:creationId xmlns:a16="http://schemas.microsoft.com/office/drawing/2014/main" id="{B32C8DAD-A6DF-477B-B4EC-4AA315E433F7}"/>
-                </a:ext>
-              </a:extLst>
-            </p:cNvPr>
-            <p:cNvSpPr/>
-            <p:nvPr/>
-          </p:nvSpPr>
-          <p:spPr>
-            <a:xfrm>
-              <a:off x="1106453" y="3793736"/>
-              <a:ext cx="906214" cy="926158"/>
-            </a:xfrm>
-            <a:prstGeom prst="ellipse">
-              <a:avLst/>
-            </a:prstGeom>
-            <a:solidFill>
-              <a:schemeClr val="tx2"/>
-            </a:solidFill>
-          </p:spPr>
-          <p:style>
-            <a:lnRef idx="0">
-              <a:schemeClr val="lt1">
-                <a:alpha val="0"/>
-                <a:hueOff val="0"/>
-                <a:satOff val="0"/>
-                <a:lumOff val="0"/>
-                <a:alphaOff val="0"/>
-              </a:schemeClr>
-            </a:lnRef>
-            <a:fillRef idx="1">
-              <a:scrgbClr r="0" g="0" b="0"/>
-            </a:fillRef>
-            <a:effectRef idx="0">
-              <a:schemeClr val="accent1">
-                <a:hueOff val="0"/>
-                <a:satOff val="0"/>
-                <a:lumOff val="0"/>
-                <a:alphaOff val="0"/>
-              </a:schemeClr>
-            </a:effectRef>
-            <a:fontRef idx="minor"/>
-          </p:style>
-        </p:sp>
-        <p:sp>
-          <p:nvSpPr>
-            <p:cNvPr id="13" name="Rectangle 12" descr="Meeting">
-              <a:extLst>
-                <a:ext uri="{FF2B5EF4-FFF2-40B4-BE49-F238E27FC236}">
-                  <a16:creationId xmlns:a16="http://schemas.microsoft.com/office/drawing/2014/main" id="{811C7E6C-79E4-4D82-9A62-A564EC9B7CCF}"/>
-                </a:ext>
-              </a:extLst>
-            </p:cNvPr>
-            <p:cNvSpPr/>
-            <p:nvPr/>
-          </p:nvSpPr>
-          <p:spPr>
-            <a:xfrm>
-              <a:off x="1299581" y="3991114"/>
-              <a:ext cx="519959" cy="531402"/>
-            </a:xfrm>
-            <a:prstGeom prst="rect">
-              <a:avLst/>
-            </a:prstGeom>
-            <a:blipFill>
-              <a:blip r:embed="rId6">
-                <a:extLst>
-                  <a:ext uri="{28A0092B-C50C-407E-A947-70E740481C1C}">
-                    <a14:useLocalDpi xmlns:a14="http://schemas.microsoft.com/office/drawing/2010/main" val="0"/>
-                  </a:ext>
-                  <a:ext uri="{96DAC541-7B7A-43D3-8B79-37D633B846F1}">
-                    <asvg:svgBlip xmlns:asvg="http://schemas.microsoft.com/office/drawing/2016/SVG/main" r:embed="rId7"/>
-                  </a:ext>
-                </a:extLst>
-              </a:blip>
-              <a:stretch>
-                <a:fillRect/>
-              </a:stretch>
-            </a:blipFill>
-            <a:ln>
-              <a:noFill/>
-            </a:ln>
-          </p:spPr>
-          <p:style>
-            <a:lnRef idx="2">
-              <a:scrgbClr r="0" g="0" b="0"/>
-            </a:lnRef>
-            <a:fillRef idx="1">
-              <a:scrgbClr r="0" g="0" b="0"/>
-            </a:fillRef>
-            <a:effectRef idx="0">
-              <a:schemeClr val="bg1">
-                <a:hueOff val="0"/>
-                <a:satOff val="0"/>
-                <a:lumOff val="0"/>
-                <a:alphaOff val="0"/>
-              </a:schemeClr>
-            </a:effectRef>
-            <a:fontRef idx="minor">
-              <a:schemeClr val="dk1">
-                <a:hueOff val="0"/>
-                <a:satOff val="0"/>
-                <a:lumOff val="0"/>
-                <a:alphaOff val="0"/>
-              </a:schemeClr>
-            </a:fontRef>
-          </p:style>
-        </p:sp>
-        <p:sp>
-          <p:nvSpPr>
-            <p:cNvPr id="14" name="Freeform: Shape 13">
-              <a:extLst>
-                <a:ext uri="{FF2B5EF4-FFF2-40B4-BE49-F238E27FC236}">
-                  <a16:creationId xmlns:a16="http://schemas.microsoft.com/office/drawing/2014/main" id="{24E3B02E-5951-49FF-BFAD-7082C0F18455}"/>
-                </a:ext>
-              </a:extLst>
-            </p:cNvPr>
-            <p:cNvSpPr/>
-            <p:nvPr/>
-          </p:nvSpPr>
-          <p:spPr>
-            <a:xfrm>
-              <a:off x="816761" y="3390612"/>
-              <a:ext cx="1485598" cy="353348"/>
-            </a:xfrm>
-            <a:custGeom>
-              <a:avLst/>
-              <a:gdLst>
-                <a:gd name="connsiteX0" fmla="*/ 0 w 3093750"/>
-                <a:gd name="connsiteY0" fmla="*/ 0 h 720000"/>
-                <a:gd name="connsiteX1" fmla="*/ 3093750 w 3093750"/>
-                <a:gd name="connsiteY1" fmla="*/ 0 h 720000"/>
-                <a:gd name="connsiteX2" fmla="*/ 3093750 w 3093750"/>
-                <a:gd name="connsiteY2" fmla="*/ 720000 h 720000"/>
-                <a:gd name="connsiteX3" fmla="*/ 0 w 3093750"/>
-                <a:gd name="connsiteY3" fmla="*/ 720000 h 720000"/>
-                <a:gd name="connsiteX4" fmla="*/ 0 w 3093750"/>
-                <a:gd name="connsiteY4" fmla="*/ 0 h 720000"/>
-              </a:gdLst>
-              <a:ahLst/>
-              <a:cxnLst>
-                <a:cxn ang="0">
-                  <a:pos x="connsiteX0" y="connsiteY0"/>
-                </a:cxn>
-                <a:cxn ang="0">
-                  <a:pos x="connsiteX1" y="connsiteY1"/>
-                </a:cxn>
-                <a:cxn ang="0">
-                  <a:pos x="connsiteX2" y="connsiteY2"/>
-                </a:cxn>
-                <a:cxn ang="0">
-                  <a:pos x="connsiteX3" y="connsiteY3"/>
-                </a:cxn>
-                <a:cxn ang="0">
-                  <a:pos x="connsiteX4" y="connsiteY4"/>
-                </a:cxn>
-              </a:cxnLst>
-              <a:rect l="l" t="t" r="r" b="b"/>
-              <a:pathLst>
-                <a:path w="3093750" h="720000">
-                  <a:moveTo>
-                    <a:pt x="0" y="0"/>
-                  </a:moveTo>
-                  <a:lnTo>
-                    <a:pt x="3093750" y="0"/>
-                  </a:lnTo>
-                  <a:lnTo>
-                    <a:pt x="3093750" y="720000"/>
-                  </a:lnTo>
-                  <a:lnTo>
-                    <a:pt x="0" y="720000"/>
-                  </a:lnTo>
-                  <a:lnTo>
-                    <a:pt x="0" y="0"/>
-                  </a:lnTo>
-                  <a:close/>
-                </a:path>
-              </a:pathLst>
-            </a:custGeom>
-          </p:spPr>
-          <p:style>
-            <a:lnRef idx="0">
-              <a:schemeClr val="dk1">
-                <a:alpha val="0"/>
-                <a:hueOff val="0"/>
-                <a:satOff val="0"/>
-                <a:lumOff val="0"/>
-                <a:alphaOff val="0"/>
-              </a:schemeClr>
-            </a:lnRef>
-            <a:fillRef idx="0">
-              <a:schemeClr val="lt1">
-                <a:alpha val="0"/>
-                <a:hueOff val="0"/>
-                <a:satOff val="0"/>
-                <a:lumOff val="0"/>
-                <a:alphaOff val="0"/>
-              </a:schemeClr>
-            </a:fillRef>
-            <a:effectRef idx="0">
-              <a:schemeClr val="lt1">
-                <a:alpha val="0"/>
-                <a:hueOff val="0"/>
-                <a:satOff val="0"/>
-                <a:lumOff val="0"/>
-                <a:alphaOff val="0"/>
-              </a:schemeClr>
-            </a:effectRef>
-            <a:fontRef idx="minor">
-              <a:schemeClr val="tx1">
-                <a:hueOff val="0"/>
-                <a:satOff val="0"/>
-                <a:lumOff val="0"/>
-                <a:alphaOff val="0"/>
-              </a:schemeClr>
-            </a:fontRef>
-          </p:style>
-          <p:txBody>
-            <a:bodyPr spcFirstLastPara="0" vert="horz" wrap="square" lIns="0" tIns="0" rIns="0" bIns="0" numCol="1" spcCol="1270" anchor="t" anchorCtr="0">
-              <a:noAutofit/>
-            </a:bodyPr>
-            <a:lstStyle/>
-            <a:p>
-              <a:pPr marL="0" lvl="0" indent="0" algn="ctr" defTabSz="889000">
-                <a:lnSpc>
-                  <a:spcPct val="100000"/>
-                </a:lnSpc>
-                <a:spcBef>
-                  <a:spcPct val="0"/>
-                </a:spcBef>
-                <a:spcAft>
-                  <a:spcPct val="35000"/>
-                </a:spcAft>
-                <a:buNone/>
-                <a:defRPr cap="all"/>
-              </a:pPr>
-              <a:r>
-                <a:rPr lang="en-GB" sz="2000" kern="1200" dirty="0"/>
-                <a:t>On-board</a:t>
-              </a:r>
-              <a:endParaRPr lang="en-US" sz="2000" kern="1200" dirty="0"/>
-            </a:p>
-          </p:txBody>
-        </p:sp>
-      </p:grpSp>
-      <p:grpSp>
-        <p:nvGrpSpPr>
-          <p:cNvPr id="5" name="Group 4">
-            <a:extLst>
-              <a:ext uri="{FF2B5EF4-FFF2-40B4-BE49-F238E27FC236}">
-                <a16:creationId xmlns:a16="http://schemas.microsoft.com/office/drawing/2014/main" id="{68643AEF-EC90-439B-972C-C5C1D104434F}"/>
-              </a:ext>
-            </a:extLst>
-          </p:cNvPr>
-          <p:cNvGrpSpPr/>
-          <p:nvPr/>
-        </p:nvGrpSpPr>
-        <p:grpSpPr>
-          <a:xfrm>
-            <a:off x="816761" y="5047560"/>
-            <a:ext cx="1485598" cy="1331913"/>
-            <a:chOff x="816761" y="5047560"/>
-            <a:chExt cx="1485598" cy="1331913"/>
-          </a:xfrm>
-        </p:grpSpPr>
-        <p:sp>
-          <p:nvSpPr>
-            <p:cNvPr id="15" name="Oval 14">
-              <a:extLst>
-                <a:ext uri="{FF2B5EF4-FFF2-40B4-BE49-F238E27FC236}">
-                  <a16:creationId xmlns:a16="http://schemas.microsoft.com/office/drawing/2014/main" id="{98169B2A-2A27-4696-B9B9-85F7358E31A8}"/>
-                </a:ext>
-              </a:extLst>
-            </p:cNvPr>
-            <p:cNvSpPr/>
-            <p:nvPr/>
-          </p:nvSpPr>
-          <p:spPr>
-            <a:xfrm>
-              <a:off x="1106453" y="5453315"/>
-              <a:ext cx="906214" cy="926158"/>
-            </a:xfrm>
-            <a:prstGeom prst="ellipse">
-              <a:avLst/>
-            </a:prstGeom>
-            <a:solidFill>
-              <a:schemeClr val="tx2"/>
-            </a:solidFill>
-          </p:spPr>
-          <p:style>
-            <a:lnRef idx="0">
-              <a:schemeClr val="lt1">
-                <a:alpha val="0"/>
-                <a:hueOff val="0"/>
-                <a:satOff val="0"/>
-                <a:lumOff val="0"/>
-                <a:alphaOff val="0"/>
-              </a:schemeClr>
-            </a:lnRef>
-            <a:fillRef idx="1">
-              <a:scrgbClr r="0" g="0" b="0"/>
-            </a:fillRef>
-            <a:effectRef idx="0">
-              <a:schemeClr val="accent1">
-                <a:hueOff val="0"/>
-                <a:satOff val="0"/>
-                <a:lumOff val="0"/>
-                <a:alphaOff val="0"/>
-              </a:schemeClr>
-            </a:effectRef>
-            <a:fontRef idx="minor"/>
-          </p:style>
-        </p:sp>
-        <p:sp>
-          <p:nvSpPr>
-            <p:cNvPr id="16" name="Rectangle 15" descr="Head with Gears">
-              <a:extLst>
-                <a:ext uri="{FF2B5EF4-FFF2-40B4-BE49-F238E27FC236}">
-                  <a16:creationId xmlns:a16="http://schemas.microsoft.com/office/drawing/2014/main" id="{368DD1BF-1123-4B0A-909D-0BA59EDF69A6}"/>
-                </a:ext>
-              </a:extLst>
-            </p:cNvPr>
-            <p:cNvSpPr/>
-            <p:nvPr/>
-          </p:nvSpPr>
-          <p:spPr>
-            <a:xfrm>
-              <a:off x="1299581" y="5650693"/>
-              <a:ext cx="519959" cy="531402"/>
-            </a:xfrm>
-            <a:prstGeom prst="rect">
-              <a:avLst/>
-            </a:prstGeom>
-            <a:blipFill>
-              <a:blip r:embed="rId8">
-                <a:extLst>
-                  <a:ext uri="{28A0092B-C50C-407E-A947-70E740481C1C}">
-                    <a14:useLocalDpi xmlns:a14="http://schemas.microsoft.com/office/drawing/2010/main" val="0"/>
-                  </a:ext>
-                  <a:ext uri="{96DAC541-7B7A-43D3-8B79-37D633B846F1}">
-                    <asvg:svgBlip xmlns:asvg="http://schemas.microsoft.com/office/drawing/2016/SVG/main" r:embed="rId9"/>
-                  </a:ext>
-                </a:extLst>
-              </a:blip>
-              <a:stretch>
-                <a:fillRect/>
-              </a:stretch>
-            </a:blipFill>
-            <a:ln>
-              <a:noFill/>
-            </a:ln>
-          </p:spPr>
-          <p:style>
-            <a:lnRef idx="2">
-              <a:scrgbClr r="0" g="0" b="0"/>
-            </a:lnRef>
-            <a:fillRef idx="1">
-              <a:scrgbClr r="0" g="0" b="0"/>
-            </a:fillRef>
-            <a:effectRef idx="0">
-              <a:schemeClr val="bg1">
-                <a:hueOff val="0"/>
-                <a:satOff val="0"/>
-                <a:lumOff val="0"/>
-                <a:alphaOff val="0"/>
-              </a:schemeClr>
-            </a:effectRef>
-            <a:fontRef idx="minor">
-              <a:schemeClr val="dk1">
-                <a:hueOff val="0"/>
-                <a:satOff val="0"/>
-                <a:lumOff val="0"/>
-                <a:alphaOff val="0"/>
-              </a:schemeClr>
-            </a:fontRef>
-          </p:style>
-        </p:sp>
-        <p:sp>
-          <p:nvSpPr>
-            <p:cNvPr id="17" name="Freeform: Shape 16">
-              <a:extLst>
-                <a:ext uri="{FF2B5EF4-FFF2-40B4-BE49-F238E27FC236}">
-                  <a16:creationId xmlns:a16="http://schemas.microsoft.com/office/drawing/2014/main" id="{0A29352A-E545-4E13-851C-AA2FE86CC4BE}"/>
-                </a:ext>
-              </a:extLst>
-            </p:cNvPr>
-            <p:cNvSpPr/>
-            <p:nvPr/>
-          </p:nvSpPr>
-          <p:spPr>
-            <a:xfrm>
-              <a:off x="816761" y="5047560"/>
-              <a:ext cx="1485598" cy="353348"/>
-            </a:xfrm>
-            <a:custGeom>
-              <a:avLst/>
-              <a:gdLst>
-                <a:gd name="connsiteX0" fmla="*/ 0 w 3093750"/>
-                <a:gd name="connsiteY0" fmla="*/ 0 h 720000"/>
-                <a:gd name="connsiteX1" fmla="*/ 3093750 w 3093750"/>
-                <a:gd name="connsiteY1" fmla="*/ 0 h 720000"/>
-                <a:gd name="connsiteX2" fmla="*/ 3093750 w 3093750"/>
-                <a:gd name="connsiteY2" fmla="*/ 720000 h 720000"/>
-                <a:gd name="connsiteX3" fmla="*/ 0 w 3093750"/>
-                <a:gd name="connsiteY3" fmla="*/ 720000 h 720000"/>
-                <a:gd name="connsiteX4" fmla="*/ 0 w 3093750"/>
-                <a:gd name="connsiteY4" fmla="*/ 0 h 720000"/>
-              </a:gdLst>
-              <a:ahLst/>
-              <a:cxnLst>
-                <a:cxn ang="0">
-                  <a:pos x="connsiteX0" y="connsiteY0"/>
-                </a:cxn>
-                <a:cxn ang="0">
-                  <a:pos x="connsiteX1" y="connsiteY1"/>
-                </a:cxn>
-                <a:cxn ang="0">
-                  <a:pos x="connsiteX2" y="connsiteY2"/>
-                </a:cxn>
-                <a:cxn ang="0">
-                  <a:pos x="connsiteX3" y="connsiteY3"/>
-                </a:cxn>
-                <a:cxn ang="0">
-                  <a:pos x="connsiteX4" y="connsiteY4"/>
-                </a:cxn>
-              </a:cxnLst>
-              <a:rect l="l" t="t" r="r" b="b"/>
-              <a:pathLst>
-                <a:path w="3093750" h="720000">
-                  <a:moveTo>
-                    <a:pt x="0" y="0"/>
-                  </a:moveTo>
-                  <a:lnTo>
-                    <a:pt x="3093750" y="0"/>
-                  </a:lnTo>
-                  <a:lnTo>
-                    <a:pt x="3093750" y="720000"/>
-                  </a:lnTo>
-                  <a:lnTo>
-                    <a:pt x="0" y="720000"/>
-                  </a:lnTo>
-                  <a:lnTo>
-                    <a:pt x="0" y="0"/>
-                  </a:lnTo>
-                  <a:close/>
-                </a:path>
-              </a:pathLst>
-            </a:custGeom>
-          </p:spPr>
-          <p:style>
-            <a:lnRef idx="0">
-              <a:schemeClr val="dk1">
-                <a:alpha val="0"/>
-                <a:hueOff val="0"/>
-                <a:satOff val="0"/>
-                <a:lumOff val="0"/>
-                <a:alphaOff val="0"/>
-              </a:schemeClr>
-            </a:lnRef>
-            <a:fillRef idx="0">
-              <a:schemeClr val="lt1">
-                <a:alpha val="0"/>
-                <a:hueOff val="0"/>
-                <a:satOff val="0"/>
-                <a:lumOff val="0"/>
-                <a:alphaOff val="0"/>
-              </a:schemeClr>
-            </a:fillRef>
-            <a:effectRef idx="0">
-              <a:schemeClr val="lt1">
-                <a:alpha val="0"/>
-                <a:hueOff val="0"/>
-                <a:satOff val="0"/>
-                <a:lumOff val="0"/>
-                <a:alphaOff val="0"/>
-              </a:schemeClr>
-            </a:effectRef>
-            <a:fontRef idx="minor">
-              <a:schemeClr val="tx1">
-                <a:hueOff val="0"/>
-                <a:satOff val="0"/>
-                <a:lumOff val="0"/>
-                <a:alphaOff val="0"/>
-              </a:schemeClr>
-            </a:fontRef>
-          </p:style>
-          <p:txBody>
-            <a:bodyPr spcFirstLastPara="0" vert="horz" wrap="square" lIns="0" tIns="0" rIns="0" bIns="0" numCol="1" spcCol="1270" anchor="t" anchorCtr="0">
-              <a:noAutofit/>
-            </a:bodyPr>
-            <a:lstStyle/>
-            <a:p>
-              <a:pPr marL="0" lvl="0" indent="0" algn="ctr" defTabSz="889000">
-                <a:lnSpc>
-                  <a:spcPct val="100000"/>
-                </a:lnSpc>
-                <a:spcBef>
-                  <a:spcPct val="0"/>
-                </a:spcBef>
-                <a:spcAft>
-                  <a:spcPct val="35000"/>
-                </a:spcAft>
-                <a:buNone/>
-                <a:defRPr cap="all"/>
-              </a:pPr>
-              <a:r>
-                <a:rPr lang="en-GB" sz="2000" kern="1200" dirty="0"/>
-                <a:t>Drive value</a:t>
-              </a:r>
-              <a:endParaRPr lang="en-US" sz="2000" kern="1200" dirty="0"/>
-            </a:p>
-          </p:txBody>
-        </p:sp>
-      </p:grpSp>
-      <p:graphicFrame>
-        <p:nvGraphicFramePr>
-          <p:cNvPr id="21" name="Diagram 20">
-            <a:extLst>
-              <a:ext uri="{FF2B5EF4-FFF2-40B4-BE49-F238E27FC236}">
-                <a16:creationId xmlns:a16="http://schemas.microsoft.com/office/drawing/2014/main" id="{F610FFF2-23D6-4978-B1EC-C03FA6E54578}"/>
-              </a:ext>
-            </a:extLst>
-          </p:cNvPr>
-          <p:cNvGraphicFramePr/>
-          <p:nvPr/>
-        </p:nvGraphicFramePr>
-        <p:xfrm>
-          <a:off x="2769718" y="3305945"/>
-          <a:ext cx="9117481" cy="1901739"/>
-        </p:xfrm>
-        <a:graphic>
-          <a:graphicData uri="http://schemas.openxmlformats.org/drawingml/2006/diagram">
-            <dgm:relIds xmlns:dgm="http://schemas.openxmlformats.org/drawingml/2006/diagram" xmlns:r="http://schemas.openxmlformats.org/officeDocument/2006/relationships" r:dm="rId10" r:lo="rId11" r:qs="rId12" r:cs="rId13"/>
-          </a:graphicData>
-        </a:graphic>
-      </p:graphicFrame>
-      <p:graphicFrame>
-        <p:nvGraphicFramePr>
-          <p:cNvPr id="22" name="Diagram 21">
-            <a:extLst>
-              <a:ext uri="{FF2B5EF4-FFF2-40B4-BE49-F238E27FC236}">
-                <a16:creationId xmlns:a16="http://schemas.microsoft.com/office/drawing/2014/main" id="{9F489416-7161-4416-BEB2-549B2B10914B}"/>
-              </a:ext>
-            </a:extLst>
-          </p:cNvPr>
-          <p:cNvGraphicFramePr/>
-          <p:nvPr/>
-        </p:nvGraphicFramePr>
-        <p:xfrm>
-          <a:off x="2748280" y="1690688"/>
-          <a:ext cx="9138920" cy="1746784"/>
-        </p:xfrm>
-        <a:graphic>
-          <a:graphicData uri="http://schemas.openxmlformats.org/drawingml/2006/diagram">
-            <dgm:relIds xmlns:dgm="http://schemas.openxmlformats.org/drawingml/2006/diagram" xmlns:r="http://schemas.openxmlformats.org/officeDocument/2006/relationships" r:dm="rId15" r:lo="rId16" r:qs="rId17" r:cs="rId18"/>
-          </a:graphicData>
-        </a:graphic>
-      </p:graphicFrame>
-      <p:graphicFrame>
-        <p:nvGraphicFramePr>
-          <p:cNvPr id="23" name="Diagram 22">
-            <a:extLst>
-              <a:ext uri="{FF2B5EF4-FFF2-40B4-BE49-F238E27FC236}">
-                <a16:creationId xmlns:a16="http://schemas.microsoft.com/office/drawing/2014/main" id="{CFC833C9-7D5E-4A6F-B3DE-36889960662E}"/>
-              </a:ext>
-            </a:extLst>
-          </p:cNvPr>
-          <p:cNvGraphicFramePr/>
-          <p:nvPr/>
-        </p:nvGraphicFramePr>
-        <p:xfrm>
-          <a:off x="2769719" y="5001363"/>
-          <a:ext cx="9117480" cy="1830062"/>
-        </p:xfrm>
-        <a:graphic>
-          <a:graphicData uri="http://schemas.openxmlformats.org/drawingml/2006/diagram">
-            <dgm:relIds xmlns:dgm="http://schemas.openxmlformats.org/drawingml/2006/diagram" xmlns:r="http://schemas.openxmlformats.org/officeDocument/2006/relationships" r:dm="rId20" r:lo="rId21" r:qs="rId22" r:cs="rId23"/>
-          </a:graphicData>
-        </a:graphic>
-      </p:graphicFrame>
-    </p:spTree>
-    <p:custDataLst>
-      <p:tags r:id="rId1"/>
-    </p:custDataLst>
-    <p:extLst>
-      <p:ext uri="{BB962C8B-B14F-4D97-AF65-F5344CB8AC3E}">
-        <p14:creationId xmlns:p14="http://schemas.microsoft.com/office/powerpoint/2010/main" val="2252042619"/>
-      </p:ext>
-    </p:extLst>
-  </p:cSld>
-  <p:clrMapOvr>
-    <a:masterClrMapping/>
-  </p:clrMapOvr>
-  <mc:AlternateContent xmlns:mc="http://schemas.openxmlformats.org/markup-compatibility/2006" xmlns:p14="http://schemas.microsoft.com/office/powerpoint/2010/main">
-    <mc:Choice Requires="p14">
-      <p:transition spd="med" p14:dur="700" advTm="21665">
-        <p:fade/>
-      </p:transition>
-    </mc:Choice>
-    <mc:Fallback xmlns="">
-      <p:transition spd="med" advTm="21665">
-        <p:fade/>
-      </p:transition>
-    </mc:Fallback>
-  </mc:AlternateContent>
-  <p:timing>
-    <p:tnLst>
-      <p:par>
-        <p:cTn id="1" dur="indefinite" restart="never" nodeType="tmRoot">
-          <p:childTnLst>
-            <p:seq concurrent="1" nextAc="seek">
-              <p:cTn id="2" dur="indefinite" nodeType="mainSeq">
-                <p:childTnLst>
-                  <p:par>
-                    <p:cTn id="3" fill="hold">
-                      <p:stCondLst>
-                        <p:cond delay="indefinite"/>
-                      </p:stCondLst>
-                      <p:childTnLst>
-                        <p:par>
-                          <p:cTn id="4" fill="hold">
-                            <p:stCondLst>
-                              <p:cond delay="0"/>
-                            </p:stCondLst>
-                            <p:childTnLst>
-                              <p:par>
-                                <p:cTn id="5" presetID="1" presetClass="entr" presetSubtype="0" fill="hold" nodeType="clickEffect">
-                                  <p:stCondLst>
-                                    <p:cond delay="0"/>
-                                  </p:stCondLst>
-                                  <p:childTnLst>
-                                    <p:set>
-                                      <p:cBhvr>
-                                        <p:cTn id="6" dur="1" fill="hold">
-                                          <p:stCondLst>
-                                            <p:cond delay="0"/>
-                                          </p:stCondLst>
-                                        </p:cTn>
-                                        <p:tgtEl>
-                                          <p:spTgt spid="2"/>
-                                        </p:tgtEl>
-                                        <p:attrNameLst>
-                                          <p:attrName>style.visibility</p:attrName>
-                                        </p:attrNameLst>
-                                      </p:cBhvr>
-                                      <p:to>
-                                        <p:strVal val="visible"/>
-                                      </p:to>
-                                    </p:set>
-                                  </p:childTnLst>
-                                </p:cTn>
-                              </p:par>
-                            </p:childTnLst>
-                          </p:cTn>
-                        </p:par>
-                      </p:childTnLst>
-                    </p:cTn>
-                  </p:par>
-                  <p:par>
-                    <p:cTn id="7" fill="hold">
-                      <p:stCondLst>
-                        <p:cond delay="indefinite"/>
-                      </p:stCondLst>
-                      <p:childTnLst>
-                        <p:par>
-                          <p:cTn id="8" fill="hold">
-                            <p:stCondLst>
-                              <p:cond delay="0"/>
-                            </p:stCondLst>
-                            <p:childTnLst>
-                              <p:par>
-                                <p:cTn id="9" presetID="1" presetClass="entr" presetSubtype="0" fill="hold" nodeType="clickEffect">
-                                  <p:stCondLst>
-                                    <p:cond delay="0"/>
-                                  </p:stCondLst>
-                                  <p:childTnLst>
-                                    <p:set>
-                                      <p:cBhvr>
-                                        <p:cTn id="10" dur="1" fill="hold">
-                                          <p:stCondLst>
-                                            <p:cond delay="0"/>
-                                          </p:stCondLst>
-                                        </p:cTn>
-                                        <p:tgtEl>
-                                          <p:spTgt spid="3"/>
-                                        </p:tgtEl>
-                                        <p:attrNameLst>
-                                          <p:attrName>style.visibility</p:attrName>
-                                        </p:attrNameLst>
-                                      </p:cBhvr>
-                                      <p:to>
-                                        <p:strVal val="visible"/>
-                                      </p:to>
-                                    </p:set>
-                                  </p:childTnLst>
-                                </p:cTn>
-                              </p:par>
-                            </p:childTnLst>
-                          </p:cTn>
-                        </p:par>
-                      </p:childTnLst>
-                    </p:cTn>
-                  </p:par>
-                  <p:par>
-                    <p:cTn id="11" fill="hold">
-                      <p:stCondLst>
-                        <p:cond delay="indefinite"/>
-                      </p:stCondLst>
-                      <p:childTnLst>
-                        <p:par>
-                          <p:cTn id="12" fill="hold">
-                            <p:stCondLst>
-                              <p:cond delay="0"/>
-                            </p:stCondLst>
-                            <p:childTnLst>
-                              <p:par>
-                                <p:cTn id="13" presetID="1" presetClass="entr" presetSubtype="0" fill="hold" nodeType="clickEffect">
-                                  <p:stCondLst>
-                                    <p:cond delay="0"/>
-                                  </p:stCondLst>
-                                  <p:childTnLst>
-                                    <p:set>
-                                      <p:cBhvr>
-                                        <p:cTn id="14" dur="1" fill="hold">
-                                          <p:stCondLst>
-                                            <p:cond delay="0"/>
-                                          </p:stCondLst>
-                                        </p:cTn>
-                                        <p:tgtEl>
-                                          <p:spTgt spid="5"/>
-                                        </p:tgtEl>
-                                        <p:attrNameLst>
-                                          <p:attrName>style.visibility</p:attrName>
-                                        </p:attrNameLst>
-                                      </p:cBhvr>
-                                      <p:to>
-                                        <p:strVal val="visible"/>
-                                      </p:to>
-                                    </p:set>
-                                  </p:childTnLst>
-                                </p:cTn>
-                              </p:par>
-                            </p:childTnLst>
-                          </p:cTn>
-                        </p:par>
-                      </p:childTnLst>
-                    </p:cTn>
-                  </p:par>
-                  <p:par>
-                    <p:cTn id="15" fill="hold">
-                      <p:stCondLst>
-                        <p:cond delay="indefinite"/>
-                      </p:stCondLst>
-                      <p:childTnLst>
-                        <p:par>
-                          <p:cTn id="16" fill="hold">
-                            <p:stCondLst>
-                              <p:cond delay="0"/>
-                            </p:stCondLst>
-                            <p:childTnLst>
-                              <p:par>
-                                <p:cTn id="17" presetID="1" presetClass="entr" presetSubtype="0" fill="hold" grpId="0" nodeType="clickEffect">
-                                  <p:stCondLst>
-                                    <p:cond delay="0"/>
-                                  </p:stCondLst>
-                                  <p:childTnLst>
-                                    <p:set>
-                                      <p:cBhvr>
-                                        <p:cTn id="18" dur="1" fill="hold">
-                                          <p:stCondLst>
-                                            <p:cond delay="0"/>
-                                          </p:stCondLst>
-                                        </p:cTn>
-                                        <p:tgtEl>
-                                          <p:spTgt spid="22">
-                                            <p:graphicEl>
-                                              <a:dgm id="{76AAF56F-D4D7-4577-94A9-CDD5DC0599FE}"/>
-                                            </p:graphicEl>
-                                          </p:spTgt>
-                                        </p:tgtEl>
-                                        <p:attrNameLst>
-                                          <p:attrName>style.visibility</p:attrName>
-                                        </p:attrNameLst>
-                                      </p:cBhvr>
-                                      <p:to>
-                                        <p:strVal val="visible"/>
-                                      </p:to>
-                                    </p:set>
-                                  </p:childTnLst>
-                                </p:cTn>
-                              </p:par>
-                            </p:childTnLst>
-                          </p:cTn>
-                        </p:par>
-                      </p:childTnLst>
-                    </p:cTn>
-                  </p:par>
-                  <p:par>
-                    <p:cTn id="19" fill="hold">
-                      <p:stCondLst>
-                        <p:cond delay="indefinite"/>
-                      </p:stCondLst>
-                      <p:childTnLst>
-                        <p:par>
-                          <p:cTn id="20" fill="hold">
-                            <p:stCondLst>
-                              <p:cond delay="0"/>
-                            </p:stCondLst>
-                            <p:childTnLst>
-                              <p:par>
-                                <p:cTn id="21" presetID="1" presetClass="entr" presetSubtype="0" fill="hold" grpId="0" nodeType="clickEffect">
-                                  <p:stCondLst>
-                                    <p:cond delay="0"/>
-                                  </p:stCondLst>
-                                  <p:childTnLst>
-                                    <p:set>
-                                      <p:cBhvr>
-                                        <p:cTn id="22" dur="1" fill="hold">
-                                          <p:stCondLst>
-                                            <p:cond delay="0"/>
-                                          </p:stCondLst>
-                                        </p:cTn>
-                                        <p:tgtEl>
-                                          <p:spTgt spid="22">
-                                            <p:graphicEl>
-                                              <a:dgm id="{D850B575-8268-47C9-BA65-19D4C41AF72F}"/>
-                                            </p:graphicEl>
-                                          </p:spTgt>
-                                        </p:tgtEl>
-                                        <p:attrNameLst>
-                                          <p:attrName>style.visibility</p:attrName>
-                                        </p:attrNameLst>
-                                      </p:cBhvr>
-                                      <p:to>
-                                        <p:strVal val="visible"/>
-                                      </p:to>
-                                    </p:set>
-                                  </p:childTnLst>
-                                </p:cTn>
-                              </p:par>
-                            </p:childTnLst>
-                          </p:cTn>
-                        </p:par>
-                      </p:childTnLst>
-                    </p:cTn>
-                  </p:par>
-                  <p:par>
-                    <p:cTn id="23" fill="hold">
-                      <p:stCondLst>
-                        <p:cond delay="indefinite"/>
-                      </p:stCondLst>
-                      <p:childTnLst>
-                        <p:par>
-                          <p:cTn id="24" fill="hold">
-                            <p:stCondLst>
-                              <p:cond delay="0"/>
-                            </p:stCondLst>
-                            <p:childTnLst>
-                              <p:par>
-                                <p:cTn id="25" presetID="1" presetClass="entr" presetSubtype="0" fill="hold" grpId="0" nodeType="clickEffect">
-                                  <p:stCondLst>
-                                    <p:cond delay="0"/>
-                                  </p:stCondLst>
-                                  <p:childTnLst>
-                                    <p:set>
-                                      <p:cBhvr>
-                                        <p:cTn id="26" dur="1" fill="hold">
-                                          <p:stCondLst>
-                                            <p:cond delay="0"/>
-                                          </p:stCondLst>
-                                        </p:cTn>
-                                        <p:tgtEl>
-                                          <p:spTgt spid="22">
-                                            <p:graphicEl>
-                                              <a:dgm id="{4D714C27-05B4-4ED3-A13F-C6955017C71B}"/>
-                                            </p:graphicEl>
-                                          </p:spTgt>
-                                        </p:tgtEl>
-                                        <p:attrNameLst>
-                                          <p:attrName>style.visibility</p:attrName>
-                                        </p:attrNameLst>
-                                      </p:cBhvr>
-                                      <p:to>
-                                        <p:strVal val="visible"/>
-                                      </p:to>
-                                    </p:set>
-                                  </p:childTnLst>
-                                </p:cTn>
-                              </p:par>
-                            </p:childTnLst>
-                          </p:cTn>
-                        </p:par>
-                      </p:childTnLst>
-                    </p:cTn>
-                  </p:par>
-                  <p:par>
-                    <p:cTn id="27" fill="hold">
-                      <p:stCondLst>
-                        <p:cond delay="indefinite"/>
-                      </p:stCondLst>
-                      <p:childTnLst>
-                        <p:par>
-                          <p:cTn id="28" fill="hold">
-                            <p:stCondLst>
-                              <p:cond delay="0"/>
-                            </p:stCondLst>
-                            <p:childTnLst>
-                              <p:par>
-                                <p:cTn id="29" presetID="1" presetClass="entr" presetSubtype="0" fill="hold" grpId="0" nodeType="clickEffect">
-                                  <p:stCondLst>
-                                    <p:cond delay="0"/>
-                                  </p:stCondLst>
-                                  <p:childTnLst>
-                                    <p:set>
-                                      <p:cBhvr>
-                                        <p:cTn id="30" dur="1" fill="hold">
-                                          <p:stCondLst>
-                                            <p:cond delay="0"/>
-                                          </p:stCondLst>
-                                        </p:cTn>
-                                        <p:tgtEl>
-                                          <p:spTgt spid="22">
-                                            <p:graphicEl>
-                                              <a:dgm id="{319A0EE5-FAE2-47D1-9B8C-2CB650E731B7}"/>
-                                            </p:graphicEl>
-                                          </p:spTgt>
-                                        </p:tgtEl>
-                                        <p:attrNameLst>
-                                          <p:attrName>style.visibility</p:attrName>
-                                        </p:attrNameLst>
-                                      </p:cBhvr>
-                                      <p:to>
-                                        <p:strVal val="visible"/>
-                                      </p:to>
-                                    </p:set>
-                                  </p:childTnLst>
-                                </p:cTn>
-                              </p:par>
-                            </p:childTnLst>
-                          </p:cTn>
-                        </p:par>
-                      </p:childTnLst>
-                    </p:cTn>
-                  </p:par>
-                  <p:par>
-                    <p:cTn id="31" fill="hold">
-                      <p:stCondLst>
-                        <p:cond delay="indefinite"/>
-                      </p:stCondLst>
-                      <p:childTnLst>
-                        <p:par>
-                          <p:cTn id="32" fill="hold">
-                            <p:stCondLst>
-                              <p:cond delay="0"/>
-                            </p:stCondLst>
-                            <p:childTnLst>
-                              <p:par>
-                                <p:cTn id="33" presetID="1" presetClass="entr" presetSubtype="0" fill="hold" grpId="0" nodeType="clickEffect">
-                                  <p:stCondLst>
-                                    <p:cond delay="0"/>
-                                  </p:stCondLst>
-                                  <p:childTnLst>
-                                    <p:set>
-                                      <p:cBhvr>
-                                        <p:cTn id="34" dur="1" fill="hold">
-                                          <p:stCondLst>
-                                            <p:cond delay="0"/>
-                                          </p:stCondLst>
-                                        </p:cTn>
-                                        <p:tgtEl>
-                                          <p:spTgt spid="21">
-                                            <p:graphicEl>
-                                              <a:dgm id="{76AAF56F-D4D7-4577-94A9-CDD5DC0599FE}"/>
-                                            </p:graphicEl>
-                                          </p:spTgt>
-                                        </p:tgtEl>
-                                        <p:attrNameLst>
-                                          <p:attrName>style.visibility</p:attrName>
-                                        </p:attrNameLst>
-                                      </p:cBhvr>
-                                      <p:to>
-                                        <p:strVal val="visible"/>
-                                      </p:to>
-                                    </p:set>
-                                  </p:childTnLst>
-                                </p:cTn>
-                              </p:par>
-                            </p:childTnLst>
-                          </p:cTn>
-                        </p:par>
-                      </p:childTnLst>
-                    </p:cTn>
-                  </p:par>
-                  <p:par>
-                    <p:cTn id="35" fill="hold">
-                      <p:stCondLst>
-                        <p:cond delay="indefinite"/>
-                      </p:stCondLst>
-                      <p:childTnLst>
-                        <p:par>
-                          <p:cTn id="36" fill="hold">
-                            <p:stCondLst>
-                              <p:cond delay="0"/>
-                            </p:stCondLst>
-                            <p:childTnLst>
-                              <p:par>
-                                <p:cTn id="37" presetID="1" presetClass="entr" presetSubtype="0" fill="hold" grpId="0" nodeType="clickEffect">
-                                  <p:stCondLst>
-                                    <p:cond delay="0"/>
-                                  </p:stCondLst>
-                                  <p:childTnLst>
-                                    <p:set>
-                                      <p:cBhvr>
-                                        <p:cTn id="38" dur="1" fill="hold">
-                                          <p:stCondLst>
-                                            <p:cond delay="0"/>
-                                          </p:stCondLst>
-                                        </p:cTn>
-                                        <p:tgtEl>
-                                          <p:spTgt spid="21">
-                                            <p:graphicEl>
-                                              <a:dgm id="{5DB35AF2-9F99-41D1-8632-C9180952D400}"/>
-                                            </p:graphicEl>
-                                          </p:spTgt>
-                                        </p:tgtEl>
-                                        <p:attrNameLst>
-                                          <p:attrName>style.visibility</p:attrName>
-                                        </p:attrNameLst>
-                                      </p:cBhvr>
-                                      <p:to>
-                                        <p:strVal val="visible"/>
-                                      </p:to>
-                                    </p:set>
-                                  </p:childTnLst>
-                                </p:cTn>
-                              </p:par>
-                            </p:childTnLst>
-                          </p:cTn>
-                        </p:par>
-                      </p:childTnLst>
-                    </p:cTn>
-                  </p:par>
-                  <p:par>
-                    <p:cTn id="39" fill="hold">
-                      <p:stCondLst>
-                        <p:cond delay="indefinite"/>
-                      </p:stCondLst>
-                      <p:childTnLst>
-                        <p:par>
-                          <p:cTn id="40" fill="hold">
-                            <p:stCondLst>
-                              <p:cond delay="0"/>
-                            </p:stCondLst>
-                            <p:childTnLst>
-                              <p:par>
-                                <p:cTn id="41" presetID="1" presetClass="entr" presetSubtype="0" fill="hold" grpId="0" nodeType="clickEffect">
-                                  <p:stCondLst>
-                                    <p:cond delay="0"/>
-                                  </p:stCondLst>
-                                  <p:childTnLst>
-                                    <p:set>
-                                      <p:cBhvr>
-                                        <p:cTn id="42" dur="1" fill="hold">
-                                          <p:stCondLst>
-                                            <p:cond delay="0"/>
-                                          </p:stCondLst>
-                                        </p:cTn>
-                                        <p:tgtEl>
-                                          <p:spTgt spid="21">
-                                            <p:graphicEl>
-                                              <a:dgm id="{CEF4917A-2583-498A-ACAC-CF0D58E8F0A6}"/>
-                                            </p:graphicEl>
-                                          </p:spTgt>
-                                        </p:tgtEl>
-                                        <p:attrNameLst>
-                                          <p:attrName>style.visibility</p:attrName>
-                                        </p:attrNameLst>
-                                      </p:cBhvr>
-                                      <p:to>
-                                        <p:strVal val="visible"/>
-                                      </p:to>
-                                    </p:set>
-                                  </p:childTnLst>
-                                </p:cTn>
-                              </p:par>
-                            </p:childTnLst>
-                          </p:cTn>
-                        </p:par>
-                      </p:childTnLst>
-                    </p:cTn>
-                  </p:par>
-                  <p:par>
-                    <p:cTn id="43" fill="hold">
-                      <p:stCondLst>
-                        <p:cond delay="indefinite"/>
-                      </p:stCondLst>
-                      <p:childTnLst>
-                        <p:par>
-                          <p:cTn id="44" fill="hold">
-                            <p:stCondLst>
-                              <p:cond delay="0"/>
-                            </p:stCondLst>
-                            <p:childTnLst>
-                              <p:par>
-                                <p:cTn id="45" presetID="1" presetClass="entr" presetSubtype="0" fill="hold" grpId="0" nodeType="clickEffect">
-                                  <p:stCondLst>
-                                    <p:cond delay="0"/>
-                                  </p:stCondLst>
-                                  <p:childTnLst>
-                                    <p:set>
-                                      <p:cBhvr>
-                                        <p:cTn id="46" dur="1" fill="hold">
-                                          <p:stCondLst>
-                                            <p:cond delay="0"/>
-                                          </p:stCondLst>
-                                        </p:cTn>
-                                        <p:tgtEl>
-                                          <p:spTgt spid="21">
-                                            <p:graphicEl>
-                                              <a:dgm id="{477157D4-E55E-4D4B-941F-24801F1D36AC}"/>
-                                            </p:graphicEl>
-                                          </p:spTgt>
-                                        </p:tgtEl>
-                                        <p:attrNameLst>
-                                          <p:attrName>style.visibility</p:attrName>
-                                        </p:attrNameLst>
-                                      </p:cBhvr>
-                                      <p:to>
-                                        <p:strVal val="visible"/>
-                                      </p:to>
-                                    </p:set>
-                                  </p:childTnLst>
-                                </p:cTn>
-                              </p:par>
-                            </p:childTnLst>
-                          </p:cTn>
-                        </p:par>
-                      </p:childTnLst>
-                    </p:cTn>
-                  </p:par>
-                  <p:par>
-                    <p:cTn id="47" fill="hold">
-                      <p:stCondLst>
-                        <p:cond delay="indefinite"/>
-                      </p:stCondLst>
-                      <p:childTnLst>
-                        <p:par>
-                          <p:cTn id="48" fill="hold">
-                            <p:stCondLst>
-                              <p:cond delay="0"/>
-                            </p:stCondLst>
-                            <p:childTnLst>
-                              <p:par>
-                                <p:cTn id="49" presetID="1" presetClass="entr" presetSubtype="0" fill="hold" grpId="0" nodeType="clickEffect">
-                                  <p:stCondLst>
-                                    <p:cond delay="0"/>
-                                  </p:stCondLst>
-                                  <p:childTnLst>
-                                    <p:set>
-                                      <p:cBhvr>
-                                        <p:cTn id="50" dur="1" fill="hold">
-                                          <p:stCondLst>
-                                            <p:cond delay="0"/>
-                                          </p:stCondLst>
-                                        </p:cTn>
-                                        <p:tgtEl>
-                                          <p:spTgt spid="23">
-                                            <p:graphicEl>
-                                              <a:dgm id="{76AAF56F-D4D7-4577-94A9-CDD5DC0599FE}"/>
-                                            </p:graphicEl>
-                                          </p:spTgt>
-                                        </p:tgtEl>
-                                        <p:attrNameLst>
-                                          <p:attrName>style.visibility</p:attrName>
-                                        </p:attrNameLst>
-                                      </p:cBhvr>
-                                      <p:to>
-                                        <p:strVal val="visible"/>
-                                      </p:to>
-                                    </p:set>
-                                  </p:childTnLst>
-                                </p:cTn>
-                              </p:par>
-                            </p:childTnLst>
-                          </p:cTn>
-                        </p:par>
-                      </p:childTnLst>
-                    </p:cTn>
-                  </p:par>
-                  <p:par>
-                    <p:cTn id="51" fill="hold">
-                      <p:stCondLst>
-                        <p:cond delay="indefinite"/>
-                      </p:stCondLst>
-                      <p:childTnLst>
-                        <p:par>
-                          <p:cTn id="52" fill="hold">
-                            <p:stCondLst>
-                              <p:cond delay="0"/>
-                            </p:stCondLst>
-                            <p:childTnLst>
-                              <p:par>
-                                <p:cTn id="53" presetID="1" presetClass="entr" presetSubtype="0" fill="hold" grpId="0" nodeType="clickEffect">
-                                  <p:stCondLst>
-                                    <p:cond delay="0"/>
-                                  </p:stCondLst>
-                                  <p:childTnLst>
-                                    <p:set>
-                                      <p:cBhvr>
-                                        <p:cTn id="54" dur="1" fill="hold">
-                                          <p:stCondLst>
-                                            <p:cond delay="0"/>
-                                          </p:stCondLst>
-                                        </p:cTn>
-                                        <p:tgtEl>
-                                          <p:spTgt spid="23">
-                                            <p:graphicEl>
-                                              <a:dgm id="{44A7D895-1910-4068-8F24-1EC9C16B09C5}"/>
-                                            </p:graphicEl>
-                                          </p:spTgt>
-                                        </p:tgtEl>
-                                        <p:attrNameLst>
-                                          <p:attrName>style.visibility</p:attrName>
-                                        </p:attrNameLst>
-                                      </p:cBhvr>
-                                      <p:to>
-                                        <p:strVal val="visible"/>
-                                      </p:to>
-                                    </p:set>
-                                  </p:childTnLst>
-                                </p:cTn>
-                              </p:par>
-                            </p:childTnLst>
-                          </p:cTn>
-                        </p:par>
-                      </p:childTnLst>
-                    </p:cTn>
-                  </p:par>
-                  <p:par>
-                    <p:cTn id="55" fill="hold">
-                      <p:stCondLst>
-                        <p:cond delay="indefinite"/>
-                      </p:stCondLst>
-                      <p:childTnLst>
-                        <p:par>
-                          <p:cTn id="56" fill="hold">
-                            <p:stCondLst>
-                              <p:cond delay="0"/>
-                            </p:stCondLst>
-                            <p:childTnLst>
-                              <p:par>
-                                <p:cTn id="57" presetID="1" presetClass="entr" presetSubtype="0" fill="hold" grpId="0" nodeType="clickEffect">
-                                  <p:stCondLst>
-                                    <p:cond delay="0"/>
-                                  </p:stCondLst>
-                                  <p:childTnLst>
-                                    <p:set>
-                                      <p:cBhvr>
-                                        <p:cTn id="58" dur="1" fill="hold">
-                                          <p:stCondLst>
-                                            <p:cond delay="0"/>
-                                          </p:stCondLst>
-                                        </p:cTn>
-                                        <p:tgtEl>
-                                          <p:spTgt spid="23">
-                                            <p:graphicEl>
-                                              <a:dgm id="{7E62F2A4-EBAB-4D1C-AFFC-123B159E248A}"/>
-                                            </p:graphicEl>
-                                          </p:spTgt>
-                                        </p:tgtEl>
-                                        <p:attrNameLst>
-                                          <p:attrName>style.visibility</p:attrName>
-                                        </p:attrNameLst>
-                                      </p:cBhvr>
-                                      <p:to>
-                                        <p:strVal val="visible"/>
-                                      </p:to>
-                                    </p:set>
-                                  </p:childTnLst>
-                                </p:cTn>
-                              </p:par>
-                            </p:childTnLst>
-                          </p:cTn>
-                        </p:par>
-                      </p:childTnLst>
-                    </p:cTn>
-                  </p:par>
-                  <p:par>
-                    <p:cTn id="59" fill="hold">
-                      <p:stCondLst>
-                        <p:cond delay="indefinite"/>
-                      </p:stCondLst>
-                      <p:childTnLst>
-                        <p:par>
-                          <p:cTn id="60" fill="hold">
-                            <p:stCondLst>
-                              <p:cond delay="0"/>
-                            </p:stCondLst>
-                            <p:childTnLst>
-                              <p:par>
-                                <p:cTn id="61" presetID="1" presetClass="entr" presetSubtype="0" fill="hold" grpId="0" nodeType="clickEffect">
-                                  <p:stCondLst>
-                                    <p:cond delay="0"/>
-                                  </p:stCondLst>
-                                  <p:childTnLst>
-                                    <p:set>
-                                      <p:cBhvr>
-                                        <p:cTn id="62" dur="1" fill="hold">
-                                          <p:stCondLst>
-                                            <p:cond delay="0"/>
-                                          </p:stCondLst>
-                                        </p:cTn>
-                                        <p:tgtEl>
-                                          <p:spTgt spid="23">
-                                            <p:graphicEl>
-                                              <a:dgm id="{B41BF3A0-5F9B-4C4A-AFF8-07F25F44D473}"/>
-                                            </p:graphicEl>
-                                          </p:spTgt>
-                                        </p:tgtEl>
-                                        <p:attrNameLst>
-                                          <p:attrName>style.visibility</p:attrName>
-                                        </p:attrNameLst>
-                                      </p:cBhvr>
-                                      <p:to>
-                                        <p:strVal val="visible"/>
-                                      </p:to>
-                                    </p:set>
-                                  </p:childTnLst>
-                                </p:cTn>
-                              </p:par>
-                            </p:childTnLst>
-                          </p:cTn>
-                        </p:par>
-                      </p:childTnLst>
-                    </p:cTn>
-                  </p:par>
-                </p:childTnLst>
-              </p:cTn>
-              <p:prevCondLst>
-                <p:cond evt="onPrev" delay="0">
-                  <p:tgtEl>
-                    <p:sldTgt/>
-                  </p:tgtEl>
-                </p:cond>
-              </p:prevCondLst>
-              <p:nextCondLst>
-                <p:cond evt="onNext" delay="0">
-                  <p:tgtEl>
-                    <p:sldTgt/>
-                  </p:tgtEl>
-                </p:cond>
-              </p:nextCondLst>
-            </p:seq>
-          </p:childTnLst>
-        </p:cTn>
-      </p:par>
-    </p:tnLst>
-    <p:bldLst>
-      <p:bldGraphic spid="21" grpId="0">
-        <p:bldSub>
-          <a:bldDgm bld="lvlOne"/>
-        </p:bldSub>
-      </p:bldGraphic>
-      <p:bldGraphic spid="22" grpId="0">
-        <p:bldSub>
-          <a:bldDgm bld="lvlOne"/>
-        </p:bldSub>
-      </p:bldGraphic>
-      <p:bldGraphic spid="23" grpId="0">
-        <p:bldSub>
-          <a:bldDgm bld="lvlOne"/>
-        </p:bldSub>
-      </p:bldGraphic>
-    </p:bldLst>
-  </p:timing>
-</p:sld>
-</file>
-
 <file path=ppt/tags/tag1.xml><?xml version="1.0" encoding="utf-8"?>
 <p:tagLst xmlns:a="http://schemas.openxmlformats.org/drawingml/2006/main" xmlns:r="http://schemas.openxmlformats.org/officeDocument/2006/relationships" xmlns:p="http://schemas.openxmlformats.org/presentationml/2006/main">
   <p:tag name="__MICROSOFT_TRANSLATOR_CLM_PRESENTATIONINFO" val="{&quot;DocumentId&quot;:&quot;c5f6ffe8af8ff86ede2ebccd4a0c35c3&quot;,&quot;LanguageCode&quot;:&quot;en-US&quot;,&quot;SlideGuids&quot;:[&quot;bd27f58f-8c31-4e7f-8019-4e9ea7440194&quot;,&quot;f4edd891-cf7b-4af1-b457-fda75983cd76&quot;,&quot;4fce7e8f-50b7-4d01-968d-17c53484dc35&quot;,&quot;36c05d59-487e-4428-be68-292ba87e2e88&quot;,&quot;e4f358bb-0a8a-43a4-af8b-ed2b86a5292d&quot;,&quot;73e88970-58f8-49e4-815b-2c8cebe190b7&quot;,&quot;ce0b18dc-a1a4-4894-a951-897e32fedeb6&quot;,&quot;ce0b18dc-a1a4-4894-a951-897e32fedeb6&quot;,&quot;374f825a-13f8-4952-ba97-1e14101da527&quot;,&quot;2fe54f78-5ea0-4d0b-805c-26d8d6cfced0&quot;,&quot;3efde332-63f5-4e1a-ad7f-6a94bb7656c7&quot;,&quot;eed123e6-906f-40d4-8807-554262ac7776&quot;,&quot;51dd0746-5d84-4fdb-93a7-5223aa4d1a8c&quot;,&quot;2b03987f-721d-490a-b0d8-5f257472c9a5&quot;,&quot;21ff8925-b956-4314-83d7-6cdc03986049&quot;,&quot;4e7f7d60-f55b-44ea-8ede-a403e3c8b6ad&quot;,&quot;da2adfd3-6c85-445c-8a04-961772a752c0&quot;,&quot;fe0e102e-fa6a-43a7-87ca-99cef675104a&quot;,&quot;6353fe2a-8fb5-4e98-b81c-b4b9c9beb156&quot;,&quot;03427c60-ee99-455b-a44c-a9cda6291dc8&quot;,&quot;2c93c07c-7a0a-41ca-9a3a-7d613d9fd0de&quot;,&quot;494ec137-621c-4f97-a361-276b4fcbee0e&quot;,&quot;008edbbb-4a39-4b72-98c5-c7d4cdfa191f&quot;,&quot;e02d702e-9f95-45a0-80d4-9575e33a68b3&quot;,&quot;cfda5b28-833b-4506-8188-d4ffce54241a&quot;,&quot;07e92643-9087-408d-b764-2ebf928fd394&quot;,&quot;29540760-7625-442a-9995-db32325be7d4&quot;,&quot;8587c752-79d1-479d-8ef8-85efa1aa0b67&quot;,&quot;668632f4-1faa-41b3-a042-41899efb1fb7&quot;,&quot;04cb979c-bf26-4d05-8c1b-353c68b7b84f&quot;,&quot;de6c6708-d36b-486b-b05b-68381d79eaa9&quot;,&quot;c327785d-45fd-4c3a-a802-64f4a4200f80&quot;,&quot;cf2ce322-1e34-43c9-8b86-28a0a8167f13&quot;,&quot;3bd05ad5-7897-458d-8f6f-8480a0a35fcb&quot;,&quot;c077a30f-ea27-4449-9251-26a19143ee84&quot;,&quot;090afc66-c719-44b4-874c-216a38fc64a2&quot;,&quot;78314123-b804-4988-ba2c-af62340ba375&quot;,&quot;36767db7-869c-462e-88cf-542e5581b00c&quot;,&quot;9a223591-8d32-4dbb-8ba6-bafc7ce2c760&quot;,&quot;b24050bc-9d77-4a67-b6b0-26bd09d6581a&quot;,&quot;b201441e-60b7-49c5-93ad-83ff52c03358&quot;,&quot;3827b110-5ef1-43d2-83b4-154f779ed230&quot;,&quot;455962cc-f796-4d42-ae44-875eac3e68b8&quot;,&quot;3c000986-b36d-46c2-8c7c-71e59c011460&quot;,&quot;48af0919-8a65-4d16-b9ad-7cb7cad26f05&quot;,&quot;83c66928-fbc7-4c75-a1cf-c591c1bbc2c3&quot;,&quot;b707b591-a086-4e02-a0b1-220d6da94597&quot;,&quot;0256cb45-836f-46d8-94b0-6bb946e64bcc&quot;,&quot;59bec75d-28ee-47a6-bfef-45232b7ee116&quot;,&quot;968ecc2f-6843-44b0-96a1-4f9971029d74&quot;,&quot;f61b5cc7-85d7-4612-8629-2aa2ba4381ed&quot;,&quot;63f9d5fc-4f14-4ce8-88ef-541901c5cee9&quot;,&quot;78cb7161-df01-4cfa-b142-efee8fa3e781&quot;,&quot;4521d720-38ff-49fc-8fe0-9bbed5520aad&quot;,&quot;14ae06bf-5bd4-492d-8c23-22b13e2ac58f&quot;,&quot;5190989d-2461-45b6-a39e-f1ca52676412&quot;,&quot;02a645ae-6a59-4e8a-a538-33c5e7ddb351&quot;,&quot;3d302933-48b9-4e7e-8c93-60bf219b7775&quot;,&quot;2f748345-6a00-459e-825c-662f11f6a350&quot;,&quot;6825c889-ffc8-4030-b217-d15aa94b9f36&quot;,&quot;6b3a2c27-e00e-4105-8522-28c2428289aa&quot;,&quot;604801f3-442b-4dd5-b28b-6733268e031b&quot;,&quot;d3056f23-c866-48c1-85f0-8f160f5b94b0&quot;,&quot;488e8923-755b-43cd-b244-3e0770e2de45&quot;,&quot;c92aa6f5-b589-446c-b183-3ac0aca9b633&quot;,&quot;b1dc052e-c4ae-4df4-ad79-b8d1a734ddd2&quot;,&quot;1175f602-1345-4601-964f-4120ac631631&quot;,&quot;6ba7af5a-8aac-45d6-842e-d58bd12d5498&quot;,&quot;b53828cf-b8ac-40bd-b8c2-e009f9031aea&quot;,&quot;f4a63e25-93df-4f8b-848c-321b9c110a8c&quot;,&quot;0dadf319-610b-47e4-8a8d-04c443ceaba0&quot;,&quot;6c373499-d933-4f50-b177-e2e4be50f6b3&quot;,&quot;50e017a5-0b46-45b4-96f4-99c57ea0facf&quot;,&quot;42797224-8780-45ef-9556-b12a91c23f53&quot;,&quot;59216eab-a9e7-4829-8f38-b3d416328428&quot;,&quot;f422aee5-af96-456d-9f5c-02b988ead3d9&quot;,&quot;44a86195-3614-42df-b676-eacc8143a1d0&quot;,&quot;2cbd6a10-8742-4fb9-af33-258a18d8da8a&quot;,&quot;add41386-2969-4408-8ab3-74df70141b56&quot;,&quot;bfe28f68-6473-4497-ab76-33fee8a31dfc&quot;,&quot;613c22ba-b87b-4db9-b8b4-9fa7016fce29&quot;,&quot;d47595e4-78b6-4e2c-8426-5967385effb9&quot;,&quot;69aaba50-1fd9-4e4c-bdb9-9142f463c028&quot;,&quot;4bffc3e7-6d8a-4bb2-a1f7-4b71e3081837&quot;,&quot;b7996406-73df-4918-8aab-5eb099491486&quot;,&quot;cc58137f-fd0e-4910-9672-9245a6ddc401&quot;,&quot;d6268804-9ec6-499f-9d6e-13d6a7ea3355&quot;,&quot;b4af48fc-2d3d-400f-9bef-56984d4e5d82&quot;,&quot;f332053b-e5d4-464b-a096-114bfd2ae778&quot;,&quot;eafd813e-2503-4f2e-8cf5-284ef4e2b6c1&quot;,&quot;8669328a-33e5-4669-b64b-5dac327aafdb&quot;,&quot;d666803f-f197-4306-b6ce-4514482c9488&quot;,&quot;45187a35-74ee-4aa9-8e02-c58377bb6e85&quot;,&quot;623826cb-5be4-445e-b956-72c99d7ec0dd&quot;,&quot;9ba47dd3-8365-4a41-b9f3-fcddaa3aef4a&quot;,&quot;f977a9cb-5999-4bbf-850d-1eac2fefb6ea&quot;,&quot;3a15f807-3431-48fe-a793-488eaf994906&quot;,&quot;63a5eefd-5f9d-4e66-88d7-a8d7f2cbb9cb&quot;,&quot;8bd9ecff-e143-4021-a785-debf3457163a&quot;,&quot;53fac9f0-698c-46fa-b964-c20d1169ed30&quot;,&quot;3f138df9-9774-4417-a9c2-ee56ab1d3c9f&quot;,&quot;cffb766c-5e1b-447d-b287-2e1a985d9f88&quot;,&quot;d5c0e9ff-d478-473a-b4f7-dfec9dbdb2c2&quot;,&quot;a3c82b6d-15da-48e3-a61a-f2299217c467&quot;,&quot;e9f2aed1-bc4b-4a5c-b71d-be5a3be82079&quot;,&quot;5ae25384-add2-4c98-9f52-c46147697bb5&quot;,&quot;c434c421-b204-452f-bac4-fc6aeb855f0c&quot;,&quot;6b59afee-f7cf-4824-ad76-a5958888f953&quot;,&quot;fda37079-4350-4d51-aff2-46dfdcdcb4fc&quot;,&quot;4a8ff623-585a-44db-b977-24927a7ebf46&quot;,&quot;529c02d5-e1a8-4f4a-a470-eead622758ad&quot;,&quot;b81f408f-decc-4322-a2e0-95e58af507e5&quot;,&quot;9d24e936-84b0-4631-8258-413d8fd1bcef&quot;,&quot;8396da3e-fcae-451b-8f6e-318f375def01&quot;,&quot;9203a1fc-e0b1-4a9b-b1b7-75e7a0a0dee5&quot;,&quot;17c45a5e-ebb6-473d-8562-a8fb0f4945df&quot;,&quot;2aee86eb-368a-4abb-b7ca-277f5f33fd18&quot;,&quot;b24c36f9-4f61-408f-9ad2-0dbb0d369aa9&quot;,&quot;d2d83f14-51b7-466d-b9e2-bd31fda55dc2&quot;,&quot;8170a419-ac10-4da4-b0fc-90f65d25e971&quot;,&quot;e5261ae0-6671-44a0-8135-a9334d5b9d8d&quot;,&quot;e3e133e5-68e4-47ce-bca5-f56c782d118d&quot;,&quot;b302d720-c583-4110-84fe-2241fdc37489&quot;,&quot;f955e6c8-62b8-4b48-bb40-6df46df6a56f&quot;,&quot;59fa61c6-fe3b-43e8-9225-eb73625f1a0f&quot;,&quot;a11cb183-16e8-48ac-a2fc-fec4f2708a1a&quot;,&quot;bb0806f2-78b1-4233-9e64-6c9cd1fefa11&quot;,&quot;729fbdd4-d5a0-45df-a814-8596f78f69d6&quot;,&quot;86bab68a-338c-4f5a-a485-6cf23b691d72&quot;,&quot;fb0a09ab-ab5d-4682-9b4f-c0eb55e88450&quot;,&quot;0c76773f-9d61-4e46-bb47-488ce2a09d24&quot;,&quot;e6b0888d-cfde-474d-ad61-981aaf793f43&quot;,&quot;84696418-18dd-4b8a-9550-fac8d9bdc3b8&quot;,&quot;966cdb95-6921-4298-9e6b-32b3daada0e7&quot;,&quot;3cf23c71-2bdd-4457-9590-5dfc62a1816f&quot;,&quot;5c62467b-e383-461a-87cb-b200fdbef8f1&quot;,&quot;799d7c19-1597-4cbf-a2fa-e4168d0d5851&quot;,&quot;b74a840c-6c9f-4f44-b999-0f821961076c&quot;,&quot;9f420262-4751-4f49-9df6-a386139ba351&quot;,&quot;ecd3b482-04d6-44dc-b0b2-3b13d753e3b8&quot;,&quot;efb99900-eef9-44c0-ada8-8dd80cfa275d&quot;,&quot;88b30436-0545-4828-a8e2-7e10186056fe&quot;,&quot;99e0e13c-0ad4-470f-9482-d4cc4170459d&quot;,&quot;17f82aa0-d8e7-4ff7-9005-849d9b5a138a&quot;,&quot;ac75fd85-2cbb-472a-a94b-80fb001836f3&quot;,&quot;0bf59e2e-1662-4beb-a9cb-f7dac8f25dc8&quot;,&quot;22d0d9c3-50eb-4e67-9597-fee82493bea5&quot;,&quot;1201f5e8-5c78-4f42-81a0-9cdc01931aca&quot;,&quot;5c7adf06-0011-4c6b-b8e1-dcbe1df0a163&quot;,&quot;ec5cac07-624e-45d7-a803-4414b46d193e&quot;,&quot;740476fb-c585-480f-9d75-e1cce9afc063&quot;,&quot;49fd6ec7-de99-4624-8325-d46da840da70&quot;,&quot;4648191d-7515-48d3-97c9-0beb1f076216&quot;,&quot;8539d23c-6abf-46f9-8c0c-317681ee28a2&quot;,&quot;30cdf0e5-bd9b-49f8-8d81-861a24f77b84&quot;,&quot;76dd1fbc-b64b-4672-ac40-0f8a89f06866&quot;,&quot;6d66e04c-669e-4419-8842-c0265db6d4af&quot;,&quot;d3d93002-44cd-41d2-8344-7723b3763375&quot;,&quot;36d0b1f8-ee96-410a-938e-10ad0047bfbd&quot;,&quot;b53f290e-b23c-4e5f-bdbc-4b89a0bd865f&quot;,&quot;ff429f87-b708-48a0-9159-b246ac41f6aa&quot;,&quot;a261d2fd-f26a-4fee-849c-badfdf08364b&quot;,&quot;b1915713-d666-499b-9d61-b9cf14454aaa&quot;,&quot;66da8720-27a4-4f11-aded-28df5965136f&quot;,&quot;73e8f1fd-13e5-4363-afa4-b61e51edacd9&quot;,&quot;3825311d-4251-4457-9541-9151a31789ef&quot;,&quot;32e4ff08-1efd-4c3e-8e18-4972cd07c0ad&quot;,&quot;82cedb5f-16fb-436b-b105-0061889208e1&quot;,&quot;1ae6c34d-b2c0-431f-9744-42291568b4dc&quot;,&quot;68430c4c-6efd-42fb-80f0-f2444fa47b78&quot;,&quot;dc31674e-83f9-44d6-b575-ae9dd39f3b00&quot;,&quot;781b0596-69eb-4de4-88d9-5b3d53009ce4&quot;,&quot;74e0ed0a-9ce0-4c38-9b6d-2fe7a3917c1a&quot;,&quot;d43cdfc6-9181-40f9-ad49-6e2e5687c58e&quot;,&quot;77744988-1bfc-453f-b59e-af2f16e5666e&quot;,&quot;3387bc85-33da-4d56-af5f-fb955284636e&quot;,&quot;c2b431e6-9775-4675-b455-c9eb85a209a7&quot;,&quot;c128e3fc-47d6-4b4b-a0d6-ef14997b7f6c&quot;,&quot;e4d6b10c-3883-4bbd-9789-88a18f488d47&quot;,&quot;c72e949d-2cae-41bd-8e41-2f5970a177ba&quot;,&quot;3f34e8e6-ef09-4e3d-b23c-e658da26dab2&quot;,&quot;6f00ca99-c12b-4f74-849f-1dd3376c7f6a&quot;,&quot;5a33d612-8f84-400c-8c62-4aa9e4ca40da&quot;,&quot;ef61e477-d04b-4e08-9581-08ed74eb133b&quot;,&quot;63ecc404-dba1-4a15-813f-6c3a65a5e14f&quot;,&quot;b1fb9e46-ffc6-4992-8c06-cc04310918aa&quot;,&quot;d84a418c-a4d1-4501-a7d2-aeb876f190e1&quot;,&quot;6e975f20-1f6c-498a-9055-f32c1851d79c&quot;,&quot;a9429e0e-a888-4e35-9326-d467a034dc3f&quot;,&quot;31abc739-592b-4fa8-8596-776cf7fdc800&quot;,&quot;0d73f182-2f12-4328-838e-f615bf53fde8&quot;,&quot;1a393b8f-496f-432a-927d-526e6f4e67e5&quot;,&quot;f17672c9-25cc-46fd-b0b7-d4b8f1a9a4d5&quot;,&quot;1fa39df0-6297-4dfc-9483-864713a25075&quot;,&quot;e0f98a76-0413-483e-bda5-59ea6ecbf15a&quot;,&quot;ac675815-4c93-459b-98b6-f90d97ab56f4&quot;,&quot;c3beef28-7d0c-4a3a-8e4e-1eee8e0dee48&quot;,&quot;e456ce84-927a-4de0-a9ca-66f33489b723&quot;,&quot;12931718-33f4-46a7-aee7-6898a3baab94&quot;,&quot;a62f0790-1ce8-4fe8-bec2-df0ee27920f5&quot;,&quot;51967c5c-f1e4-42e0-a7a3-7731e7a4d4c6&quot;,&quot;fb9794c7-9242-47f8-8592-3d1f34f3a045&quot;,&quot;97aafeb3-ee6c-406e-a03e-0736337f9f08&quot;,&quot;3a09482f-9bc1-47a8-928a-0fcdd92472a4&quot;,&quot;3193d1ea-042c-4c38-8bba-03a87b52678a&quot;,&quot;785d985c-b2c3-4268-abdd-f7b8cc81e2d9&quot;,&quot;3b8661a8-83a8-452b-b768-2b017cf484f4&quot;,&quot;7358b208-4587-4b41-9284-e45f73190bb9&quot;,&quot;fcf516d6-ac9e-441a-973a-2299ff4c1774&quot;,&quot;b3176890-c8f2-4624-9aa8-8e479d27dc68&quot;,&quot;095de789-5c68-48ca-94e1-1868371dbf72&quot;,&quot;ccc53099-771a-42be-9ea5-d3c3e64ff64e&quot;,&quot;d2264db9-f448-4486-a9ed-32ab90ca5240&quot;,&quot;4bd4e680-dad7-466d-9cdd-76852960b21d&quot;,&quot;faa48e47-23ad-4416-b110-f416df1d7574&quot;,&quot;b9ff888c-70b0-455d-9578-a2408aad96dd&quot;,&quot;51920074-c4a0-4902-97e5-be2234c9192c&quot;,&quot;891e7732-592c-48a8-8b3a-59a9dd051236&quot;,&quot;ea1a3beb-0864-4fe2-9e8e-6dac01050b5f&quot;,&quot;56026a5f-b615-4ee0-b11f-50b056eaa49d&quot;,&quot;ea85097a-8a5d-48c7-b635-f95e5bee6005&quot;,&quot;e5f3b096-2666-479b-bb41-7a58b1d7d1e4&quot;,&quot;02a3b9c4-48bc-4525-9723-ee3d095bf523&quot;,&quot;aa6a0b0e-7105-42fe-a283-ef6e2c90a4a8&quot;,&quot;31d92f9d-b406-4862-99a4-c23d9a6393c9&quot;,&quot;0c3d54a0-c97c-45a1-84c9-2b4b6c0dbfa4&quot;,&quot;5bae44fe-6e22-447f-a606-a312a4874ad6&quot;,&quot;2f8b870c-2306-48e2-b2c7-4e713028a39f&quot;,&quot;575531f2-f829-47b5-befd-9e9b6fb9b6a4&quot;,&quot;247b3404-b525-438c-b19c-bc9e82b0c7f7&quot;,&quot;8e7f3dec-196e-4a22-99fc-7030c24c2208&quot;,&quot;3fc319bf-8e2a-4383-98b4-99335fd0c3e1&quot;,&quot;02496e84-6b13-4d09-b327-376a51c91e7d&quot;,&quot;f9c419af-899d-42ce-92d5-af340ed0adb3&quot;,&quot;662427e6-eb32-4c17-9a43-81fd996c0b8a&quot;,&quot;31b53294-bf41-4071-8658-a223b0cd5ba9&quot;,&quot;8a860304-6afa-474a-8e55-f29f10c914f2&quot;,&quot;59c4a74f-a12d-4aa6-bd9c-b10bc27d631c&quot;,&quot;0fde6687-fb09-419b-af39-b1f50d309257&quot;,&quot;20296214-a541-448e-aed6-43958bc60c92&quot;,&quot;3cb79f31-d77c-490e-8449-384728744430&quot;,&quot;9cd1d042-f63d-4aab-a4c8-0f3513a0a9d0&quot;,&quot;7ef5deb9-ff23-49a0-ab53-df0f054b6ffa&quot;,&quot;c01978a5-db14-44c0-935a-de1d94e96556&quot;,&quot;07bfaa4c-c5dd-437a-921d-dfbcde781e48&quot;,&quot;716c82d2-ebe1-47dd-8943-8c7b8d817ac7&quot;,&quot;f52d3811-518b-4ace-bf3c-135b1f3e522a&quot;,&quot;ac400379-ae39-478a-88eb-a15add7ba528&quot;,&quot;e74e0e80-d292-4df1-a0f0-4d98c639af44&quot;,&quot;bf4ca86b-971b-4f4a-aafb-ae638ff41269&quot;,&quot;fe3401a1-f7cf-4526-8069-b5268753758b&quot;,&quot;35d2de6e-0023-4971-a2f9-d8df36e645fb&quot;,&quot;379896e6-ff0b-4c5d-884a-aeb4237863f7&quot;,&quot;7765df07-43c0-49c1-b433-a5c417be7c97&quot;,&quot;d5e69aed-e637-4034-a05c-050a4e1f65f2&quot;,&quot;0066a306-c518-4ce8-9bcd-5c08509f5476&quot;,&quot;0d23583e-4d18-4878-8eee-5648f96cb5d6&quot;,&quot;adcc8b78-10ca-49b7-87b9-8a4de2634b8b&quot;,&quot;7d82ce0d-52d5-476d-91e6-ac7d47fbc574&quot;,&quot;0a6e677e-ed31-43fa-810f-a298f7dcc36a&quot;,&quot;7b8bbefd-fb73-4dd3-9db1-3d9ad703e0a8&quot;,&quot;88905a90-335b-4e64-b528-f930db686cfc&quot;,&quot;a0020818-6752-442f-9fa6-63d52c7f23fc&quot;,&quot;8590fc4f-b5fd-49f7-8691-f6c1f3f9db22&quot;,&quot;ff8faf34-f7ca-41aa-8cdc-0642f9e45376&quot;,&quot;9385ebf9-8c06-4860-b296-f31ba4daf7ed&quot;,&quot;53e05db0-8851-42c7-becc-438b0795036e&quot;,&quot;67778786-cf33-4390-b808-8f30a2da9c2a&quot;,&quot;083c140a-0747-4220-87a7-031f8f578b88&quot;,&quot;e5f23a77-0d56-40da-a7fc-eecd728f6bdd&quot;,&quot;166378fb-a5c8-4342-9f73-bc25db1284a4&quot;,&quot;7feda65f-e041-487f-974b-2760087c56ec&quot;,&quot;4cb92ff9-58fc-46e3-9309-ebcc48f3c4d3&quot;,&quot;a1fc57da-6eda-4841-95a7-ba288628d3f2&quot;,&quot;297acb2e-6643-40aa-a1ef-080e94c1a71d&quot;,&quot;7fddecd3-2995-4e47-a681-a7522e5ef7b6&quot;,&quot;d4340adb-3983-4762-b1cf-945d66600bb5&quot;,&quot;c545ef80-6506-4f29-9608-66b0cff8b1ef&quot;,&quot;96aab897-7e3c-4d36-8acd-63fddf71ef00&quot;,&quot;2b0dd98d-a1bf-408c-850a-aeb9917288a5&quot;,&quot;006c79d4-136b-496a-99a2-5164aa04679e&quot;,&quot;170f6f4d-d0b8-431c-b286-0c361945cf88&quot;,&quot;1feead20-0bc1-406a-9877-a34645017860&quot;,&quot;776a289d-78fc-44b8-ba44-7796d7bbe09a&quot;,&quot;641b1c30-d7df-42b3-a97d-8d79ef8d058b&quot;,&quot;eb747dd5-f27f-4e6b-a3b5-6ec5e9d7fbf1&quot;],&quot;TimeStamp&quot;:&quot;2019-04-15T09:10:03.8482142-07:00&quot;}"/>
@@ -38511,18 +40751,32 @@
 
 <file path=ppt/tags/tag10.xml><?xml version="1.0" encoding="utf-8"?>
 <p:tagLst xmlns:a="http://schemas.openxmlformats.org/drawingml/2006/main" xmlns:r="http://schemas.openxmlformats.org/officeDocument/2006/relationships" xmlns:p="http://schemas.openxmlformats.org/presentationml/2006/main">
+  <p:tag name="__MICROSOFT_TRANSLATOR_CLM_SLIDEINFO" val="{&quot;Guid&quot;:&quot;51dd0746-5d84-4fdb-93a7-5223aa4d1a8c&quot;,&quot;TimeStamp&quot;:&quot;2019-04-15T09:10:03.5835276-07:00&quot;}"/>
+  <p:tag name="TIMING" val="|2.4|35.1|22.6"/>
+</p:tagLst>
+</file>
+
+<file path=ppt/tags/tag11.xml><?xml version="1.0" encoding="utf-8"?>
+<p:tagLst xmlns:a="http://schemas.openxmlformats.org/drawingml/2006/main" xmlns:r="http://schemas.openxmlformats.org/officeDocument/2006/relationships" xmlns:p="http://schemas.openxmlformats.org/presentationml/2006/main">
+  <p:tag name="__MICROSOFT_TRANSLATOR_CLM_SLIDEINFO" val="{&quot;Guid&quot;:&quot;21ff8925-b956-4314-83d7-6cdc03986049&quot;,&quot;TimeStamp&quot;:&quot;2018-12-19T11:20:48.1261044+00:00&quot;}"/>
+  <p:tag name="TIMING" val="|2.4|3.1|4.5|5.5"/>
+</p:tagLst>
+</file>
+
+<file path=ppt/tags/tag12.xml><?xml version="1.0" encoding="utf-8"?>
+<p:tagLst xmlns:a="http://schemas.openxmlformats.org/drawingml/2006/main" xmlns:r="http://schemas.openxmlformats.org/officeDocument/2006/relationships" xmlns:p="http://schemas.openxmlformats.org/presentationml/2006/main">
   <p:tag name="__MICROSOFT_TRANSLATOR_CLM_SLIDEINFO" val="{&quot;Guid&quot;:&quot;4e7f7d60-f55b-44ea-8ede-a403e3c8b6ad&quot;,&quot;TimeStamp&quot;:&quot;2019-04-15T09:10:03.5861038-07:00&quot;}"/>
 </p:tagLst>
 </file>
 
-<file path=ppt/tags/tag11.xml><?xml version="1.0" encoding="utf-8"?>
+<file path=ppt/tags/tag13.xml><?xml version="1.0" encoding="utf-8"?>
 <p:tagLst xmlns:a="http://schemas.openxmlformats.org/drawingml/2006/main" xmlns:r="http://schemas.openxmlformats.org/officeDocument/2006/relationships" xmlns:p="http://schemas.openxmlformats.org/presentationml/2006/main">
   <p:tag name="__MICROSOFT_TRANSLATOR_CLM_SLIDEINFO" val="{&quot;Guid&quot;:&quot;03427c60-ee99-455b-a44c-a9cda6291dc8&quot;,&quot;TimeStamp&quot;:&quot;2019-04-15T09:10:03.5906226-07:00&quot;}"/>
   <p:tag name="TIMING" val="|22.2|16.2|12.5"/>
 </p:tagLst>
 </file>
 
-<file path=ppt/tags/tag12.xml><?xml version="1.0" encoding="utf-8"?>
+<file path=ppt/tags/tag14.xml><?xml version="1.0" encoding="utf-8"?>
 <p:tagLst xmlns:a="http://schemas.openxmlformats.org/drawingml/2006/main" xmlns:r="http://schemas.openxmlformats.org/officeDocument/2006/relationships" xmlns:p="http://schemas.openxmlformats.org/presentationml/2006/main">
   <p:tag name="__MICROSOFT_TRANSLATOR_CLM_SLIDEINFO" val="{&quot;Guid&quot;:&quot;de6c6708-d36b-486b-b05b-68381d79eaa9&quot;,&quot;TimeStamp&quot;:&quot;2019-04-15T09:10:03.6055972-07:00&quot;}"/>
   <p:tag name="TIMING" val="|12.7|9.7"/>
@@ -38537,45 +40791,43 @@
 
 <file path=ppt/tags/tag3.xml><?xml version="1.0" encoding="utf-8"?>
 <p:tagLst xmlns:a="http://schemas.openxmlformats.org/drawingml/2006/main" xmlns:r="http://schemas.openxmlformats.org/officeDocument/2006/relationships" xmlns:p="http://schemas.openxmlformats.org/presentationml/2006/main">
-  <p:tag name="__MICROSOFT_TRANSLATOR_CLM_SLIDEINFO" val="{&quot;Guid&quot;:&quot;bd27f58f-8c31-4e7f-8019-4e9ea7440194&quot;,&quot;TimeStamp&quot;:&quot;2019-04-15T09:10:03.5177621-07:00&quot;}"/>
+  <p:tag name="THINKCELLSHAPEDONOTDELETE" val="thinkcellActiveDocDoNotDelete"/>
 </p:tagLst>
 </file>
 
 <file path=ppt/tags/tag4.xml><?xml version="1.0" encoding="utf-8"?>
 <p:tagLst xmlns:a="http://schemas.openxmlformats.org/drawingml/2006/main" xmlns:r="http://schemas.openxmlformats.org/officeDocument/2006/relationships" xmlns:p="http://schemas.openxmlformats.org/presentationml/2006/main">
-  <p:tag name="__MICROSOFT_TRANSLATOR_CLM_SLIDEINFO" val="{&quot;Guid&quot;:&quot;641b1c30-d7df-42b3-a97d-8d79ef8d058b&quot;,&quot;TimeStamp&quot;:&quot;2019-04-15T09:10:03.8443714-07:00&quot;}"/>
+  <p:tag name="__MICROSOFT_TRANSLATOR_CLM_SLIDEINFO" val="{&quot;Guid&quot;:&quot;bd27f58f-8c31-4e7f-8019-4e9ea7440194&quot;,&quot;TimeStamp&quot;:&quot;2019-04-15T09:10:03.5177621-07:00&quot;}"/>
 </p:tagLst>
 </file>
 
 <file path=ppt/tags/tag5.xml><?xml version="1.0" encoding="utf-8"?>
 <p:tagLst xmlns:a="http://schemas.openxmlformats.org/drawingml/2006/main" xmlns:r="http://schemas.openxmlformats.org/officeDocument/2006/relationships" xmlns:p="http://schemas.openxmlformats.org/presentationml/2006/main">
-  <p:tag name="TIMING" val="|1.3|21.7|34.2"/>
+  <p:tag name="__MICROSOFT_TRANSLATOR_CLM_SLIDEINFO" val="{&quot;Guid&quot;:&quot;641b1c30-d7df-42b3-a97d-8d79ef8d058b&quot;,&quot;TimeStamp&quot;:&quot;2019-04-15T09:10:03.8443714-07:00&quot;}"/>
 </p:tagLst>
 </file>
 
 <file path=ppt/tags/tag6.xml><?xml version="1.0" encoding="utf-8"?>
 <p:tagLst xmlns:a="http://schemas.openxmlformats.org/drawingml/2006/main" xmlns:r="http://schemas.openxmlformats.org/officeDocument/2006/relationships" xmlns:p="http://schemas.openxmlformats.org/presentationml/2006/main">
-  <p:tag name="__MICROSOFT_TRANSLATOR_CLM_SLIDEINFO" val="{&quot;Guid&quot;:&quot;2fe54f78-5ea0-4d0b-805c-26d8d6cfced0&quot;,&quot;TimeStamp&quot;:&quot;2019-04-15T09:10:03.5799143-07:00&quot;}"/>
+  <p:tag name="TIMING" val="|1.3|21.7|34.2"/>
 </p:tagLst>
 </file>
 
 <file path=ppt/tags/tag7.xml><?xml version="1.0" encoding="utf-8"?>
 <p:tagLst xmlns:a="http://schemas.openxmlformats.org/drawingml/2006/main" xmlns:r="http://schemas.openxmlformats.org/officeDocument/2006/relationships" xmlns:p="http://schemas.openxmlformats.org/presentationml/2006/main">
-  <p:tag name="TIMING" val="|7.7|9.4|25.6|16.2"/>
+  <p:tag name="__MICROSOFT_TRANSLATOR_CLM_SLIDEINFO" val="{&quot;Guid&quot;:&quot;2fe54f78-5ea0-4d0b-805c-26d8d6cfced0&quot;,&quot;TimeStamp&quot;:&quot;2019-04-15T09:10:03.5799143-07:00&quot;}"/>
 </p:tagLst>
 </file>
 
 <file path=ppt/tags/tag8.xml><?xml version="1.0" encoding="utf-8"?>
 <p:tagLst xmlns:a="http://schemas.openxmlformats.org/drawingml/2006/main" xmlns:r="http://schemas.openxmlformats.org/officeDocument/2006/relationships" xmlns:p="http://schemas.openxmlformats.org/presentationml/2006/main">
-  <p:tag name="__MICROSOFT_TRANSLATOR_CLM_SLIDEINFO" val="{&quot;Guid&quot;:&quot;51dd0746-5d84-4fdb-93a7-5223aa4d1a8c&quot;,&quot;TimeStamp&quot;:&quot;2019-04-15T09:10:03.5835276-07:00&quot;}"/>
-  <p:tag name="TIMING" val="|2.4|35.1|22.6"/>
+  <p:tag name="TIMING" val="|39.6|26.8"/>
 </p:tagLst>
 </file>
 
 <file path=ppt/tags/tag9.xml><?xml version="1.0" encoding="utf-8"?>
 <p:tagLst xmlns:a="http://schemas.openxmlformats.org/drawingml/2006/main" xmlns:r="http://schemas.openxmlformats.org/officeDocument/2006/relationships" xmlns:p="http://schemas.openxmlformats.org/presentationml/2006/main">
-  <p:tag name="__MICROSOFT_TRANSLATOR_CLM_SLIDEINFO" val="{&quot;Guid&quot;:&quot;21ff8925-b956-4314-83d7-6cdc03986049&quot;,&quot;TimeStamp&quot;:&quot;2018-12-19T11:20:48.1261044+00:00&quot;}"/>
-  <p:tag name="TIMING" val="|2.4|3.1|4.5|5.5"/>
+  <p:tag name="TIMING" val="|7.7|9.4|25.6|16.2"/>
 </p:tagLst>
 </file>
 
@@ -39419,8 +41671,8 @@
 </file>
 
 <file path=customXml/item3.xml><?xml version="1.0" encoding="utf-8"?>
-<ct:contentTypeSchema xmlns:ct="http://schemas.microsoft.com/office/2006/metadata/contentType" xmlns:ma="http://schemas.microsoft.com/office/2006/metadata/properties/metaAttributes" ct:_="" ma:_="" ma:contentTypeName="Document" ma:contentTypeID="0x0101004637B333D9039F42B4A841E7D21AD3E7" ma:contentTypeVersion="5" ma:contentTypeDescription="Create a new document." ma:contentTypeScope="" ma:versionID="1f59f1658d780e0b4c7f1ae8a5e1509b">
-  <xsd:schema xmlns:xsd="http://www.w3.org/2001/XMLSchema" xmlns:xs="http://www.w3.org/2001/XMLSchema" xmlns:p="http://schemas.microsoft.com/office/2006/metadata/properties" xmlns:ns2="3520180a-3b72-4868-9ddb-261d82f11a91" targetNamespace="http://schemas.microsoft.com/office/2006/metadata/properties" ma:root="true" ma:fieldsID="e8c07af3b0c20b254d99977dc4d26b0c" ns2:_="">
+<ct:contentTypeSchema xmlns:ct="http://schemas.microsoft.com/office/2006/metadata/contentType" xmlns:ma="http://schemas.microsoft.com/office/2006/metadata/properties/metaAttributes" ct:_="" ma:_="" ma:contentTypeName="Document" ma:contentTypeID="0x0101004637B333D9039F42B4A841E7D21AD3E7" ma:contentTypeVersion="7" ma:contentTypeDescription="Create a new document." ma:contentTypeScope="" ma:versionID="385892ca22301f732aa61e9e24b0427a">
+  <xsd:schema xmlns:xsd="http://www.w3.org/2001/XMLSchema" xmlns:xs="http://www.w3.org/2001/XMLSchema" xmlns:p="http://schemas.microsoft.com/office/2006/metadata/properties" xmlns:ns2="3520180a-3b72-4868-9ddb-261d82f11a91" targetNamespace="http://schemas.microsoft.com/office/2006/metadata/properties" ma:root="true" ma:fieldsID="524886d73bd9f25fcf95cbf5af8c08e0" ns2:_="">
     <xsd:import namespace="3520180a-3b72-4868-9ddb-261d82f11a91"/>
     <xsd:element name="properties">
       <xsd:complexType>
@@ -39433,6 +41685,8 @@
                 <xsd:element ref="ns2:MediaServiceDateTaken" minOccurs="0"/>
                 <xsd:element ref="ns2:MediaServiceAutoKeyPoints" minOccurs="0"/>
                 <xsd:element ref="ns2:MediaServiceKeyPoints" minOccurs="0"/>
+                <xsd:element ref="ns2:MediaServiceAutoTags" minOccurs="0"/>
+                <xsd:element ref="ns2:MediaServiceOCR" minOccurs="0"/>
               </xsd:all>
             </xsd:complexType>
           </xsd:element>
@@ -39464,6 +41718,18 @@
       </xsd:simpleType>
     </xsd:element>
     <xsd:element name="MediaServiceKeyPoints" ma:index="12" nillable="true" ma:displayName="KeyPoints" ma:internalName="MediaServiceKeyPoints" ma:readOnly="true">
+      <xsd:simpleType>
+        <xsd:restriction base="dms:Note">
+          <xsd:maxLength value="255"/>
+        </xsd:restriction>
+      </xsd:simpleType>
+    </xsd:element>
+    <xsd:element name="MediaServiceAutoTags" ma:index="13" nillable="true" ma:displayName="Tags" ma:internalName="MediaServiceAutoTags" ma:readOnly="true">
+      <xsd:simpleType>
+        <xsd:restriction base="dms:Text"/>
+      </xsd:simpleType>
+    </xsd:element>
+    <xsd:element name="MediaServiceOCR" ma:index="14" nillable="true" ma:displayName="Extracted Text" ma:internalName="MediaServiceOCR" ma:readOnly="true">
       <xsd:simpleType>
         <xsd:restriction base="dms:Note">
           <xsd:maxLength value="255"/>
@@ -39588,7 +41854,7 @@
 </file>
 
 <file path=customXml/itemProps3.xml><?xml version="1.0" encoding="utf-8"?>
-<ds:datastoreItem xmlns:ds="http://schemas.openxmlformats.org/officeDocument/2006/customXml" ds:itemID="{E37292E9-12B4-4E82-95E1-848C8ADB28EF}">
+<ds:datastoreItem xmlns:ds="http://schemas.openxmlformats.org/officeDocument/2006/customXml" ds:itemID="{44AD2D97-B0BB-4F6F-AFC0-00BD2A1CBE68}">
   <ds:schemaRefs>
     <ds:schemaRef ds:uri="http://schemas.microsoft.com/office/2006/metadata/contentType"/>
     <ds:schemaRef ds:uri="http://schemas.microsoft.com/office/2006/metadata/properties/metaAttributes"/>
